--- a/docs/UML/Parser.pptx
+++ b/docs/UML/Parser.pptx
@@ -6,6 +6,7 @@
   </p:sldMasterIdLst>
   <p:sldIdLst>
     <p:sldId id="256" r:id="rId2"/>
+    <p:sldId id="258" r:id="rId3"/>
   </p:sldIdLst>
   <p:sldSz cx="12192000" cy="6858000"/>
   <p:notesSz cx="6858000" cy="9144000"/>
@@ -104,6 +105,11 @@
       </a:defRPr>
     </a:lvl9pPr>
   </p:defaultTextStyle>
+  <p:extLst>
+    <p:ext uri="{EFAFB233-063F-42B5-8137-9DF3F51BA10A}">
+      <p15:sldGuideLst xmlns:p15="http://schemas.microsoft.com/office/powerpoint/2012/main"/>
+    </p:ext>
+  </p:extLst>
 </p:presentation>
 </file>
 
@@ -256,7 +262,7 @@
           <a:p>
             <a:fld id="{AA3D7B42-4147-4DDF-AA0D-49B94497005B}" type="datetimeFigureOut">
               <a:rPr lang="en-SG" smtClean="0"/>
-              <a:t>26/10/2023</a:t>
+              <a:t>28/10/2023</a:t>
             </a:fld>
             <a:endParaRPr lang="en-SG"/>
           </a:p>
@@ -456,7 +462,7 @@
           <a:p>
             <a:fld id="{AA3D7B42-4147-4DDF-AA0D-49B94497005B}" type="datetimeFigureOut">
               <a:rPr lang="en-SG" smtClean="0"/>
-              <a:t>26/10/2023</a:t>
+              <a:t>28/10/2023</a:t>
             </a:fld>
             <a:endParaRPr lang="en-SG"/>
           </a:p>
@@ -666,7 +672,7 @@
           <a:p>
             <a:fld id="{AA3D7B42-4147-4DDF-AA0D-49B94497005B}" type="datetimeFigureOut">
               <a:rPr lang="en-SG" smtClean="0"/>
-              <a:t>26/10/2023</a:t>
+              <a:t>28/10/2023</a:t>
             </a:fld>
             <a:endParaRPr lang="en-SG"/>
           </a:p>
@@ -866,7 +872,7 @@
           <a:p>
             <a:fld id="{AA3D7B42-4147-4DDF-AA0D-49B94497005B}" type="datetimeFigureOut">
               <a:rPr lang="en-SG" smtClean="0"/>
-              <a:t>26/10/2023</a:t>
+              <a:t>28/10/2023</a:t>
             </a:fld>
             <a:endParaRPr lang="en-SG"/>
           </a:p>
@@ -1142,7 +1148,7 @@
           <a:p>
             <a:fld id="{AA3D7B42-4147-4DDF-AA0D-49B94497005B}" type="datetimeFigureOut">
               <a:rPr lang="en-SG" smtClean="0"/>
-              <a:t>26/10/2023</a:t>
+              <a:t>28/10/2023</a:t>
             </a:fld>
             <a:endParaRPr lang="en-SG"/>
           </a:p>
@@ -1410,7 +1416,7 @@
           <a:p>
             <a:fld id="{AA3D7B42-4147-4DDF-AA0D-49B94497005B}" type="datetimeFigureOut">
               <a:rPr lang="en-SG" smtClean="0"/>
-              <a:t>26/10/2023</a:t>
+              <a:t>28/10/2023</a:t>
             </a:fld>
             <a:endParaRPr lang="en-SG"/>
           </a:p>
@@ -1825,7 +1831,7 @@
           <a:p>
             <a:fld id="{AA3D7B42-4147-4DDF-AA0D-49B94497005B}" type="datetimeFigureOut">
               <a:rPr lang="en-SG" smtClean="0"/>
-              <a:t>26/10/2023</a:t>
+              <a:t>28/10/2023</a:t>
             </a:fld>
             <a:endParaRPr lang="en-SG"/>
           </a:p>
@@ -1967,7 +1973,7 @@
           <a:p>
             <a:fld id="{AA3D7B42-4147-4DDF-AA0D-49B94497005B}" type="datetimeFigureOut">
               <a:rPr lang="en-SG" smtClean="0"/>
-              <a:t>26/10/2023</a:t>
+              <a:t>28/10/2023</a:t>
             </a:fld>
             <a:endParaRPr lang="en-SG"/>
           </a:p>
@@ -2080,7 +2086,7 @@
           <a:p>
             <a:fld id="{AA3D7B42-4147-4DDF-AA0D-49B94497005B}" type="datetimeFigureOut">
               <a:rPr lang="en-SG" smtClean="0"/>
-              <a:t>26/10/2023</a:t>
+              <a:t>28/10/2023</a:t>
             </a:fld>
             <a:endParaRPr lang="en-SG"/>
           </a:p>
@@ -2393,7 +2399,7 @@
           <a:p>
             <a:fld id="{AA3D7B42-4147-4DDF-AA0D-49B94497005B}" type="datetimeFigureOut">
               <a:rPr lang="en-SG" smtClean="0"/>
-              <a:t>26/10/2023</a:t>
+              <a:t>28/10/2023</a:t>
             </a:fld>
             <a:endParaRPr lang="en-SG"/>
           </a:p>
@@ -2682,7 +2688,7 @@
           <a:p>
             <a:fld id="{AA3D7B42-4147-4DDF-AA0D-49B94497005B}" type="datetimeFigureOut">
               <a:rPr lang="en-SG" smtClean="0"/>
-              <a:t>26/10/2023</a:t>
+              <a:t>28/10/2023</a:t>
             </a:fld>
             <a:endParaRPr lang="en-SG"/>
           </a:p>
@@ -2925,7 +2931,7 @@
           <a:p>
             <a:fld id="{AA3D7B42-4147-4DDF-AA0D-49B94497005B}" type="datetimeFigureOut">
               <a:rPr lang="en-SG" smtClean="0"/>
-              <a:t>26/10/2023</a:t>
+              <a:t>28/10/2023</a:t>
             </a:fld>
             <a:endParaRPr lang="en-SG"/>
           </a:p>
@@ -3342,12 +3348,327 @@
           <a:chExt cx="0" cy="0"/>
         </a:xfrm>
       </p:grpSpPr>
+      <p:cxnSp>
+        <p:nvCxnSpPr>
+          <p:cNvPr id="74" name="Straight Connector 73">
+            <a:extLst>
+              <a:ext uri="{FF2B5EF4-FFF2-40B4-BE49-F238E27FC236}">
+                <a16:creationId xmlns:a16="http://schemas.microsoft.com/office/drawing/2014/main" id="{7AF590F5-3191-6070-1271-CA15FFC73919}"/>
+              </a:ext>
+            </a:extLst>
+          </p:cNvPr>
+          <p:cNvCxnSpPr>
+            <a:cxnSpLocks/>
+          </p:cNvCxnSpPr>
+          <p:nvPr/>
+        </p:nvCxnSpPr>
+        <p:spPr>
+          <a:xfrm>
+            <a:off x="5578123" y="990369"/>
+            <a:ext cx="0" cy="5660044"/>
+          </a:xfrm>
+          <a:prstGeom prst="line">
+            <a:avLst/>
+          </a:prstGeom>
+          <a:ln w="28575">
+            <a:prstDash val="dash"/>
+          </a:ln>
+        </p:spPr>
+        <p:style>
+          <a:lnRef idx="1">
+            <a:schemeClr val="accent1"/>
+          </a:lnRef>
+          <a:fillRef idx="0">
+            <a:schemeClr val="accent1"/>
+          </a:fillRef>
+          <a:effectRef idx="0">
+            <a:schemeClr val="accent1"/>
+          </a:effectRef>
+          <a:fontRef idx="minor">
+            <a:schemeClr val="tx1"/>
+          </a:fontRef>
+        </p:style>
+      </p:cxnSp>
+      <p:sp>
+        <p:nvSpPr>
+          <p:cNvPr id="70" name="TextBox 69">
+            <a:extLst>
+              <a:ext uri="{FF2B5EF4-FFF2-40B4-BE49-F238E27FC236}">
+                <a16:creationId xmlns:a16="http://schemas.microsoft.com/office/drawing/2014/main" id="{97E77364-3093-6DBD-2945-61F277E1E743}"/>
+              </a:ext>
+            </a:extLst>
+          </p:cNvPr>
+          <p:cNvSpPr txBox="1"/>
+          <p:nvPr/>
+        </p:nvSpPr>
+        <p:spPr>
+          <a:xfrm>
+            <a:off x="4648607" y="992273"/>
+            <a:ext cx="1851693" cy="276999"/>
+          </a:xfrm>
+          <a:prstGeom prst="rect">
+            <a:avLst/>
+          </a:prstGeom>
+          <a:solidFill>
+            <a:schemeClr val="bg1"/>
+          </a:solidFill>
+        </p:spPr>
+        <p:txBody>
+          <a:bodyPr wrap="square" rtlCol="0">
+            <a:spAutoFit/>
+          </a:bodyPr>
+          <a:lstStyle/>
+          <a:p>
+            <a:pPr algn="ctr"/>
+            <a:r>
+              <a:rPr lang="en-SG" altLang="zh-CN" sz="1200" dirty="0" err="1"/>
+              <a:t>parseCommand</a:t>
+            </a:r>
+            <a:r>
+              <a:rPr lang="en-SG" altLang="zh-CN" sz="1200" dirty="0"/>
+              <a:t>(</a:t>
+            </a:r>
+            <a:r>
+              <a:rPr lang="en-US" altLang="zh-CN" sz="1200" dirty="0" err="1"/>
+              <a:t>userInput</a:t>
+            </a:r>
+            <a:r>
+              <a:rPr lang="en-SG" altLang="zh-CN" sz="1200" dirty="0"/>
+              <a:t>)</a:t>
+            </a:r>
+            <a:endParaRPr lang="zh-CN" altLang="en-US" sz="1200" dirty="0"/>
+          </a:p>
+        </p:txBody>
+      </p:sp>
+      <p:sp>
+        <p:nvSpPr>
+          <p:cNvPr id="7" name="Rectangle 6">
+            <a:extLst>
+              <a:ext uri="{FF2B5EF4-FFF2-40B4-BE49-F238E27FC236}">
+                <a16:creationId xmlns:a16="http://schemas.microsoft.com/office/drawing/2014/main" id="{0AE302DE-1A1F-F08E-87B6-0D85BAFAFB73}"/>
+              </a:ext>
+            </a:extLst>
+          </p:cNvPr>
+          <p:cNvSpPr/>
+          <p:nvPr/>
+        </p:nvSpPr>
+        <p:spPr>
+          <a:xfrm>
+            <a:off x="1593677" y="207584"/>
+            <a:ext cx="1627059" cy="324862"/>
+          </a:xfrm>
+          <a:prstGeom prst="rect">
+            <a:avLst/>
+          </a:prstGeom>
+        </p:spPr>
+        <p:style>
+          <a:lnRef idx="2">
+            <a:schemeClr val="accent1">
+              <a:shade val="15000"/>
+            </a:schemeClr>
+          </a:lnRef>
+          <a:fillRef idx="1">
+            <a:schemeClr val="accent1"/>
+          </a:fillRef>
+          <a:effectRef idx="0">
+            <a:schemeClr val="accent1"/>
+          </a:effectRef>
+          <a:fontRef idx="minor">
+            <a:schemeClr val="lt1"/>
+          </a:fontRef>
+        </p:style>
+        <p:txBody>
+          <a:bodyPr rtlCol="0" anchor="ctr"/>
+          <a:lstStyle/>
+          <a:p>
+            <a:pPr algn="ctr"/>
+            <a:r>
+              <a:rPr lang="en-US" altLang="zh-CN" sz="1600" dirty="0"/>
+              <a:t>:</a:t>
+            </a:r>
+            <a:r>
+              <a:rPr lang="en-US" altLang="zh-CN" sz="1600" dirty="0" err="1"/>
+              <a:t>QuizHub</a:t>
+            </a:r>
+            <a:endParaRPr lang="zh-CN" altLang="en-US" sz="1600" dirty="0"/>
+          </a:p>
+        </p:txBody>
+      </p:sp>
+      <p:cxnSp>
+        <p:nvCxnSpPr>
+          <p:cNvPr id="8" name="Straight Connector 7">
+            <a:extLst>
+              <a:ext uri="{FF2B5EF4-FFF2-40B4-BE49-F238E27FC236}">
+                <a16:creationId xmlns:a16="http://schemas.microsoft.com/office/drawing/2014/main" id="{9683FABE-A80D-1E24-6E5D-4B39A1AFAD22}"/>
+              </a:ext>
+            </a:extLst>
+          </p:cNvPr>
+          <p:cNvCxnSpPr>
+            <a:cxnSpLocks/>
+          </p:cNvCxnSpPr>
+          <p:nvPr/>
+        </p:nvCxnSpPr>
+        <p:spPr>
+          <a:xfrm>
+            <a:off x="2407207" y="532446"/>
+            <a:ext cx="0" cy="254214"/>
+          </a:xfrm>
+          <a:prstGeom prst="line">
+            <a:avLst/>
+          </a:prstGeom>
+          <a:ln w="28575">
+            <a:prstDash val="dash"/>
+          </a:ln>
+        </p:spPr>
+        <p:style>
+          <a:lnRef idx="1">
+            <a:schemeClr val="accent1"/>
+          </a:lnRef>
+          <a:fillRef idx="0">
+            <a:schemeClr val="accent1"/>
+          </a:fillRef>
+          <a:effectRef idx="0">
+            <a:schemeClr val="accent1"/>
+          </a:effectRef>
+          <a:fontRef idx="minor">
+            <a:schemeClr val="tx1"/>
+          </a:fontRef>
+        </p:style>
+      </p:cxnSp>
+      <p:cxnSp>
+        <p:nvCxnSpPr>
+          <p:cNvPr id="9" name="Straight Arrow Connector 8">
+            <a:extLst>
+              <a:ext uri="{FF2B5EF4-FFF2-40B4-BE49-F238E27FC236}">
+                <a16:creationId xmlns:a16="http://schemas.microsoft.com/office/drawing/2014/main" id="{F39D991C-0158-05E0-A9A4-DAD7EDE14123}"/>
+              </a:ext>
+            </a:extLst>
+          </p:cNvPr>
+          <p:cNvCxnSpPr>
+            <a:cxnSpLocks/>
+          </p:cNvCxnSpPr>
+          <p:nvPr/>
+        </p:nvCxnSpPr>
+        <p:spPr>
+          <a:xfrm>
+            <a:off x="2487340" y="787812"/>
+            <a:ext cx="3003857" cy="0"/>
+          </a:xfrm>
+          <a:prstGeom prst="straightConnector1">
+            <a:avLst/>
+          </a:prstGeom>
+          <a:ln w="28575">
+            <a:tailEnd type="triangle"/>
+          </a:ln>
+        </p:spPr>
+        <p:style>
+          <a:lnRef idx="1">
+            <a:schemeClr val="accent1"/>
+          </a:lnRef>
+          <a:fillRef idx="0">
+            <a:schemeClr val="accent1"/>
+          </a:fillRef>
+          <a:effectRef idx="0">
+            <a:schemeClr val="accent1"/>
+          </a:effectRef>
+          <a:fontRef idx="minor">
+            <a:schemeClr val="tx1"/>
+          </a:fontRef>
+        </p:style>
+      </p:cxnSp>
+      <p:sp>
+        <p:nvSpPr>
+          <p:cNvPr id="10" name="TextBox 9">
+            <a:extLst>
+              <a:ext uri="{FF2B5EF4-FFF2-40B4-BE49-F238E27FC236}">
+                <a16:creationId xmlns:a16="http://schemas.microsoft.com/office/drawing/2014/main" id="{D0319CF1-810D-624F-6EF8-1BCFA3052620}"/>
+              </a:ext>
+            </a:extLst>
+          </p:cNvPr>
+          <p:cNvSpPr txBox="1"/>
+          <p:nvPr/>
+        </p:nvSpPr>
+        <p:spPr>
+          <a:xfrm>
+            <a:off x="3271655" y="475766"/>
+            <a:ext cx="1442022" cy="261610"/>
+          </a:xfrm>
+          <a:prstGeom prst="rect">
+            <a:avLst/>
+          </a:prstGeom>
+          <a:noFill/>
+        </p:spPr>
+        <p:txBody>
+          <a:bodyPr wrap="square" rtlCol="0">
+            <a:spAutoFit/>
+          </a:bodyPr>
+          <a:lstStyle/>
+          <a:p>
+            <a:pPr algn="ctr"/>
+            <a:r>
+              <a:rPr lang="en-US" altLang="zh-CN" sz="1100" dirty="0" err="1"/>
+              <a:t>getUserInput</a:t>
+            </a:r>
+            <a:r>
+              <a:rPr lang="en-US" altLang="zh-CN" sz="1100" dirty="0"/>
+              <a:t>(void)</a:t>
+            </a:r>
+            <a:endParaRPr lang="zh-CN" altLang="en-US" sz="1100" dirty="0"/>
+          </a:p>
+        </p:txBody>
+      </p:sp>
+      <p:sp>
+        <p:nvSpPr>
+          <p:cNvPr id="11" name="Rectangle 10">
+            <a:extLst>
+              <a:ext uri="{FF2B5EF4-FFF2-40B4-BE49-F238E27FC236}">
+                <a16:creationId xmlns:a16="http://schemas.microsoft.com/office/drawing/2014/main" id="{40EF8AD8-9E80-162A-BE00-4249D9A162BE}"/>
+              </a:ext>
+            </a:extLst>
+          </p:cNvPr>
+          <p:cNvSpPr/>
+          <p:nvPr/>
+        </p:nvSpPr>
+        <p:spPr>
+          <a:xfrm>
+            <a:off x="2291678" y="782429"/>
+            <a:ext cx="198891" cy="5608436"/>
+          </a:xfrm>
+          <a:prstGeom prst="rect">
+            <a:avLst/>
+          </a:prstGeom>
+        </p:spPr>
+        <p:style>
+          <a:lnRef idx="2">
+            <a:schemeClr val="accent1">
+              <a:shade val="15000"/>
+            </a:schemeClr>
+          </a:lnRef>
+          <a:fillRef idx="1">
+            <a:schemeClr val="accent1"/>
+          </a:fillRef>
+          <a:effectRef idx="0">
+            <a:schemeClr val="accent1"/>
+          </a:effectRef>
+          <a:fontRef idx="minor">
+            <a:schemeClr val="lt1"/>
+          </a:fontRef>
+        </p:style>
+        <p:txBody>
+          <a:bodyPr rtlCol="0" anchor="ctr"/>
+          <a:lstStyle/>
+          <a:p>
+            <a:pPr algn="ctr"/>
+            <a:endParaRPr lang="zh-CN" altLang="en-US"/>
+          </a:p>
+        </p:txBody>
+      </p:sp>
       <p:grpSp>
         <p:nvGrpSpPr>
-          <p:cNvPr id="144" name="Group 143">
+          <p:cNvPr id="78" name="Group 77">
             <a:extLst>
               <a:ext uri="{FF2B5EF4-FFF2-40B4-BE49-F238E27FC236}">
-                <a16:creationId xmlns:a16="http://schemas.microsoft.com/office/drawing/2014/main" id="{C06741AA-8EC8-0A87-D98B-85B05225F96F}"/>
+                <a16:creationId xmlns:a16="http://schemas.microsoft.com/office/drawing/2014/main" id="{1D41E0CF-214D-F572-CF99-998BB5AD7187}"/>
               </a:ext>
             </a:extLst>
           </p:cNvPr>
@@ -3356,18 +3677,18 @@
         </p:nvGrpSpPr>
         <p:grpSpPr>
           <a:xfrm>
-            <a:off x="1328050" y="207584"/>
-            <a:ext cx="9535899" cy="6442832"/>
-            <a:chOff x="1370640" y="229637"/>
-            <a:chExt cx="7592106" cy="11519636"/>
+            <a:off x="8458916" y="1248135"/>
+            <a:ext cx="540950" cy="88389"/>
+            <a:chOff x="7055408" y="2042377"/>
+            <a:chExt cx="430684" cy="378542"/>
           </a:xfrm>
         </p:grpSpPr>
         <p:cxnSp>
           <p:nvCxnSpPr>
-            <p:cNvPr id="74" name="Straight Connector 73">
+            <p:cNvPr id="12" name="Straight Arrow Connector 11">
               <a:extLst>
                 <a:ext uri="{FF2B5EF4-FFF2-40B4-BE49-F238E27FC236}">
-                  <a16:creationId xmlns:a16="http://schemas.microsoft.com/office/drawing/2014/main" id="{7AF590F5-3191-6070-1271-CA15FFC73919}"/>
+                  <a16:creationId xmlns:a16="http://schemas.microsoft.com/office/drawing/2014/main" id="{3FA566FF-A4F2-B12C-766A-98EDC1846D11}"/>
                 </a:ext>
               </a:extLst>
             </p:cNvPr>
@@ -3377,15 +3698,15 @@
             <p:nvPr/>
           </p:nvCxnSpPr>
           <p:spPr>
-            <a:xfrm>
-              <a:off x="4754380" y="1629239"/>
-              <a:ext cx="0" cy="5033418"/>
+            <a:xfrm flipH="1">
+              <a:off x="7121272" y="2408518"/>
+              <a:ext cx="364820" cy="0"/>
             </a:xfrm>
-            <a:prstGeom prst="line">
+            <a:prstGeom prst="straightConnector1">
               <a:avLst/>
             </a:prstGeom>
             <a:ln w="28575">
-              <a:prstDash val="dash"/>
+              <a:tailEnd type="triangle"/>
             </a:ln>
           </p:spPr>
           <p:style>
@@ -3403,117 +3724,12 @@
             </a:fontRef>
           </p:style>
         </p:cxnSp>
-        <p:sp>
-          <p:nvSpPr>
-            <p:cNvPr id="70" name="TextBox 69">
+        <p:cxnSp>
+          <p:nvCxnSpPr>
+            <p:cNvPr id="24" name="Straight Connector 23">
               <a:extLst>
                 <a:ext uri="{FF2B5EF4-FFF2-40B4-BE49-F238E27FC236}">
-                  <a16:creationId xmlns:a16="http://schemas.microsoft.com/office/drawing/2014/main" id="{97E77364-3093-6DBD-2945-61F277E1E743}"/>
-                </a:ext>
-              </a:extLst>
-            </p:cNvPr>
-            <p:cNvSpPr txBox="1"/>
-            <p:nvPr/>
-          </p:nvSpPr>
-          <p:spPr>
-            <a:xfrm>
-              <a:off x="4014336" y="1695530"/>
-              <a:ext cx="1474245" cy="467753"/>
-            </a:xfrm>
-            <a:prstGeom prst="rect">
-              <a:avLst/>
-            </a:prstGeom>
-            <a:solidFill>
-              <a:schemeClr val="bg1"/>
-            </a:solidFill>
-          </p:spPr>
-          <p:txBody>
-            <a:bodyPr wrap="square" rtlCol="0">
-              <a:spAutoFit/>
-            </a:bodyPr>
-            <a:lstStyle/>
-            <a:p>
-              <a:pPr algn="ctr"/>
-              <a:r>
-                <a:rPr lang="en-SG" altLang="zh-CN" sz="1100" dirty="0" err="1"/>
-                <a:t>parseCommand</a:t>
-              </a:r>
-              <a:r>
-                <a:rPr lang="en-SG" altLang="zh-CN" sz="1100" dirty="0"/>
-                <a:t>(</a:t>
-              </a:r>
-              <a:r>
-                <a:rPr lang="en-US" altLang="zh-CN" sz="1100" dirty="0" err="1"/>
-                <a:t>userInput</a:t>
-              </a:r>
-              <a:r>
-                <a:rPr lang="en-SG" altLang="zh-CN" sz="1100" dirty="0"/>
-                <a:t>)</a:t>
-              </a:r>
-              <a:endParaRPr lang="zh-CN" altLang="en-US" sz="1100" dirty="0"/>
-            </a:p>
-          </p:txBody>
-        </p:sp>
-        <p:sp>
-          <p:nvSpPr>
-            <p:cNvPr id="7" name="Rectangle 6">
-              <a:extLst>
-                <a:ext uri="{FF2B5EF4-FFF2-40B4-BE49-F238E27FC236}">
-                  <a16:creationId xmlns:a16="http://schemas.microsoft.com/office/drawing/2014/main" id="{0AE302DE-1A1F-F08E-87B6-0D85BAFAFB73}"/>
-                </a:ext>
-              </a:extLst>
-            </p:cNvPr>
-            <p:cNvSpPr/>
-            <p:nvPr/>
-          </p:nvSpPr>
-          <p:spPr>
-            <a:xfrm>
-              <a:off x="1582121" y="229637"/>
-              <a:ext cx="1295400" cy="580845"/>
-            </a:xfrm>
-            <a:prstGeom prst="rect">
-              <a:avLst/>
-            </a:prstGeom>
-          </p:spPr>
-          <p:style>
-            <a:lnRef idx="2">
-              <a:schemeClr val="accent1">
-                <a:shade val="15000"/>
-              </a:schemeClr>
-            </a:lnRef>
-            <a:fillRef idx="1">
-              <a:schemeClr val="accent1"/>
-            </a:fillRef>
-            <a:effectRef idx="0">
-              <a:schemeClr val="accent1"/>
-            </a:effectRef>
-            <a:fontRef idx="minor">
-              <a:schemeClr val="lt1"/>
-            </a:fontRef>
-          </p:style>
-          <p:txBody>
-            <a:bodyPr rtlCol="0" anchor="ctr"/>
-            <a:lstStyle/>
-            <a:p>
-              <a:pPr algn="ctr"/>
-              <a:r>
-                <a:rPr lang="en-US" altLang="zh-CN" sz="1600" dirty="0"/>
-                <a:t>:</a:t>
-              </a:r>
-              <a:r>
-                <a:rPr lang="en-US" altLang="zh-CN" sz="1600" dirty="0" err="1"/>
-                <a:t>QuizHub</a:t>
-              </a:r>
-              <a:endParaRPr lang="zh-CN" altLang="en-US" sz="1600" dirty="0"/>
-            </a:p>
-          </p:txBody>
-        </p:sp>
-        <p:cxnSp>
-          <p:nvCxnSpPr>
-            <p:cNvPr id="8" name="Straight Connector 7">
-              <a:extLst>
-                <a:ext uri="{FF2B5EF4-FFF2-40B4-BE49-F238E27FC236}">
-                  <a16:creationId xmlns:a16="http://schemas.microsoft.com/office/drawing/2014/main" id="{9683FABE-A80D-1E24-6E5D-4B39A1AFAD22}"/>
+                  <a16:creationId xmlns:a16="http://schemas.microsoft.com/office/drawing/2014/main" id="{047138BD-7FC9-ED51-E824-D2F88AD062A4}"/>
                 </a:ext>
               </a:extLst>
             </p:cNvPr>
@@ -3524,8 +3740,633 @@
           </p:nvCxnSpPr>
           <p:spPr>
             <a:xfrm>
-              <a:off x="2229821" y="810482"/>
-              <a:ext cx="0" cy="454529"/>
+              <a:off x="7055408" y="2082172"/>
+              <a:ext cx="423803" cy="0"/>
+            </a:xfrm>
+            <a:prstGeom prst="line">
+              <a:avLst/>
+            </a:prstGeom>
+            <a:ln w="28575"/>
+          </p:spPr>
+          <p:style>
+            <a:lnRef idx="1">
+              <a:schemeClr val="accent1"/>
+            </a:lnRef>
+            <a:fillRef idx="0">
+              <a:schemeClr val="accent1"/>
+            </a:fillRef>
+            <a:effectRef idx="0">
+              <a:schemeClr val="accent1"/>
+            </a:effectRef>
+            <a:fontRef idx="minor">
+              <a:schemeClr val="tx1"/>
+            </a:fontRef>
+          </p:style>
+        </p:cxnSp>
+        <p:cxnSp>
+          <p:nvCxnSpPr>
+            <p:cNvPr id="25" name="Straight Connector 24">
+              <a:extLst>
+                <a:ext uri="{FF2B5EF4-FFF2-40B4-BE49-F238E27FC236}">
+                  <a16:creationId xmlns:a16="http://schemas.microsoft.com/office/drawing/2014/main" id="{0411AA97-B9CA-0B30-826C-CC6C516CE8A8}"/>
+                </a:ext>
+              </a:extLst>
+            </p:cNvPr>
+            <p:cNvCxnSpPr>
+              <a:cxnSpLocks/>
+            </p:cNvCxnSpPr>
+            <p:nvPr/>
+          </p:nvCxnSpPr>
+          <p:spPr>
+            <a:xfrm>
+              <a:off x="7477767" y="2042377"/>
+              <a:ext cx="0" cy="378542"/>
+            </a:xfrm>
+            <a:prstGeom prst="line">
+              <a:avLst/>
+            </a:prstGeom>
+            <a:ln w="28575"/>
+          </p:spPr>
+          <p:style>
+            <a:lnRef idx="1">
+              <a:schemeClr val="accent1"/>
+            </a:lnRef>
+            <a:fillRef idx="0">
+              <a:schemeClr val="accent1"/>
+            </a:fillRef>
+            <a:effectRef idx="0">
+              <a:schemeClr val="accent1"/>
+            </a:effectRef>
+            <a:fontRef idx="minor">
+              <a:schemeClr val="tx1"/>
+            </a:fontRef>
+          </p:style>
+        </p:cxnSp>
+      </p:grpSp>
+      <p:sp>
+        <p:nvSpPr>
+          <p:cNvPr id="26" name="TextBox 25">
+            <a:extLst>
+              <a:ext uri="{FF2B5EF4-FFF2-40B4-BE49-F238E27FC236}">
+                <a16:creationId xmlns:a16="http://schemas.microsoft.com/office/drawing/2014/main" id="{D8C35807-9BD5-5077-BDEE-26E3FE5FD669}"/>
+              </a:ext>
+            </a:extLst>
+          </p:cNvPr>
+          <p:cNvSpPr txBox="1"/>
+          <p:nvPr/>
+        </p:nvSpPr>
+        <p:spPr>
+          <a:xfrm>
+            <a:off x="9012257" y="1403947"/>
+            <a:ext cx="1851692" cy="276999"/>
+          </a:xfrm>
+          <a:prstGeom prst="rect">
+            <a:avLst/>
+          </a:prstGeom>
+          <a:noFill/>
+        </p:spPr>
+        <p:txBody>
+          <a:bodyPr wrap="square" rtlCol="0">
+            <a:spAutoFit/>
+          </a:bodyPr>
+          <a:lstStyle/>
+          <a:p>
+            <a:r>
+              <a:rPr lang="en-US" altLang="zh-CN" sz="1200" dirty="0" err="1"/>
+              <a:t>commandTokens</a:t>
+            </a:r>
+            <a:r>
+              <a:rPr lang="en-US" altLang="zh-CN" sz="1200" dirty="0"/>
+              <a:t>[]</a:t>
+            </a:r>
+            <a:endParaRPr lang="zh-CN" altLang="en-US" sz="1200" dirty="0"/>
+          </a:p>
+        </p:txBody>
+      </p:sp>
+      <p:sp>
+        <p:nvSpPr>
+          <p:cNvPr id="47" name="Rectangle 46">
+            <a:extLst>
+              <a:ext uri="{FF2B5EF4-FFF2-40B4-BE49-F238E27FC236}">
+                <a16:creationId xmlns:a16="http://schemas.microsoft.com/office/drawing/2014/main" id="{9742F3FD-155F-5DB9-6606-DED0040F1615}"/>
+              </a:ext>
+            </a:extLst>
+          </p:cNvPr>
+          <p:cNvSpPr/>
+          <p:nvPr/>
+        </p:nvSpPr>
+        <p:spPr>
+          <a:xfrm>
+            <a:off x="4720762" y="207584"/>
+            <a:ext cx="1627059" cy="324862"/>
+          </a:xfrm>
+          <a:prstGeom prst="rect">
+            <a:avLst/>
+          </a:prstGeom>
+        </p:spPr>
+        <p:style>
+          <a:lnRef idx="2">
+            <a:schemeClr val="accent1">
+              <a:shade val="15000"/>
+            </a:schemeClr>
+          </a:lnRef>
+          <a:fillRef idx="1">
+            <a:schemeClr val="accent1"/>
+          </a:fillRef>
+          <a:effectRef idx="0">
+            <a:schemeClr val="accent1"/>
+          </a:effectRef>
+          <a:fontRef idx="minor">
+            <a:schemeClr val="lt1"/>
+          </a:fontRef>
+        </p:style>
+        <p:txBody>
+          <a:bodyPr rtlCol="0" anchor="ctr"/>
+          <a:lstStyle/>
+          <a:p>
+            <a:pPr algn="ctr"/>
+            <a:r>
+              <a:rPr lang="en-US" altLang="zh-CN" sz="1600" dirty="0"/>
+              <a:t>:Ui</a:t>
+            </a:r>
+            <a:endParaRPr lang="zh-CN" altLang="en-US" sz="1600" dirty="0"/>
+          </a:p>
+        </p:txBody>
+      </p:sp>
+      <p:sp>
+        <p:nvSpPr>
+          <p:cNvPr id="48" name="Rectangle 47">
+            <a:extLst>
+              <a:ext uri="{FF2B5EF4-FFF2-40B4-BE49-F238E27FC236}">
+                <a16:creationId xmlns:a16="http://schemas.microsoft.com/office/drawing/2014/main" id="{8461883D-06C3-3E88-ACD6-974E20EEA165}"/>
+              </a:ext>
+            </a:extLst>
+          </p:cNvPr>
+          <p:cNvSpPr/>
+          <p:nvPr/>
+        </p:nvSpPr>
+        <p:spPr>
+          <a:xfrm>
+            <a:off x="7517140" y="207584"/>
+            <a:ext cx="1627059" cy="324862"/>
+          </a:xfrm>
+          <a:prstGeom prst="rect">
+            <a:avLst/>
+          </a:prstGeom>
+        </p:spPr>
+        <p:style>
+          <a:lnRef idx="2">
+            <a:schemeClr val="accent1">
+              <a:shade val="15000"/>
+            </a:schemeClr>
+          </a:lnRef>
+          <a:fillRef idx="1">
+            <a:schemeClr val="accent1"/>
+          </a:fillRef>
+          <a:effectRef idx="0">
+            <a:schemeClr val="accent1"/>
+          </a:effectRef>
+          <a:fontRef idx="minor">
+            <a:schemeClr val="lt1"/>
+          </a:fontRef>
+        </p:style>
+        <p:txBody>
+          <a:bodyPr rtlCol="0" anchor="ctr"/>
+          <a:lstStyle/>
+          <a:p>
+            <a:pPr algn="ctr"/>
+            <a:r>
+              <a:rPr lang="en-US" altLang="zh-CN" sz="1600" dirty="0"/>
+              <a:t>:Parser</a:t>
+            </a:r>
+            <a:endParaRPr lang="zh-CN" altLang="en-US" sz="1600" dirty="0"/>
+          </a:p>
+        </p:txBody>
+      </p:sp>
+      <p:cxnSp>
+        <p:nvCxnSpPr>
+          <p:cNvPr id="49" name="Straight Connector 48">
+            <a:extLst>
+              <a:ext uri="{FF2B5EF4-FFF2-40B4-BE49-F238E27FC236}">
+                <a16:creationId xmlns:a16="http://schemas.microsoft.com/office/drawing/2014/main" id="{4979DB8B-B09F-4792-C11A-B4DA4FCE70FB}"/>
+              </a:ext>
+            </a:extLst>
+          </p:cNvPr>
+          <p:cNvCxnSpPr>
+            <a:cxnSpLocks/>
+          </p:cNvCxnSpPr>
+          <p:nvPr/>
+        </p:nvCxnSpPr>
+        <p:spPr>
+          <a:xfrm>
+            <a:off x="5578123" y="532446"/>
+            <a:ext cx="0" cy="254214"/>
+          </a:xfrm>
+          <a:prstGeom prst="line">
+            <a:avLst/>
+          </a:prstGeom>
+          <a:ln w="28575">
+            <a:prstDash val="dash"/>
+          </a:ln>
+        </p:spPr>
+        <p:style>
+          <a:lnRef idx="1">
+            <a:schemeClr val="accent1"/>
+          </a:lnRef>
+          <a:fillRef idx="0">
+            <a:schemeClr val="accent1"/>
+          </a:fillRef>
+          <a:effectRef idx="0">
+            <a:schemeClr val="accent1"/>
+          </a:effectRef>
+          <a:fontRef idx="minor">
+            <a:schemeClr val="tx1"/>
+          </a:fontRef>
+        </p:style>
+      </p:cxnSp>
+      <p:sp>
+        <p:nvSpPr>
+          <p:cNvPr id="50" name="Rectangle 49">
+            <a:extLst>
+              <a:ext uri="{FF2B5EF4-FFF2-40B4-BE49-F238E27FC236}">
+                <a16:creationId xmlns:a16="http://schemas.microsoft.com/office/drawing/2014/main" id="{2C97576F-9D5B-E3D3-8B7F-EBE8889E42B2}"/>
+              </a:ext>
+            </a:extLst>
+          </p:cNvPr>
+          <p:cNvSpPr/>
+          <p:nvPr/>
+        </p:nvSpPr>
+        <p:spPr>
+          <a:xfrm>
+            <a:off x="5491196" y="786659"/>
+            <a:ext cx="173853" cy="207244"/>
+          </a:xfrm>
+          <a:prstGeom prst="rect">
+            <a:avLst/>
+          </a:prstGeom>
+        </p:spPr>
+        <p:style>
+          <a:lnRef idx="2">
+            <a:schemeClr val="accent1">
+              <a:shade val="15000"/>
+            </a:schemeClr>
+          </a:lnRef>
+          <a:fillRef idx="1">
+            <a:schemeClr val="accent1"/>
+          </a:fillRef>
+          <a:effectRef idx="0">
+            <a:schemeClr val="accent1"/>
+          </a:effectRef>
+          <a:fontRef idx="minor">
+            <a:schemeClr val="lt1"/>
+          </a:fontRef>
+        </p:style>
+        <p:txBody>
+          <a:bodyPr rtlCol="0" anchor="ctr"/>
+          <a:lstStyle/>
+          <a:p>
+            <a:pPr algn="ctr"/>
+            <a:endParaRPr lang="zh-CN" altLang="en-US"/>
+          </a:p>
+        </p:txBody>
+      </p:sp>
+      <p:sp>
+        <p:nvSpPr>
+          <p:cNvPr id="55" name="TextBox 54">
+            <a:extLst>
+              <a:ext uri="{FF2B5EF4-FFF2-40B4-BE49-F238E27FC236}">
+                <a16:creationId xmlns:a16="http://schemas.microsoft.com/office/drawing/2014/main" id="{DB022C91-E928-BE9D-8762-D807975CE5B8}"/>
+              </a:ext>
+            </a:extLst>
+          </p:cNvPr>
+          <p:cNvSpPr txBox="1"/>
+          <p:nvPr/>
+        </p:nvSpPr>
+        <p:spPr>
+          <a:xfrm>
+            <a:off x="3059109" y="745750"/>
+            <a:ext cx="1954021" cy="261610"/>
+          </a:xfrm>
+          <a:prstGeom prst="rect">
+            <a:avLst/>
+          </a:prstGeom>
+          <a:noFill/>
+        </p:spPr>
+        <p:txBody>
+          <a:bodyPr wrap="square" rtlCol="0">
+            <a:spAutoFit/>
+          </a:bodyPr>
+          <a:lstStyle/>
+          <a:p>
+            <a:pPr algn="ctr"/>
+            <a:r>
+              <a:rPr lang="en-US" altLang="zh-CN" sz="1100" dirty="0" err="1"/>
+              <a:t>userInput</a:t>
+            </a:r>
+            <a:r>
+              <a:rPr lang="en-US" altLang="zh-CN" sz="1100" dirty="0"/>
+              <a:t>: String</a:t>
+            </a:r>
+            <a:endParaRPr lang="zh-CN" altLang="en-US" sz="1100" dirty="0"/>
+          </a:p>
+        </p:txBody>
+      </p:sp>
+      <p:cxnSp>
+        <p:nvCxnSpPr>
+          <p:cNvPr id="56" name="Straight Arrow Connector 55">
+            <a:extLst>
+              <a:ext uri="{FF2B5EF4-FFF2-40B4-BE49-F238E27FC236}">
+                <a16:creationId xmlns:a16="http://schemas.microsoft.com/office/drawing/2014/main" id="{AB19F021-AFF7-63EB-F80D-2BB35CE16336}"/>
+              </a:ext>
+            </a:extLst>
+          </p:cNvPr>
+          <p:cNvCxnSpPr>
+            <a:cxnSpLocks/>
+          </p:cNvCxnSpPr>
+          <p:nvPr/>
+        </p:nvCxnSpPr>
+        <p:spPr>
+          <a:xfrm flipH="1">
+            <a:off x="2467668" y="993903"/>
+            <a:ext cx="2965978" cy="0"/>
+          </a:xfrm>
+          <a:prstGeom prst="straightConnector1">
+            <a:avLst/>
+          </a:prstGeom>
+          <a:ln w="28575">
+            <a:prstDash val="dash"/>
+            <a:tailEnd type="triangle"/>
+          </a:ln>
+        </p:spPr>
+        <p:style>
+          <a:lnRef idx="1">
+            <a:schemeClr val="accent1"/>
+          </a:lnRef>
+          <a:fillRef idx="0">
+            <a:schemeClr val="accent1"/>
+          </a:fillRef>
+          <a:effectRef idx="0">
+            <a:schemeClr val="accent1"/>
+          </a:effectRef>
+          <a:fontRef idx="minor">
+            <a:schemeClr val="tx1"/>
+          </a:fontRef>
+        </p:style>
+      </p:cxnSp>
+      <p:cxnSp>
+        <p:nvCxnSpPr>
+          <p:cNvPr id="58" name="Straight Arrow Connector 57">
+            <a:extLst>
+              <a:ext uri="{FF2B5EF4-FFF2-40B4-BE49-F238E27FC236}">
+                <a16:creationId xmlns:a16="http://schemas.microsoft.com/office/drawing/2014/main" id="{A3C23FA8-8FD2-9BF0-E356-012D7C2A499E}"/>
+              </a:ext>
+            </a:extLst>
+          </p:cNvPr>
+          <p:cNvCxnSpPr>
+            <a:cxnSpLocks/>
+          </p:cNvCxnSpPr>
+          <p:nvPr/>
+        </p:nvCxnSpPr>
+        <p:spPr>
+          <a:xfrm>
+            <a:off x="2487340" y="1259722"/>
+            <a:ext cx="5796288" cy="0"/>
+          </a:xfrm>
+          <a:prstGeom prst="straightConnector1">
+            <a:avLst/>
+          </a:prstGeom>
+          <a:ln w="28575">
+            <a:tailEnd type="triangle"/>
+          </a:ln>
+        </p:spPr>
+        <p:style>
+          <a:lnRef idx="1">
+            <a:schemeClr val="accent1"/>
+          </a:lnRef>
+          <a:fillRef idx="0">
+            <a:schemeClr val="accent1"/>
+          </a:fillRef>
+          <a:effectRef idx="0">
+            <a:schemeClr val="accent1"/>
+          </a:effectRef>
+          <a:fontRef idx="minor">
+            <a:schemeClr val="tx1"/>
+          </a:fontRef>
+        </p:style>
+      </p:cxnSp>
+      <p:cxnSp>
+        <p:nvCxnSpPr>
+          <p:cNvPr id="65" name="Straight Connector 64">
+            <a:extLst>
+              <a:ext uri="{FF2B5EF4-FFF2-40B4-BE49-F238E27FC236}">
+                <a16:creationId xmlns:a16="http://schemas.microsoft.com/office/drawing/2014/main" id="{3D6A2E92-8D08-583D-F403-08698FF2C675}"/>
+              </a:ext>
+            </a:extLst>
+          </p:cNvPr>
+          <p:cNvCxnSpPr>
+            <a:cxnSpLocks/>
+          </p:cNvCxnSpPr>
+          <p:nvPr/>
+        </p:nvCxnSpPr>
+        <p:spPr>
+          <a:xfrm>
+            <a:off x="8368579" y="431368"/>
+            <a:ext cx="17652" cy="748561"/>
+          </a:xfrm>
+          <a:prstGeom prst="line">
+            <a:avLst/>
+          </a:prstGeom>
+          <a:ln w="28575">
+            <a:prstDash val="dash"/>
+          </a:ln>
+        </p:spPr>
+        <p:style>
+          <a:lnRef idx="1">
+            <a:schemeClr val="accent1"/>
+          </a:lnRef>
+          <a:fillRef idx="0">
+            <a:schemeClr val="accent1"/>
+          </a:fillRef>
+          <a:effectRef idx="0">
+            <a:schemeClr val="accent1"/>
+          </a:effectRef>
+          <a:fontRef idx="minor">
+            <a:schemeClr val="tx1"/>
+          </a:fontRef>
+        </p:style>
+      </p:cxnSp>
+      <p:sp>
+        <p:nvSpPr>
+          <p:cNvPr id="66" name="Rectangle 65">
+            <a:extLst>
+              <a:ext uri="{FF2B5EF4-FFF2-40B4-BE49-F238E27FC236}">
+                <a16:creationId xmlns:a16="http://schemas.microsoft.com/office/drawing/2014/main" id="{0AA63397-FD37-6EC3-1CC3-3C734D5CB8FD}"/>
+              </a:ext>
+            </a:extLst>
+          </p:cNvPr>
+          <p:cNvSpPr/>
+          <p:nvPr/>
+        </p:nvSpPr>
+        <p:spPr>
+          <a:xfrm>
+            <a:off x="8286786" y="1251821"/>
+            <a:ext cx="198891" cy="5203526"/>
+          </a:xfrm>
+          <a:prstGeom prst="rect">
+            <a:avLst/>
+          </a:prstGeom>
+        </p:spPr>
+        <p:style>
+          <a:lnRef idx="2">
+            <a:schemeClr val="accent1">
+              <a:shade val="15000"/>
+            </a:schemeClr>
+          </a:lnRef>
+          <a:fillRef idx="1">
+            <a:schemeClr val="accent1"/>
+          </a:fillRef>
+          <a:effectRef idx="0">
+            <a:schemeClr val="accent1"/>
+          </a:effectRef>
+          <a:fontRef idx="minor">
+            <a:schemeClr val="lt1"/>
+          </a:fontRef>
+        </p:style>
+        <p:txBody>
+          <a:bodyPr rtlCol="0" anchor="ctr"/>
+          <a:lstStyle/>
+          <a:p>
+            <a:pPr algn="ctr"/>
+            <a:endParaRPr lang="zh-CN" altLang="en-US" dirty="0"/>
+          </a:p>
+        </p:txBody>
+      </p:sp>
+      <p:sp>
+        <p:nvSpPr>
+          <p:cNvPr id="77" name="Rectangle 76">
+            <a:extLst>
+              <a:ext uri="{FF2B5EF4-FFF2-40B4-BE49-F238E27FC236}">
+                <a16:creationId xmlns:a16="http://schemas.microsoft.com/office/drawing/2014/main" id="{F1A47E0C-E1A0-8480-BCCB-5C1A7AE162EA}"/>
+              </a:ext>
+            </a:extLst>
+          </p:cNvPr>
+          <p:cNvSpPr/>
+          <p:nvPr/>
+        </p:nvSpPr>
+        <p:spPr>
+          <a:xfrm>
+            <a:off x="8365504" y="1360710"/>
+            <a:ext cx="165097" cy="161682"/>
+          </a:xfrm>
+          <a:prstGeom prst="rect">
+            <a:avLst/>
+          </a:prstGeom>
+        </p:spPr>
+        <p:style>
+          <a:lnRef idx="2">
+            <a:schemeClr val="accent1">
+              <a:shade val="15000"/>
+            </a:schemeClr>
+          </a:lnRef>
+          <a:fillRef idx="1">
+            <a:schemeClr val="accent1"/>
+          </a:fillRef>
+          <a:effectRef idx="0">
+            <a:schemeClr val="accent1"/>
+          </a:effectRef>
+          <a:fontRef idx="minor">
+            <a:schemeClr val="lt1"/>
+          </a:fontRef>
+        </p:style>
+        <p:txBody>
+          <a:bodyPr rtlCol="0" anchor="ctr"/>
+          <a:lstStyle/>
+          <a:p>
+            <a:pPr algn="ctr"/>
+            <a:endParaRPr lang="zh-CN" altLang="en-US"/>
+          </a:p>
+        </p:txBody>
+      </p:sp>
+      <p:grpSp>
+        <p:nvGrpSpPr>
+          <p:cNvPr id="79" name="Group 78">
+            <a:extLst>
+              <a:ext uri="{FF2B5EF4-FFF2-40B4-BE49-F238E27FC236}">
+                <a16:creationId xmlns:a16="http://schemas.microsoft.com/office/drawing/2014/main" id="{82109F8B-578F-A293-F888-9C9FAB64905A}"/>
+              </a:ext>
+            </a:extLst>
+          </p:cNvPr>
+          <p:cNvGrpSpPr/>
+          <p:nvPr/>
+        </p:nvGrpSpPr>
+        <p:grpSpPr>
+          <a:xfrm>
+            <a:off x="8448053" y="1510747"/>
+            <a:ext cx="551834" cy="88391"/>
+            <a:chOff x="6986851" y="2202875"/>
+            <a:chExt cx="439349" cy="378550"/>
+          </a:xfrm>
+        </p:grpSpPr>
+        <p:cxnSp>
+          <p:nvCxnSpPr>
+            <p:cNvPr id="80" name="Straight Arrow Connector 79">
+              <a:extLst>
+                <a:ext uri="{FF2B5EF4-FFF2-40B4-BE49-F238E27FC236}">
+                  <a16:creationId xmlns:a16="http://schemas.microsoft.com/office/drawing/2014/main" id="{BD73A9C2-3F14-95FD-8A8F-5606C544A026}"/>
+                </a:ext>
+              </a:extLst>
+            </p:cNvPr>
+            <p:cNvCxnSpPr>
+              <a:cxnSpLocks/>
+            </p:cNvCxnSpPr>
+            <p:nvPr/>
+          </p:nvCxnSpPr>
+          <p:spPr>
+            <a:xfrm flipH="1">
+              <a:off x="6986851" y="2581425"/>
+              <a:ext cx="431024" cy="0"/>
+            </a:xfrm>
+            <a:prstGeom prst="straightConnector1">
+              <a:avLst/>
+            </a:prstGeom>
+            <a:ln w="28575">
+              <a:prstDash val="dash"/>
+              <a:tailEnd type="triangle"/>
+            </a:ln>
+          </p:spPr>
+          <p:style>
+            <a:lnRef idx="1">
+              <a:schemeClr val="accent1"/>
+            </a:lnRef>
+            <a:fillRef idx="0">
+              <a:schemeClr val="accent1"/>
+            </a:fillRef>
+            <a:effectRef idx="0">
+              <a:schemeClr val="accent1"/>
+            </a:effectRef>
+            <a:fontRef idx="minor">
+              <a:schemeClr val="tx1"/>
+            </a:fontRef>
+          </p:style>
+        </p:cxnSp>
+        <p:cxnSp>
+          <p:nvCxnSpPr>
+            <p:cNvPr id="81" name="Straight Connector 80">
+              <a:extLst>
+                <a:ext uri="{FF2B5EF4-FFF2-40B4-BE49-F238E27FC236}">
+                  <a16:creationId xmlns:a16="http://schemas.microsoft.com/office/drawing/2014/main" id="{5F767DA0-6DBF-ADA6-2E5D-CCB283F3F3DE}"/>
+                </a:ext>
+              </a:extLst>
+            </p:cNvPr>
+            <p:cNvCxnSpPr>
+              <a:cxnSpLocks/>
+            </p:cNvCxnSpPr>
+            <p:nvPr/>
+          </p:nvCxnSpPr>
+          <p:spPr>
+            <a:xfrm>
+              <a:off x="7055397" y="2212708"/>
+              <a:ext cx="370803" cy="0"/>
             </a:xfrm>
             <a:prstGeom prst="line">
               <a:avLst/>
@@ -3551,10 +4392,10 @@
         </p:cxnSp>
         <p:cxnSp>
           <p:nvCxnSpPr>
-            <p:cNvPr id="9" name="Straight Arrow Connector 8">
+            <p:cNvPr id="82" name="Straight Connector 81">
               <a:extLst>
                 <a:ext uri="{FF2B5EF4-FFF2-40B4-BE49-F238E27FC236}">
-                  <a16:creationId xmlns:a16="http://schemas.microsoft.com/office/drawing/2014/main" id="{F39D991C-0158-05E0-A9A4-DAD7EDE14123}"/>
+                  <a16:creationId xmlns:a16="http://schemas.microsoft.com/office/drawing/2014/main" id="{BA083473-89C2-DB97-46ED-9AB57375FECE}"/>
                 </a:ext>
               </a:extLst>
             </p:cNvPr>
@@ -3565,14 +4406,14 @@
           </p:nvCxnSpPr>
           <p:spPr>
             <a:xfrm>
-              <a:off x="2293620" y="1267072"/>
-              <a:ext cx="2391552" cy="0"/>
+              <a:off x="7417875" y="2202875"/>
+              <a:ext cx="0" cy="378541"/>
             </a:xfrm>
-            <a:prstGeom prst="straightConnector1">
+            <a:prstGeom prst="line">
               <a:avLst/>
             </a:prstGeom>
             <a:ln w="28575">
-              <a:tailEnd type="triangle"/>
+              <a:prstDash val="dash"/>
             </a:ln>
           </p:spPr>
           <p:style>
@@ -3590,12 +4431,259 @@
             </a:fontRef>
           </p:style>
         </p:cxnSp>
+      </p:grpSp>
+      <p:grpSp>
+        <p:nvGrpSpPr>
+          <p:cNvPr id="30" name="Group 29">
+            <a:extLst>
+              <a:ext uri="{FF2B5EF4-FFF2-40B4-BE49-F238E27FC236}">
+                <a16:creationId xmlns:a16="http://schemas.microsoft.com/office/drawing/2014/main" id="{46006B05-F83C-6F2B-3A03-896418DDD7D4}"/>
+              </a:ext>
+            </a:extLst>
+          </p:cNvPr>
+          <p:cNvGrpSpPr/>
+          <p:nvPr/>
+        </p:nvGrpSpPr>
+        <p:grpSpPr>
+          <a:xfrm>
+            <a:off x="1328055" y="1719322"/>
+            <a:ext cx="9234435" cy="471537"/>
+            <a:chOff x="1328055" y="1719322"/>
+            <a:chExt cx="9234435" cy="471537"/>
+          </a:xfrm>
+        </p:grpSpPr>
+        <p:grpSp>
+          <p:nvGrpSpPr>
+            <p:cNvPr id="13" name="Group 12">
+              <a:extLst>
+                <a:ext uri="{FF2B5EF4-FFF2-40B4-BE49-F238E27FC236}">
+                  <a16:creationId xmlns:a16="http://schemas.microsoft.com/office/drawing/2014/main" id="{04285A6C-6EA9-E872-D2AF-BFAAA32B2763}"/>
+                </a:ext>
+              </a:extLst>
+            </p:cNvPr>
+            <p:cNvGrpSpPr/>
+            <p:nvPr/>
+          </p:nvGrpSpPr>
+          <p:grpSpPr>
+            <a:xfrm>
+              <a:off x="1328055" y="1719322"/>
+              <a:ext cx="9234435" cy="471537"/>
+              <a:chOff x="1328055" y="1719322"/>
+              <a:chExt cx="9234435" cy="471537"/>
+            </a:xfrm>
+          </p:grpSpPr>
+          <p:grpSp>
+            <p:nvGrpSpPr>
+              <p:cNvPr id="86" name="Group 85">
+                <a:extLst>
+                  <a:ext uri="{FF2B5EF4-FFF2-40B4-BE49-F238E27FC236}">
+                    <a16:creationId xmlns:a16="http://schemas.microsoft.com/office/drawing/2014/main" id="{1BE62772-0A2A-FB05-0F20-79E8A25BC51D}"/>
+                  </a:ext>
+                </a:extLst>
+              </p:cNvPr>
+              <p:cNvGrpSpPr/>
+              <p:nvPr/>
+            </p:nvGrpSpPr>
+            <p:grpSpPr>
+              <a:xfrm>
+                <a:off x="1328055" y="1719322"/>
+                <a:ext cx="9234435" cy="471537"/>
+                <a:chOff x="1370642" y="3090809"/>
+                <a:chExt cx="7352092" cy="843099"/>
+              </a:xfrm>
+            </p:grpSpPr>
+            <p:sp>
+              <p:nvSpPr>
+                <p:cNvPr id="5" name="Rectangle 4">
+                  <a:extLst>
+                    <a:ext uri="{FF2B5EF4-FFF2-40B4-BE49-F238E27FC236}">
+                      <a16:creationId xmlns:a16="http://schemas.microsoft.com/office/drawing/2014/main" id="{DB62688F-B18A-B057-1E5A-2B7A1B4C3A4F}"/>
+                    </a:ext>
+                  </a:extLst>
+                </p:cNvPr>
+                <p:cNvSpPr/>
+                <p:nvPr/>
+              </p:nvSpPr>
+              <p:spPr>
+                <a:xfrm>
+                  <a:off x="1370642" y="3162235"/>
+                  <a:ext cx="7352092" cy="771673"/>
+                </a:xfrm>
+                <a:prstGeom prst="rect">
+                  <a:avLst/>
+                </a:prstGeom>
+                <a:noFill/>
+                <a:ln w="28575"/>
+              </p:spPr>
+              <p:style>
+                <a:lnRef idx="2">
+                  <a:schemeClr val="accent1"/>
+                </a:lnRef>
+                <a:fillRef idx="1">
+                  <a:schemeClr val="lt1"/>
+                </a:fillRef>
+                <a:effectRef idx="0">
+                  <a:schemeClr val="accent1"/>
+                </a:effectRef>
+                <a:fontRef idx="minor">
+                  <a:schemeClr val="dk1"/>
+                </a:fontRef>
+              </p:style>
+              <p:txBody>
+                <a:bodyPr rtlCol="0" anchor="ctr"/>
+                <a:lstStyle/>
+                <a:p>
+                  <a:pPr algn="ctr"/>
+                  <a:endParaRPr lang="zh-CN" altLang="en-US" dirty="0"/>
+                </a:p>
+              </p:txBody>
+            </p:sp>
+            <p:sp>
+              <p:nvSpPr>
+                <p:cNvPr id="21" name="Rectangle: Single Corner Snipped 20">
+                  <a:extLst>
+                    <a:ext uri="{FF2B5EF4-FFF2-40B4-BE49-F238E27FC236}">
+                      <a16:creationId xmlns:a16="http://schemas.microsoft.com/office/drawing/2014/main" id="{95F1B815-DCCA-4F08-600D-46438FECB39D}"/>
+                    </a:ext>
+                  </a:extLst>
+                </p:cNvPr>
+                <p:cNvSpPr/>
+                <p:nvPr/>
+              </p:nvSpPr>
+              <p:spPr>
+                <a:xfrm rot="5400000">
+                  <a:off x="1549883" y="3018865"/>
+                  <a:ext cx="334489" cy="663061"/>
+                </a:xfrm>
+                <a:prstGeom prst="snip1Rect">
+                  <a:avLst>
+                    <a:gd name="adj" fmla="val 42742"/>
+                  </a:avLst>
+                </a:prstGeom>
+              </p:spPr>
+              <p:style>
+                <a:lnRef idx="2">
+                  <a:schemeClr val="accent1">
+                    <a:shade val="15000"/>
+                  </a:schemeClr>
+                </a:lnRef>
+                <a:fillRef idx="1">
+                  <a:schemeClr val="accent1"/>
+                </a:fillRef>
+                <a:effectRef idx="0">
+                  <a:schemeClr val="accent1"/>
+                </a:effectRef>
+                <a:fontRef idx="minor">
+                  <a:schemeClr val="lt1"/>
+                </a:fontRef>
+              </p:style>
+              <p:txBody>
+                <a:bodyPr rtlCol="0" anchor="ctr"/>
+                <a:lstStyle/>
+                <a:p>
+                  <a:pPr algn="ctr"/>
+                  <a:endParaRPr lang="zh-CN" altLang="en-US" dirty="0"/>
+                </a:p>
+              </p:txBody>
+            </p:sp>
+            <p:sp>
+              <p:nvSpPr>
+                <p:cNvPr id="22" name="TextBox 21">
+                  <a:extLst>
+                    <a:ext uri="{FF2B5EF4-FFF2-40B4-BE49-F238E27FC236}">
+                      <a16:creationId xmlns:a16="http://schemas.microsoft.com/office/drawing/2014/main" id="{B20FF846-F8EC-2F91-1F6E-68AF0FB9B809}"/>
+                    </a:ext>
+                  </a:extLst>
+                </p:cNvPr>
+                <p:cNvSpPr txBox="1"/>
+                <p:nvPr/>
+              </p:nvSpPr>
+              <p:spPr>
+                <a:xfrm>
+                  <a:off x="1384530" y="3090809"/>
+                  <a:ext cx="3538042" cy="495269"/>
+                </a:xfrm>
+                <a:prstGeom prst="rect">
+                  <a:avLst/>
+                </a:prstGeom>
+                <a:noFill/>
+              </p:spPr>
+              <p:txBody>
+                <a:bodyPr wrap="square" rtlCol="0">
+                  <a:spAutoFit/>
+                </a:bodyPr>
+                <a:lstStyle/>
+                <a:p>
+                  <a:r>
+                    <a:rPr lang="en-US" altLang="zh-CN" sz="1200" dirty="0"/>
+                    <a:t>  alt                          </a:t>
+                  </a:r>
+                  <a:r>
+                    <a:rPr lang="en-US" altLang="zh-CN" sz="1100" dirty="0"/>
+                    <a:t>[</a:t>
+                  </a:r>
+                  <a:r>
+                    <a:rPr lang="en-US" altLang="zh-CN" sz="1100" dirty="0" err="1"/>
+                    <a:t>commandTokens</a:t>
+                  </a:r>
+                  <a:r>
+                    <a:rPr lang="en-US" altLang="zh-CN" sz="1100" dirty="0"/>
+                    <a:t>[0] == “bye”]</a:t>
+                  </a:r>
+                  <a:endParaRPr lang="zh-CN" altLang="en-US" sz="1100" dirty="0"/>
+                </a:p>
+              </p:txBody>
+            </p:sp>
+          </p:grpSp>
+          <p:cxnSp>
+            <p:nvCxnSpPr>
+              <p:cNvPr id="87" name="Straight Arrow Connector 86">
+                <a:extLst>
+                  <a:ext uri="{FF2B5EF4-FFF2-40B4-BE49-F238E27FC236}">
+                    <a16:creationId xmlns:a16="http://schemas.microsoft.com/office/drawing/2014/main" id="{CDE025E9-FD21-5DAB-1DBC-289864BB1B93}"/>
+                  </a:ext>
+                </a:extLst>
+              </p:cNvPr>
+              <p:cNvCxnSpPr>
+                <a:cxnSpLocks/>
+              </p:cNvCxnSpPr>
+              <p:nvPr/>
+            </p:nvCxnSpPr>
+            <p:spPr>
+              <a:xfrm flipH="1">
+                <a:off x="2494118" y="2076958"/>
+                <a:ext cx="5796288" cy="0"/>
+              </a:xfrm>
+              <a:prstGeom prst="straightConnector1">
+                <a:avLst/>
+              </a:prstGeom>
+              <a:ln w="28575">
+                <a:prstDash val="dash"/>
+                <a:tailEnd type="triangle"/>
+              </a:ln>
+            </p:spPr>
+            <p:style>
+              <a:lnRef idx="1">
+                <a:schemeClr val="accent1"/>
+              </a:lnRef>
+              <a:fillRef idx="0">
+                <a:schemeClr val="accent1"/>
+              </a:fillRef>
+              <a:effectRef idx="0">
+                <a:schemeClr val="accent1"/>
+              </a:effectRef>
+              <a:fontRef idx="minor">
+                <a:schemeClr val="tx1"/>
+              </a:fontRef>
+            </p:style>
+          </p:cxnSp>
+        </p:grpSp>
         <p:sp>
           <p:nvSpPr>
-            <p:cNvPr id="10" name="TextBox 9">
+            <p:cNvPr id="89" name="TextBox 88">
               <a:extLst>
                 <a:ext uri="{FF2B5EF4-FFF2-40B4-BE49-F238E27FC236}">
-                  <a16:creationId xmlns:a16="http://schemas.microsoft.com/office/drawing/2014/main" id="{D0319CF1-810D-624F-6EF8-1BCFA3052620}"/>
+                  <a16:creationId xmlns:a16="http://schemas.microsoft.com/office/drawing/2014/main" id="{53E1E2E2-6C79-039A-A7B0-5B4BC4D1CB70}"/>
                 </a:ext>
               </a:extLst>
             </p:cNvPr>
@@ -3604,13 +4692,15 @@
           </p:nvSpPr>
           <p:spPr>
             <a:xfrm>
-              <a:off x="2918061" y="709140"/>
-              <a:ext cx="1148081" cy="467753"/>
+              <a:off x="5042981" y="1785908"/>
+              <a:ext cx="1062944" cy="276999"/>
             </a:xfrm>
             <a:prstGeom prst="rect">
               <a:avLst/>
             </a:prstGeom>
-            <a:noFill/>
+            <a:solidFill>
+              <a:schemeClr val="bg1"/>
+            </a:solidFill>
           </p:spPr>
           <p:txBody>
             <a:bodyPr wrap="square" rtlCol="0">
@@ -3620,23 +4710,778 @@
             <a:p>
               <a:pPr algn="ctr"/>
               <a:r>
-                <a:rPr lang="en-US" altLang="zh-CN" sz="1100" dirty="0" err="1"/>
-                <a:t>getUserInput</a:t>
+                <a:rPr lang="en-SG" altLang="zh-CN" sz="1200" dirty="0" err="1"/>
+                <a:t>CommandExit</a:t>
               </a:r>
-              <a:r>
-                <a:rPr lang="en-US" altLang="zh-CN" sz="1100" dirty="0"/>
-                <a:t>(void)</a:t>
-              </a:r>
-              <a:endParaRPr lang="zh-CN" altLang="en-US" sz="1100" dirty="0"/>
+              <a:endParaRPr lang="zh-CN" altLang="en-US" sz="1200" dirty="0"/>
             </a:p>
           </p:txBody>
         </p:sp>
+      </p:grpSp>
+      <p:sp>
+        <p:nvSpPr>
+          <p:cNvPr id="90" name="TextBox 89">
+            <a:extLst>
+              <a:ext uri="{FF2B5EF4-FFF2-40B4-BE49-F238E27FC236}">
+                <a16:creationId xmlns:a16="http://schemas.microsoft.com/office/drawing/2014/main" id="{7CC05C45-0A3C-2D70-9014-09F44BFA4642}"/>
+              </a:ext>
+            </a:extLst>
+          </p:cNvPr>
+          <p:cNvSpPr txBox="1"/>
+          <p:nvPr/>
+        </p:nvSpPr>
+        <p:spPr>
+          <a:xfrm>
+            <a:off x="8997709" y="1138178"/>
+            <a:ext cx="1851692" cy="276999"/>
+          </a:xfrm>
+          <a:prstGeom prst="rect">
+            <a:avLst/>
+          </a:prstGeom>
+          <a:noFill/>
+        </p:spPr>
+        <p:txBody>
+          <a:bodyPr wrap="square" rtlCol="0">
+            <a:spAutoFit/>
+          </a:bodyPr>
+          <a:lstStyle/>
+          <a:p>
+            <a:r>
+              <a:rPr lang="en-US" altLang="zh-CN" sz="1200" dirty="0" err="1"/>
+              <a:t>userInput.split</a:t>
+            </a:r>
+            <a:r>
+              <a:rPr lang="en-US" altLang="zh-CN" sz="1200" dirty="0"/>
+              <a:t>(“ ”)</a:t>
+            </a:r>
+            <a:endParaRPr lang="zh-CN" altLang="en-US" sz="1200" dirty="0"/>
+          </a:p>
+        </p:txBody>
+      </p:sp>
+      <p:cxnSp>
+        <p:nvCxnSpPr>
+          <p:cNvPr id="141" name="Straight Connector 140">
+            <a:extLst>
+              <a:ext uri="{FF2B5EF4-FFF2-40B4-BE49-F238E27FC236}">
+                <a16:creationId xmlns:a16="http://schemas.microsoft.com/office/drawing/2014/main" id="{E8F72C0B-B89C-BB65-2506-9626571BA939}"/>
+              </a:ext>
+            </a:extLst>
+          </p:cNvPr>
+          <p:cNvCxnSpPr>
+            <a:cxnSpLocks/>
+          </p:cNvCxnSpPr>
+          <p:nvPr/>
+        </p:nvCxnSpPr>
+        <p:spPr>
+          <a:xfrm>
+            <a:off x="2382297" y="6389951"/>
+            <a:ext cx="5645" cy="260462"/>
+          </a:xfrm>
+          <a:prstGeom prst="line">
+            <a:avLst/>
+          </a:prstGeom>
+          <a:ln w="28575">
+            <a:prstDash val="dash"/>
+          </a:ln>
+        </p:spPr>
+        <p:style>
+          <a:lnRef idx="1">
+            <a:schemeClr val="accent1"/>
+          </a:lnRef>
+          <a:fillRef idx="0">
+            <a:schemeClr val="accent1"/>
+          </a:fillRef>
+          <a:effectRef idx="0">
+            <a:schemeClr val="accent1"/>
+          </a:effectRef>
+          <a:fontRef idx="minor">
+            <a:schemeClr val="tx1"/>
+          </a:fontRef>
+        </p:style>
+      </p:cxnSp>
+      <p:cxnSp>
+        <p:nvCxnSpPr>
+          <p:cNvPr id="143" name="Straight Connector 142">
+            <a:extLst>
+              <a:ext uri="{FF2B5EF4-FFF2-40B4-BE49-F238E27FC236}">
+                <a16:creationId xmlns:a16="http://schemas.microsoft.com/office/drawing/2014/main" id="{50C7CD64-A83D-2E8B-8CF7-6084620DF1A0}"/>
+              </a:ext>
+            </a:extLst>
+          </p:cNvPr>
+          <p:cNvCxnSpPr>
+            <a:cxnSpLocks/>
+          </p:cNvCxnSpPr>
+          <p:nvPr/>
+        </p:nvCxnSpPr>
+        <p:spPr>
+          <a:xfrm>
+            <a:off x="8386866" y="6389952"/>
+            <a:ext cx="5645" cy="260462"/>
+          </a:xfrm>
+          <a:prstGeom prst="line">
+            <a:avLst/>
+          </a:prstGeom>
+          <a:ln w="28575">
+            <a:prstDash val="dash"/>
+          </a:ln>
+        </p:spPr>
+        <p:style>
+          <a:lnRef idx="1">
+            <a:schemeClr val="accent1"/>
+          </a:lnRef>
+          <a:fillRef idx="0">
+            <a:schemeClr val="accent1"/>
+          </a:fillRef>
+          <a:effectRef idx="0">
+            <a:schemeClr val="accent1"/>
+          </a:effectRef>
+          <a:fontRef idx="minor">
+            <a:schemeClr val="tx1"/>
+          </a:fontRef>
+        </p:style>
+      </p:cxnSp>
+      <p:grpSp>
+        <p:nvGrpSpPr>
+          <p:cNvPr id="31" name="Group 30">
+            <a:extLst>
+              <a:ext uri="{FF2B5EF4-FFF2-40B4-BE49-F238E27FC236}">
+                <a16:creationId xmlns:a16="http://schemas.microsoft.com/office/drawing/2014/main" id="{B4413703-FA8F-0FF2-5597-33A3B0A0EE07}"/>
+              </a:ext>
+            </a:extLst>
+          </p:cNvPr>
+          <p:cNvGrpSpPr/>
+          <p:nvPr/>
+        </p:nvGrpSpPr>
+        <p:grpSpPr>
+          <a:xfrm>
+            <a:off x="1328046" y="2164293"/>
+            <a:ext cx="9234446" cy="455055"/>
+            <a:chOff x="1328051" y="1735805"/>
+            <a:chExt cx="9234446" cy="455055"/>
+          </a:xfrm>
+        </p:grpSpPr>
+        <p:grpSp>
+          <p:nvGrpSpPr>
+            <p:cNvPr id="32" name="Group 31">
+              <a:extLst>
+                <a:ext uri="{FF2B5EF4-FFF2-40B4-BE49-F238E27FC236}">
+                  <a16:creationId xmlns:a16="http://schemas.microsoft.com/office/drawing/2014/main" id="{069C722E-4851-7E64-040F-A5504399F80E}"/>
+                </a:ext>
+              </a:extLst>
+            </p:cNvPr>
+            <p:cNvGrpSpPr/>
+            <p:nvPr/>
+          </p:nvGrpSpPr>
+          <p:grpSpPr>
+            <a:xfrm>
+              <a:off x="1328051" y="1735805"/>
+              <a:ext cx="9234446" cy="455055"/>
+              <a:chOff x="1328051" y="1735805"/>
+              <a:chExt cx="9234446" cy="455055"/>
+            </a:xfrm>
+          </p:grpSpPr>
+          <p:grpSp>
+            <p:nvGrpSpPr>
+              <p:cNvPr id="34" name="Group 33">
+                <a:extLst>
+                  <a:ext uri="{FF2B5EF4-FFF2-40B4-BE49-F238E27FC236}">
+                    <a16:creationId xmlns:a16="http://schemas.microsoft.com/office/drawing/2014/main" id="{7E7D9FA0-C6A6-88EF-7B6E-20C91692693D}"/>
+                  </a:ext>
+                </a:extLst>
+              </p:cNvPr>
+              <p:cNvGrpSpPr/>
+              <p:nvPr/>
+            </p:nvGrpSpPr>
+            <p:grpSpPr>
+              <a:xfrm>
+                <a:off x="1328051" y="1735805"/>
+                <a:ext cx="9234446" cy="455055"/>
+                <a:chOff x="1370639" y="3120279"/>
+                <a:chExt cx="7352101" cy="813629"/>
+              </a:xfrm>
+            </p:grpSpPr>
+            <p:sp>
+              <p:nvSpPr>
+                <p:cNvPr id="36" name="Rectangle 35">
+                  <a:extLst>
+                    <a:ext uri="{FF2B5EF4-FFF2-40B4-BE49-F238E27FC236}">
+                      <a16:creationId xmlns:a16="http://schemas.microsoft.com/office/drawing/2014/main" id="{E21980CF-395D-C19B-6609-E90E11609AD5}"/>
+                    </a:ext>
+                  </a:extLst>
+                </p:cNvPr>
+                <p:cNvSpPr/>
+                <p:nvPr/>
+              </p:nvSpPr>
+              <p:spPr>
+                <a:xfrm>
+                  <a:off x="1370642" y="3162236"/>
+                  <a:ext cx="7352098" cy="771672"/>
+                </a:xfrm>
+                <a:prstGeom prst="rect">
+                  <a:avLst/>
+                </a:prstGeom>
+                <a:noFill/>
+                <a:ln w="28575"/>
+              </p:spPr>
+              <p:style>
+                <a:lnRef idx="2">
+                  <a:schemeClr val="accent1"/>
+                </a:lnRef>
+                <a:fillRef idx="1">
+                  <a:schemeClr val="lt1"/>
+                </a:fillRef>
+                <a:effectRef idx="0">
+                  <a:schemeClr val="accent1"/>
+                </a:effectRef>
+                <a:fontRef idx="minor">
+                  <a:schemeClr val="dk1"/>
+                </a:fontRef>
+              </p:style>
+              <p:txBody>
+                <a:bodyPr rtlCol="0" anchor="ctr"/>
+                <a:lstStyle/>
+                <a:p>
+                  <a:pPr algn="ctr"/>
+                  <a:endParaRPr lang="zh-CN" altLang="en-US" dirty="0"/>
+                </a:p>
+              </p:txBody>
+            </p:sp>
+            <p:sp>
+              <p:nvSpPr>
+                <p:cNvPr id="38" name="TextBox 37">
+                  <a:extLst>
+                    <a:ext uri="{FF2B5EF4-FFF2-40B4-BE49-F238E27FC236}">
+                      <a16:creationId xmlns:a16="http://schemas.microsoft.com/office/drawing/2014/main" id="{1951C521-2DE9-A47A-8E45-429121D04ADB}"/>
+                    </a:ext>
+                  </a:extLst>
+                </p:cNvPr>
+                <p:cNvSpPr txBox="1"/>
+                <p:nvPr/>
+              </p:nvSpPr>
+              <p:spPr>
+                <a:xfrm>
+                  <a:off x="1370639" y="3120279"/>
+                  <a:ext cx="3538042" cy="495269"/>
+                </a:xfrm>
+                <a:prstGeom prst="rect">
+                  <a:avLst/>
+                </a:prstGeom>
+                <a:noFill/>
+              </p:spPr>
+              <p:txBody>
+                <a:bodyPr wrap="square" rtlCol="0">
+                  <a:spAutoFit/>
+                </a:bodyPr>
+                <a:lstStyle/>
+                <a:p>
+                  <a:r>
+                    <a:rPr lang="en-US" altLang="zh-CN" sz="1200" dirty="0"/>
+                    <a:t>                                 </a:t>
+                  </a:r>
+                  <a:r>
+                    <a:rPr lang="en-US" altLang="zh-CN" sz="1100" dirty="0"/>
+                    <a:t>[</a:t>
+                  </a:r>
+                  <a:r>
+                    <a:rPr lang="en-US" altLang="zh-CN" sz="1100" dirty="0" err="1"/>
+                    <a:t>commandTokens</a:t>
+                  </a:r>
+                  <a:r>
+                    <a:rPr lang="en-US" altLang="zh-CN" sz="1100" dirty="0"/>
+                    <a:t>[0] == “list”]</a:t>
+                  </a:r>
+                  <a:endParaRPr lang="zh-CN" altLang="en-US" sz="1100" dirty="0"/>
+                </a:p>
+              </p:txBody>
+            </p:sp>
+          </p:grpSp>
+          <p:cxnSp>
+            <p:nvCxnSpPr>
+              <p:cNvPr id="35" name="Straight Arrow Connector 34">
+                <a:extLst>
+                  <a:ext uri="{FF2B5EF4-FFF2-40B4-BE49-F238E27FC236}">
+                    <a16:creationId xmlns:a16="http://schemas.microsoft.com/office/drawing/2014/main" id="{7088878D-8A4D-F1C7-394B-1D2A832883CB}"/>
+                  </a:ext>
+                </a:extLst>
+              </p:cNvPr>
+              <p:cNvCxnSpPr>
+                <a:cxnSpLocks/>
+              </p:cNvCxnSpPr>
+              <p:nvPr/>
+            </p:nvCxnSpPr>
+            <p:spPr>
+              <a:xfrm flipH="1">
+                <a:off x="2494118" y="2076958"/>
+                <a:ext cx="5796288" cy="0"/>
+              </a:xfrm>
+              <a:prstGeom prst="straightConnector1">
+                <a:avLst/>
+              </a:prstGeom>
+              <a:ln w="28575">
+                <a:prstDash val="dash"/>
+                <a:tailEnd type="triangle"/>
+              </a:ln>
+            </p:spPr>
+            <p:style>
+              <a:lnRef idx="1">
+                <a:schemeClr val="accent1"/>
+              </a:lnRef>
+              <a:fillRef idx="0">
+                <a:schemeClr val="accent1"/>
+              </a:fillRef>
+              <a:effectRef idx="0">
+                <a:schemeClr val="accent1"/>
+              </a:effectRef>
+              <a:fontRef idx="minor">
+                <a:schemeClr val="tx1"/>
+              </a:fontRef>
+            </p:style>
+          </p:cxnSp>
+        </p:grpSp>
         <p:sp>
           <p:nvSpPr>
-            <p:cNvPr id="11" name="Rectangle 10">
+            <p:cNvPr id="33" name="TextBox 32">
               <a:extLst>
                 <a:ext uri="{FF2B5EF4-FFF2-40B4-BE49-F238E27FC236}">
-                  <a16:creationId xmlns:a16="http://schemas.microsoft.com/office/drawing/2014/main" id="{40EF8AD8-9E80-162A-BE00-4249D9A162BE}"/>
+                  <a16:creationId xmlns:a16="http://schemas.microsoft.com/office/drawing/2014/main" id="{DADECE1F-293C-BA14-845A-2A8BF0DBB7D9}"/>
+                </a:ext>
+              </a:extLst>
+            </p:cNvPr>
+            <p:cNvSpPr txBox="1"/>
+            <p:nvPr/>
+          </p:nvSpPr>
+          <p:spPr>
+            <a:xfrm>
+              <a:off x="5042981" y="1785908"/>
+              <a:ext cx="1062944" cy="276999"/>
+            </a:xfrm>
+            <a:prstGeom prst="rect">
+              <a:avLst/>
+            </a:prstGeom>
+            <a:solidFill>
+              <a:schemeClr val="bg1"/>
+            </a:solidFill>
+          </p:spPr>
+          <p:txBody>
+            <a:bodyPr wrap="square" rtlCol="0">
+              <a:spAutoFit/>
+            </a:bodyPr>
+            <a:lstStyle/>
+            <a:p>
+              <a:pPr algn="ctr"/>
+              <a:r>
+                <a:rPr lang="en-SG" altLang="zh-CN" sz="1200" dirty="0" err="1"/>
+                <a:t>CommandList</a:t>
+              </a:r>
+              <a:endParaRPr lang="zh-CN" altLang="en-US" sz="1200" dirty="0"/>
+            </a:p>
+          </p:txBody>
+        </p:sp>
+      </p:grpSp>
+      <p:grpSp>
+        <p:nvGrpSpPr>
+          <p:cNvPr id="76" name="Group 75">
+            <a:extLst>
+              <a:ext uri="{FF2B5EF4-FFF2-40B4-BE49-F238E27FC236}">
+                <a16:creationId xmlns:a16="http://schemas.microsoft.com/office/drawing/2014/main" id="{ECFEAF4F-36AF-E2A8-D339-1754BD84FC88}"/>
+              </a:ext>
+            </a:extLst>
+          </p:cNvPr>
+          <p:cNvGrpSpPr/>
+          <p:nvPr/>
+        </p:nvGrpSpPr>
+        <p:grpSpPr>
+          <a:xfrm>
+            <a:off x="1328046" y="2597570"/>
+            <a:ext cx="9234448" cy="626276"/>
+            <a:chOff x="1328046" y="2602650"/>
+            <a:chExt cx="9234448" cy="626276"/>
+          </a:xfrm>
+        </p:grpSpPr>
+        <p:grpSp>
+          <p:nvGrpSpPr>
+            <p:cNvPr id="51" name="Group 50">
+              <a:extLst>
+                <a:ext uri="{FF2B5EF4-FFF2-40B4-BE49-F238E27FC236}">
+                  <a16:creationId xmlns:a16="http://schemas.microsoft.com/office/drawing/2014/main" id="{2B129C65-0636-7176-9C73-EC3B584699B3}"/>
+                </a:ext>
+              </a:extLst>
+            </p:cNvPr>
+            <p:cNvGrpSpPr/>
+            <p:nvPr/>
+          </p:nvGrpSpPr>
+          <p:grpSpPr>
+            <a:xfrm>
+              <a:off x="1328046" y="2602650"/>
+              <a:ext cx="9234448" cy="626276"/>
+              <a:chOff x="1328051" y="1735805"/>
+              <a:chExt cx="9234448" cy="626276"/>
+            </a:xfrm>
+          </p:grpSpPr>
+          <p:grpSp>
+            <p:nvGrpSpPr>
+              <p:cNvPr id="52" name="Group 51">
+                <a:extLst>
+                  <a:ext uri="{FF2B5EF4-FFF2-40B4-BE49-F238E27FC236}">
+                    <a16:creationId xmlns:a16="http://schemas.microsoft.com/office/drawing/2014/main" id="{76B60781-45D5-3857-5DAD-E62C7612D15D}"/>
+                  </a:ext>
+                </a:extLst>
+              </p:cNvPr>
+              <p:cNvGrpSpPr/>
+              <p:nvPr/>
+            </p:nvGrpSpPr>
+            <p:grpSpPr>
+              <a:xfrm>
+                <a:off x="1328051" y="1735805"/>
+                <a:ext cx="9234448" cy="626276"/>
+                <a:chOff x="1328051" y="1735805"/>
+                <a:chExt cx="9234448" cy="626276"/>
+              </a:xfrm>
+            </p:grpSpPr>
+            <p:grpSp>
+              <p:nvGrpSpPr>
+                <p:cNvPr id="54" name="Group 53">
+                  <a:extLst>
+                    <a:ext uri="{FF2B5EF4-FFF2-40B4-BE49-F238E27FC236}">
+                      <a16:creationId xmlns:a16="http://schemas.microsoft.com/office/drawing/2014/main" id="{0A8591E2-6CDE-8633-83CE-B660C5B829C6}"/>
+                    </a:ext>
+                  </a:extLst>
+                </p:cNvPr>
+                <p:cNvGrpSpPr/>
+                <p:nvPr/>
+              </p:nvGrpSpPr>
+              <p:grpSpPr>
+                <a:xfrm>
+                  <a:off x="1328051" y="1735805"/>
+                  <a:ext cx="9234448" cy="626276"/>
+                  <a:chOff x="1370639" y="3120279"/>
+                  <a:chExt cx="7352102" cy="1119768"/>
+                </a:xfrm>
+              </p:grpSpPr>
+              <p:sp>
+                <p:nvSpPr>
+                  <p:cNvPr id="59" name="Rectangle 58">
+                    <a:extLst>
+                      <a:ext uri="{FF2B5EF4-FFF2-40B4-BE49-F238E27FC236}">
+                        <a16:creationId xmlns:a16="http://schemas.microsoft.com/office/drawing/2014/main" id="{840F70FF-CCA0-C7CC-9924-1CD2675D7168}"/>
+                      </a:ext>
+                    </a:extLst>
+                  </p:cNvPr>
+                  <p:cNvSpPr/>
+                  <p:nvPr/>
+                </p:nvSpPr>
+                <p:spPr>
+                  <a:xfrm>
+                    <a:off x="1370643" y="3162236"/>
+                    <a:ext cx="7352098" cy="1077811"/>
+                  </a:xfrm>
+                  <a:prstGeom prst="rect">
+                    <a:avLst/>
+                  </a:prstGeom>
+                  <a:noFill/>
+                  <a:ln w="28575"/>
+                </p:spPr>
+                <p:style>
+                  <a:lnRef idx="2">
+                    <a:schemeClr val="accent1"/>
+                  </a:lnRef>
+                  <a:fillRef idx="1">
+                    <a:schemeClr val="lt1"/>
+                  </a:fillRef>
+                  <a:effectRef idx="0">
+                    <a:schemeClr val="accent1"/>
+                  </a:effectRef>
+                  <a:fontRef idx="minor">
+                    <a:schemeClr val="dk1"/>
+                  </a:fontRef>
+                </p:style>
+                <p:txBody>
+                  <a:bodyPr rtlCol="0" anchor="ctr"/>
+                  <a:lstStyle/>
+                  <a:p>
+                    <a:pPr algn="ctr"/>
+                    <a:endParaRPr lang="zh-CN" altLang="en-US" dirty="0"/>
+                  </a:p>
+                </p:txBody>
+              </p:sp>
+              <p:sp>
+                <p:nvSpPr>
+                  <p:cNvPr id="60" name="TextBox 59">
+                    <a:extLst>
+                      <a:ext uri="{FF2B5EF4-FFF2-40B4-BE49-F238E27FC236}">
+                        <a16:creationId xmlns:a16="http://schemas.microsoft.com/office/drawing/2014/main" id="{473C555A-E1DA-6657-3DBB-036FB68342EC}"/>
+                      </a:ext>
+                    </a:extLst>
+                  </p:cNvPr>
+                  <p:cNvSpPr txBox="1"/>
+                  <p:nvPr/>
+                </p:nvSpPr>
+                <p:spPr>
+                  <a:xfrm>
+                    <a:off x="1370639" y="3120279"/>
+                    <a:ext cx="3538042" cy="495269"/>
+                  </a:xfrm>
+                  <a:prstGeom prst="rect">
+                    <a:avLst/>
+                  </a:prstGeom>
+                  <a:noFill/>
+                </p:spPr>
+                <p:txBody>
+                  <a:bodyPr wrap="square" rtlCol="0">
+                    <a:spAutoFit/>
+                  </a:bodyPr>
+                  <a:lstStyle/>
+                  <a:p>
+                    <a:r>
+                      <a:rPr lang="en-US" altLang="zh-CN" sz="1200" dirty="0"/>
+                      <a:t>                                 </a:t>
+                    </a:r>
+                    <a:r>
+                      <a:rPr lang="en-US" altLang="zh-CN" sz="1100" dirty="0"/>
+                      <a:t>[</a:t>
+                    </a:r>
+                    <a:r>
+                      <a:rPr lang="en-US" altLang="zh-CN" sz="1100" dirty="0" err="1"/>
+                      <a:t>commandTokens</a:t>
+                    </a:r>
+                    <a:r>
+                      <a:rPr lang="en-US" altLang="zh-CN" sz="1100" dirty="0"/>
+                      <a:t>[0] == “short”]</a:t>
+                    </a:r>
+                    <a:endParaRPr lang="zh-CN" altLang="en-US" sz="1100" dirty="0"/>
+                  </a:p>
+                </p:txBody>
+              </p:sp>
+            </p:grpSp>
+            <p:cxnSp>
+              <p:nvCxnSpPr>
+                <p:cNvPr id="57" name="Straight Arrow Connector 56">
+                  <a:extLst>
+                    <a:ext uri="{FF2B5EF4-FFF2-40B4-BE49-F238E27FC236}">
+                      <a16:creationId xmlns:a16="http://schemas.microsoft.com/office/drawing/2014/main" id="{509D0FBF-9406-0FFA-3406-7141DE389965}"/>
+                    </a:ext>
+                  </a:extLst>
+                </p:cNvPr>
+                <p:cNvCxnSpPr>
+                  <a:cxnSpLocks/>
+                </p:cNvCxnSpPr>
+                <p:nvPr/>
+              </p:nvCxnSpPr>
+              <p:spPr>
+                <a:xfrm flipH="1">
+                  <a:off x="2494118" y="2277421"/>
+                  <a:ext cx="5796288" cy="0"/>
+                </a:xfrm>
+                <a:prstGeom prst="straightConnector1">
+                  <a:avLst/>
+                </a:prstGeom>
+                <a:ln w="28575">
+                  <a:prstDash val="dash"/>
+                  <a:tailEnd type="triangle"/>
+                </a:ln>
+              </p:spPr>
+              <p:style>
+                <a:lnRef idx="1">
+                  <a:schemeClr val="accent1"/>
+                </a:lnRef>
+                <a:fillRef idx="0">
+                  <a:schemeClr val="accent1"/>
+                </a:fillRef>
+                <a:effectRef idx="0">
+                  <a:schemeClr val="accent1"/>
+                </a:effectRef>
+                <a:fontRef idx="minor">
+                  <a:schemeClr val="tx1"/>
+                </a:fontRef>
+              </p:style>
+            </p:cxnSp>
+          </p:grpSp>
+          <p:sp>
+            <p:nvSpPr>
+              <p:cNvPr id="53" name="TextBox 52">
+                <a:extLst>
+                  <a:ext uri="{FF2B5EF4-FFF2-40B4-BE49-F238E27FC236}">
+                    <a16:creationId xmlns:a16="http://schemas.microsoft.com/office/drawing/2014/main" id="{2A14C650-BCB0-AD56-A8DC-95B5416232E5}"/>
+                  </a:ext>
+                </a:extLst>
+              </p:cNvPr>
+              <p:cNvSpPr txBox="1"/>
+              <p:nvPr/>
+            </p:nvSpPr>
+            <p:spPr>
+              <a:xfrm>
+                <a:off x="4989325" y="1974735"/>
+                <a:ext cx="1170255" cy="276999"/>
+              </a:xfrm>
+              <a:prstGeom prst="rect">
+                <a:avLst/>
+              </a:prstGeom>
+              <a:solidFill>
+                <a:schemeClr val="bg1"/>
+              </a:solidFill>
+            </p:spPr>
+            <p:txBody>
+              <a:bodyPr wrap="square" rtlCol="0">
+                <a:spAutoFit/>
+              </a:bodyPr>
+              <a:lstStyle/>
+              <a:p>
+                <a:pPr algn="ctr"/>
+                <a:r>
+                  <a:rPr lang="en-SG" altLang="zh-CN" sz="1200" dirty="0" err="1"/>
+                  <a:t>CommandShort</a:t>
+                </a:r>
+                <a:endParaRPr lang="zh-CN" altLang="en-US" sz="1200" dirty="0"/>
+              </a:p>
+            </p:txBody>
+          </p:sp>
+        </p:grpSp>
+        <p:grpSp>
+          <p:nvGrpSpPr>
+            <p:cNvPr id="61" name="Group 60">
+              <a:extLst>
+                <a:ext uri="{FF2B5EF4-FFF2-40B4-BE49-F238E27FC236}">
+                  <a16:creationId xmlns:a16="http://schemas.microsoft.com/office/drawing/2014/main" id="{117E6AD6-8A0F-D102-5B3B-CCCA8FBC9D61}"/>
+                </a:ext>
+              </a:extLst>
+            </p:cNvPr>
+            <p:cNvGrpSpPr/>
+            <p:nvPr/>
+          </p:nvGrpSpPr>
+          <p:grpSpPr>
+            <a:xfrm>
+              <a:off x="8474353" y="2720887"/>
+              <a:ext cx="540950" cy="88389"/>
+              <a:chOff x="7055408" y="2042377"/>
+              <a:chExt cx="430684" cy="378542"/>
+            </a:xfrm>
+          </p:grpSpPr>
+          <p:cxnSp>
+            <p:nvCxnSpPr>
+              <p:cNvPr id="62" name="Straight Arrow Connector 61">
+                <a:extLst>
+                  <a:ext uri="{FF2B5EF4-FFF2-40B4-BE49-F238E27FC236}">
+                    <a16:creationId xmlns:a16="http://schemas.microsoft.com/office/drawing/2014/main" id="{7DB219E0-8459-1115-9E1C-C38AF6C4359E}"/>
+                  </a:ext>
+                </a:extLst>
+              </p:cNvPr>
+              <p:cNvCxnSpPr>
+                <a:cxnSpLocks/>
+              </p:cNvCxnSpPr>
+              <p:nvPr/>
+            </p:nvCxnSpPr>
+            <p:spPr>
+              <a:xfrm flipH="1">
+                <a:off x="7121272" y="2408518"/>
+                <a:ext cx="364820" cy="0"/>
+              </a:xfrm>
+              <a:prstGeom prst="straightConnector1">
+                <a:avLst/>
+              </a:prstGeom>
+              <a:ln w="28575">
+                <a:tailEnd type="triangle"/>
+              </a:ln>
+            </p:spPr>
+            <p:style>
+              <a:lnRef idx="1">
+                <a:schemeClr val="accent1"/>
+              </a:lnRef>
+              <a:fillRef idx="0">
+                <a:schemeClr val="accent1"/>
+              </a:fillRef>
+              <a:effectRef idx="0">
+                <a:schemeClr val="accent1"/>
+              </a:effectRef>
+              <a:fontRef idx="minor">
+                <a:schemeClr val="tx1"/>
+              </a:fontRef>
+            </p:style>
+          </p:cxnSp>
+          <p:cxnSp>
+            <p:nvCxnSpPr>
+              <p:cNvPr id="63" name="Straight Connector 62">
+                <a:extLst>
+                  <a:ext uri="{FF2B5EF4-FFF2-40B4-BE49-F238E27FC236}">
+                    <a16:creationId xmlns:a16="http://schemas.microsoft.com/office/drawing/2014/main" id="{F2F0C595-C6D7-C3CA-A28F-681857C50A25}"/>
+                  </a:ext>
+                </a:extLst>
+              </p:cNvPr>
+              <p:cNvCxnSpPr>
+                <a:cxnSpLocks/>
+              </p:cNvCxnSpPr>
+              <p:nvPr/>
+            </p:nvCxnSpPr>
+            <p:spPr>
+              <a:xfrm>
+                <a:off x="7055408" y="2082172"/>
+                <a:ext cx="423803" cy="0"/>
+              </a:xfrm>
+              <a:prstGeom prst="line">
+                <a:avLst/>
+              </a:prstGeom>
+              <a:ln w="28575"/>
+            </p:spPr>
+            <p:style>
+              <a:lnRef idx="1">
+                <a:schemeClr val="accent1"/>
+              </a:lnRef>
+              <a:fillRef idx="0">
+                <a:schemeClr val="accent1"/>
+              </a:fillRef>
+              <a:effectRef idx="0">
+                <a:schemeClr val="accent1"/>
+              </a:effectRef>
+              <a:fontRef idx="minor">
+                <a:schemeClr val="tx1"/>
+              </a:fontRef>
+            </p:style>
+          </p:cxnSp>
+          <p:cxnSp>
+            <p:nvCxnSpPr>
+              <p:cNvPr id="64" name="Straight Connector 63">
+                <a:extLst>
+                  <a:ext uri="{FF2B5EF4-FFF2-40B4-BE49-F238E27FC236}">
+                    <a16:creationId xmlns:a16="http://schemas.microsoft.com/office/drawing/2014/main" id="{FD2E0EB8-BABD-92E0-0944-1F24624A541B}"/>
+                  </a:ext>
+                </a:extLst>
+              </p:cNvPr>
+              <p:cNvCxnSpPr>
+                <a:cxnSpLocks/>
+              </p:cNvCxnSpPr>
+              <p:nvPr/>
+            </p:nvCxnSpPr>
+            <p:spPr>
+              <a:xfrm>
+                <a:off x="7477767" y="2042377"/>
+                <a:ext cx="0" cy="378542"/>
+              </a:xfrm>
+              <a:prstGeom prst="line">
+                <a:avLst/>
+              </a:prstGeom>
+              <a:ln w="28575"/>
+            </p:spPr>
+            <p:style>
+              <a:lnRef idx="1">
+                <a:schemeClr val="accent1"/>
+              </a:lnRef>
+              <a:fillRef idx="0">
+                <a:schemeClr val="accent1"/>
+              </a:fillRef>
+              <a:effectRef idx="0">
+                <a:schemeClr val="accent1"/>
+              </a:effectRef>
+              <a:fontRef idx="minor">
+                <a:schemeClr val="tx1"/>
+              </a:fontRef>
+            </p:style>
+          </p:cxnSp>
+        </p:grpSp>
+        <p:sp>
+          <p:nvSpPr>
+            <p:cNvPr id="68" name="Rectangle 67">
+              <a:extLst>
+                <a:ext uri="{FF2B5EF4-FFF2-40B4-BE49-F238E27FC236}">
+                  <a16:creationId xmlns:a16="http://schemas.microsoft.com/office/drawing/2014/main" id="{15F6AFAA-D972-E2B5-F147-100AAE4DED3F}"/>
                 </a:ext>
               </a:extLst>
             </p:cNvPr>
@@ -3645,8 +5490,8 @@
           </p:nvSpPr>
           <p:spPr>
             <a:xfrm>
-              <a:off x="2137842" y="1257447"/>
-              <a:ext cx="158350" cy="10027755"/>
+              <a:off x="8380941" y="2833462"/>
+              <a:ext cx="165097" cy="161682"/>
             </a:xfrm>
             <a:prstGeom prst="rect">
               <a:avLst/>
@@ -3679,10 +5524,10 @@
         </p:sp>
         <p:grpSp>
           <p:nvGrpSpPr>
-            <p:cNvPr id="86" name="Group 85">
+            <p:cNvPr id="69" name="Group 68">
               <a:extLst>
                 <a:ext uri="{FF2B5EF4-FFF2-40B4-BE49-F238E27FC236}">
-                  <a16:creationId xmlns:a16="http://schemas.microsoft.com/office/drawing/2014/main" id="{1BE62772-0A2A-FB05-0F20-79E8A25BC51D}"/>
+                  <a16:creationId xmlns:a16="http://schemas.microsoft.com/office/drawing/2014/main" id="{A17EF386-1621-57F3-07EF-A17D6256800E}"/>
                 </a:ext>
               </a:extLst>
             </p:cNvPr>
@@ -3691,112 +5536,413 @@
           </p:nvGrpSpPr>
           <p:grpSpPr>
             <a:xfrm>
-              <a:off x="1370644" y="2955066"/>
-              <a:ext cx="6222903" cy="822137"/>
-              <a:chOff x="1370643" y="3111771"/>
-              <a:chExt cx="6222903" cy="822137"/>
+              <a:off x="8463490" y="2983499"/>
+              <a:ext cx="551834" cy="88391"/>
+              <a:chOff x="6986851" y="2202875"/>
+              <a:chExt cx="439349" cy="378550"/>
             </a:xfrm>
           </p:grpSpPr>
-          <p:sp>
-            <p:nvSpPr>
-              <p:cNvPr id="5" name="Rectangle 4">
+          <p:cxnSp>
+            <p:nvCxnSpPr>
+              <p:cNvPr id="71" name="Straight Arrow Connector 70">
                 <a:extLst>
                   <a:ext uri="{FF2B5EF4-FFF2-40B4-BE49-F238E27FC236}">
-                    <a16:creationId xmlns:a16="http://schemas.microsoft.com/office/drawing/2014/main" id="{DB62688F-B18A-B057-1E5A-2B7A1B4C3A4F}"/>
+                    <a16:creationId xmlns:a16="http://schemas.microsoft.com/office/drawing/2014/main" id="{B1135C41-A5E3-734D-B245-E0BA5DCCF24D}"/>
                   </a:ext>
                 </a:extLst>
               </p:cNvPr>
-              <p:cNvSpPr/>
+              <p:cNvCxnSpPr>
+                <a:cxnSpLocks/>
+              </p:cNvCxnSpPr>
               <p:nvPr/>
-            </p:nvSpPr>
+            </p:nvCxnSpPr>
             <p:spPr>
-              <a:xfrm>
-                <a:off x="1370643" y="3162235"/>
-                <a:ext cx="6222903" cy="771673"/>
+              <a:xfrm flipH="1">
+                <a:off x="6986851" y="2581425"/>
+                <a:ext cx="431024" cy="0"/>
               </a:xfrm>
-              <a:prstGeom prst="rect">
+              <a:prstGeom prst="straightConnector1">
                 <a:avLst/>
               </a:prstGeom>
-              <a:noFill/>
-              <a:ln w="28575"/>
+              <a:ln w="28575">
+                <a:prstDash val="dash"/>
+                <a:tailEnd type="triangle"/>
+              </a:ln>
             </p:spPr>
             <p:style>
-              <a:lnRef idx="2">
+              <a:lnRef idx="1">
                 <a:schemeClr val="accent1"/>
               </a:lnRef>
-              <a:fillRef idx="1">
-                <a:schemeClr val="lt1"/>
+              <a:fillRef idx="0">
+                <a:schemeClr val="accent1"/>
               </a:fillRef>
               <a:effectRef idx="0">
                 <a:schemeClr val="accent1"/>
               </a:effectRef>
               <a:fontRef idx="minor">
-                <a:schemeClr val="dk1"/>
+                <a:schemeClr val="tx1"/>
               </a:fontRef>
             </p:style>
-            <p:txBody>
-              <a:bodyPr rtlCol="0" anchor="ctr"/>
-              <a:lstStyle/>
-              <a:p>
-                <a:pPr algn="ctr"/>
-                <a:endParaRPr lang="zh-CN" altLang="en-US" dirty="0"/>
-              </a:p>
-            </p:txBody>
-          </p:sp>
-          <p:sp>
-            <p:nvSpPr>
-              <p:cNvPr id="21" name="Rectangle: Single Corner Snipped 20">
+          </p:cxnSp>
+          <p:cxnSp>
+            <p:nvCxnSpPr>
+              <p:cNvPr id="72" name="Straight Connector 71">
                 <a:extLst>
                   <a:ext uri="{FF2B5EF4-FFF2-40B4-BE49-F238E27FC236}">
-                    <a16:creationId xmlns:a16="http://schemas.microsoft.com/office/drawing/2014/main" id="{95F1B815-DCCA-4F08-600D-46438FECB39D}"/>
+                    <a16:creationId xmlns:a16="http://schemas.microsoft.com/office/drawing/2014/main" id="{59CD5F77-DA34-483F-5870-93FF71EDC11C}"/>
                   </a:ext>
                 </a:extLst>
               </p:cNvPr>
-              <p:cNvSpPr/>
+              <p:cNvCxnSpPr>
+                <a:cxnSpLocks/>
+              </p:cNvCxnSpPr>
               <p:nvPr/>
-            </p:nvSpPr>
+            </p:nvCxnSpPr>
             <p:spPr>
-              <a:xfrm rot="5400000">
-                <a:off x="1549883" y="3018865"/>
-                <a:ext cx="334489" cy="663061"/>
+              <a:xfrm>
+                <a:off x="7055397" y="2212708"/>
+                <a:ext cx="370803" cy="0"/>
               </a:xfrm>
-              <a:prstGeom prst="snip1Rect">
-                <a:avLst>
-                  <a:gd name="adj" fmla="val 42742"/>
-                </a:avLst>
+              <a:prstGeom prst="line">
+                <a:avLst/>
               </a:prstGeom>
+              <a:ln w="28575">
+                <a:prstDash val="dash"/>
+              </a:ln>
             </p:spPr>
             <p:style>
-              <a:lnRef idx="2">
-                <a:schemeClr val="accent1">
-                  <a:shade val="15000"/>
-                </a:schemeClr>
+              <a:lnRef idx="1">
+                <a:schemeClr val="accent1"/>
               </a:lnRef>
-              <a:fillRef idx="1">
+              <a:fillRef idx="0">
                 <a:schemeClr val="accent1"/>
               </a:fillRef>
               <a:effectRef idx="0">
                 <a:schemeClr val="accent1"/>
               </a:effectRef>
               <a:fontRef idx="minor">
-                <a:schemeClr val="lt1"/>
+                <a:schemeClr val="tx1"/>
               </a:fontRef>
             </p:style>
-            <p:txBody>
-              <a:bodyPr rtlCol="0" anchor="ctr"/>
-              <a:lstStyle/>
-              <a:p>
-                <a:pPr algn="ctr"/>
-                <a:endParaRPr lang="zh-CN" altLang="en-US" dirty="0"/>
-              </a:p>
-            </p:txBody>
-          </p:sp>
+          </p:cxnSp>
+          <p:cxnSp>
+            <p:nvCxnSpPr>
+              <p:cNvPr id="73" name="Straight Connector 72">
+                <a:extLst>
+                  <a:ext uri="{FF2B5EF4-FFF2-40B4-BE49-F238E27FC236}">
+                    <a16:creationId xmlns:a16="http://schemas.microsoft.com/office/drawing/2014/main" id="{5D442B46-20BD-98EA-ED8D-1CD7374BDD49}"/>
+                  </a:ext>
+                </a:extLst>
+              </p:cNvPr>
+              <p:cNvCxnSpPr>
+                <a:cxnSpLocks/>
+              </p:cNvCxnSpPr>
+              <p:nvPr/>
+            </p:nvCxnSpPr>
+            <p:spPr>
+              <a:xfrm>
+                <a:off x="7417875" y="2202875"/>
+                <a:ext cx="0" cy="378541"/>
+              </a:xfrm>
+              <a:prstGeom prst="line">
+                <a:avLst/>
+              </a:prstGeom>
+              <a:ln w="28575">
+                <a:prstDash val="dash"/>
+              </a:ln>
+            </p:spPr>
+            <p:style>
+              <a:lnRef idx="1">
+                <a:schemeClr val="accent1"/>
+              </a:lnRef>
+              <a:fillRef idx="0">
+                <a:schemeClr val="accent1"/>
+              </a:fillRef>
+              <a:effectRef idx="0">
+                <a:schemeClr val="accent1"/>
+              </a:effectRef>
+              <a:fontRef idx="minor">
+                <a:schemeClr val="tx1"/>
+              </a:fontRef>
+            </p:style>
+          </p:cxnSp>
+        </p:grpSp>
+        <p:sp>
+          <p:nvSpPr>
+            <p:cNvPr id="75" name="TextBox 74">
+              <a:extLst>
+                <a:ext uri="{FF2B5EF4-FFF2-40B4-BE49-F238E27FC236}">
+                  <a16:creationId xmlns:a16="http://schemas.microsoft.com/office/drawing/2014/main" id="{847F2BEB-9B52-7260-76EF-9CED37B4FA55}"/>
+                </a:ext>
+              </a:extLst>
+            </p:cNvPr>
+            <p:cNvSpPr txBox="1"/>
+            <p:nvPr/>
+          </p:nvSpPr>
+          <p:spPr>
+            <a:xfrm>
+              <a:off x="9013147" y="2610930"/>
+              <a:ext cx="1549346" cy="461665"/>
+            </a:xfrm>
+            <a:prstGeom prst="rect">
+              <a:avLst/>
+            </a:prstGeom>
+            <a:noFill/>
+          </p:spPr>
+          <p:txBody>
+            <a:bodyPr wrap="square" rtlCol="0">
+              <a:spAutoFit/>
+            </a:bodyPr>
+            <a:lstStyle/>
+            <a:p>
+              <a:r>
+                <a:rPr lang="en-SG" altLang="zh-CN" sz="1200" dirty="0" err="1"/>
+                <a:t>parseShortAnswer</a:t>
+              </a:r>
+              <a:endParaRPr lang="en-SG" altLang="zh-CN" sz="1200" dirty="0"/>
+            </a:p>
+            <a:p>
+              <a:r>
+                <a:rPr lang="en-SG" altLang="zh-CN" sz="1200" dirty="0"/>
+                <a:t>Command (</a:t>
+              </a:r>
+              <a:r>
+                <a:rPr lang="en-SG" altLang="zh-CN" sz="1200" dirty="0" err="1"/>
+                <a:t>userInput</a:t>
+              </a:r>
+              <a:r>
+                <a:rPr lang="en-SG" altLang="zh-CN" sz="1200" dirty="0"/>
+                <a:t>)</a:t>
+              </a:r>
+              <a:endParaRPr lang="zh-CN" altLang="en-US" sz="1200" dirty="0"/>
+            </a:p>
+          </p:txBody>
+        </p:sp>
+      </p:grpSp>
+      <p:grpSp>
+        <p:nvGrpSpPr>
+          <p:cNvPr id="207" name="Group 206">
+            <a:extLst>
+              <a:ext uri="{FF2B5EF4-FFF2-40B4-BE49-F238E27FC236}">
+                <a16:creationId xmlns:a16="http://schemas.microsoft.com/office/drawing/2014/main" id="{739253DD-836B-FD5F-5B68-F47ACDA26A85}"/>
+              </a:ext>
+            </a:extLst>
+          </p:cNvPr>
+          <p:cNvGrpSpPr/>
+          <p:nvPr/>
+        </p:nvGrpSpPr>
+        <p:grpSpPr>
+          <a:xfrm>
+            <a:off x="1328040" y="2597571"/>
+            <a:ext cx="9234448" cy="626276"/>
+            <a:chOff x="1328046" y="2602650"/>
+            <a:chExt cx="9234448" cy="626276"/>
+          </a:xfrm>
+        </p:grpSpPr>
+        <p:grpSp>
+          <p:nvGrpSpPr>
+            <p:cNvPr id="208" name="Group 207">
+              <a:extLst>
+                <a:ext uri="{FF2B5EF4-FFF2-40B4-BE49-F238E27FC236}">
+                  <a16:creationId xmlns:a16="http://schemas.microsoft.com/office/drawing/2014/main" id="{8B164313-9131-2C18-4747-A4C7006CABD6}"/>
+                </a:ext>
+              </a:extLst>
+            </p:cNvPr>
+            <p:cNvGrpSpPr/>
+            <p:nvPr/>
+          </p:nvGrpSpPr>
+          <p:grpSpPr>
+            <a:xfrm>
+              <a:off x="1328046" y="2602650"/>
+              <a:ext cx="9234448" cy="626276"/>
+              <a:chOff x="1328051" y="1735805"/>
+              <a:chExt cx="9234448" cy="626276"/>
+            </a:xfrm>
+          </p:grpSpPr>
+          <p:grpSp>
+            <p:nvGrpSpPr>
+              <p:cNvPr id="219" name="Group 218">
+                <a:extLst>
+                  <a:ext uri="{FF2B5EF4-FFF2-40B4-BE49-F238E27FC236}">
+                    <a16:creationId xmlns:a16="http://schemas.microsoft.com/office/drawing/2014/main" id="{D027D3E8-1814-9243-85A6-9FB636DE0C02}"/>
+                  </a:ext>
+                </a:extLst>
+              </p:cNvPr>
+              <p:cNvGrpSpPr/>
+              <p:nvPr/>
+            </p:nvGrpSpPr>
+            <p:grpSpPr>
+              <a:xfrm>
+                <a:off x="1328051" y="1735805"/>
+                <a:ext cx="9234448" cy="626276"/>
+                <a:chOff x="1328051" y="1735805"/>
+                <a:chExt cx="9234448" cy="626276"/>
+              </a:xfrm>
+            </p:grpSpPr>
+            <p:grpSp>
+              <p:nvGrpSpPr>
+                <p:cNvPr id="221" name="Group 220">
+                  <a:extLst>
+                    <a:ext uri="{FF2B5EF4-FFF2-40B4-BE49-F238E27FC236}">
+                      <a16:creationId xmlns:a16="http://schemas.microsoft.com/office/drawing/2014/main" id="{5CAFDFCA-405D-6585-08AA-CC2EC111C4DB}"/>
+                    </a:ext>
+                  </a:extLst>
+                </p:cNvPr>
+                <p:cNvGrpSpPr/>
+                <p:nvPr/>
+              </p:nvGrpSpPr>
+              <p:grpSpPr>
+                <a:xfrm>
+                  <a:off x="1328051" y="1735805"/>
+                  <a:ext cx="9234448" cy="626276"/>
+                  <a:chOff x="1370639" y="3120279"/>
+                  <a:chExt cx="7352102" cy="1119768"/>
+                </a:xfrm>
+              </p:grpSpPr>
+              <p:sp>
+                <p:nvSpPr>
+                  <p:cNvPr id="223" name="Rectangle 222">
+                    <a:extLst>
+                      <a:ext uri="{FF2B5EF4-FFF2-40B4-BE49-F238E27FC236}">
+                        <a16:creationId xmlns:a16="http://schemas.microsoft.com/office/drawing/2014/main" id="{787A1247-1613-8473-D8BE-4E96354A3843}"/>
+                      </a:ext>
+                    </a:extLst>
+                  </p:cNvPr>
+                  <p:cNvSpPr/>
+                  <p:nvPr/>
+                </p:nvSpPr>
+                <p:spPr>
+                  <a:xfrm>
+                    <a:off x="1370643" y="3162236"/>
+                    <a:ext cx="7352098" cy="1077811"/>
+                  </a:xfrm>
+                  <a:prstGeom prst="rect">
+                    <a:avLst/>
+                  </a:prstGeom>
+                  <a:noFill/>
+                  <a:ln w="28575"/>
+                </p:spPr>
+                <p:style>
+                  <a:lnRef idx="2">
+                    <a:schemeClr val="accent1"/>
+                  </a:lnRef>
+                  <a:fillRef idx="1">
+                    <a:schemeClr val="lt1"/>
+                  </a:fillRef>
+                  <a:effectRef idx="0">
+                    <a:schemeClr val="accent1"/>
+                  </a:effectRef>
+                  <a:fontRef idx="minor">
+                    <a:schemeClr val="dk1"/>
+                  </a:fontRef>
+                </p:style>
+                <p:txBody>
+                  <a:bodyPr rtlCol="0" anchor="ctr"/>
+                  <a:lstStyle/>
+                  <a:p>
+                    <a:pPr algn="ctr"/>
+                    <a:endParaRPr lang="zh-CN" altLang="en-US" dirty="0"/>
+                  </a:p>
+                </p:txBody>
+              </p:sp>
+              <p:sp>
+                <p:nvSpPr>
+                  <p:cNvPr id="224" name="TextBox 223">
+                    <a:extLst>
+                      <a:ext uri="{FF2B5EF4-FFF2-40B4-BE49-F238E27FC236}">
+                        <a16:creationId xmlns:a16="http://schemas.microsoft.com/office/drawing/2014/main" id="{34268683-CF39-6511-A66F-EC92C7259229}"/>
+                      </a:ext>
+                    </a:extLst>
+                  </p:cNvPr>
+                  <p:cNvSpPr txBox="1"/>
+                  <p:nvPr/>
+                </p:nvSpPr>
+                <p:spPr>
+                  <a:xfrm>
+                    <a:off x="1370639" y="3120279"/>
+                    <a:ext cx="3538042" cy="495269"/>
+                  </a:xfrm>
+                  <a:prstGeom prst="rect">
+                    <a:avLst/>
+                  </a:prstGeom>
+                  <a:noFill/>
+                </p:spPr>
+                <p:txBody>
+                  <a:bodyPr wrap="square" rtlCol="0">
+                    <a:spAutoFit/>
+                  </a:bodyPr>
+                  <a:lstStyle/>
+                  <a:p>
+                    <a:r>
+                      <a:rPr lang="en-US" altLang="zh-CN" sz="1200" dirty="0"/>
+                      <a:t>                                 </a:t>
+                    </a:r>
+                    <a:r>
+                      <a:rPr lang="en-US" altLang="zh-CN" sz="1100" dirty="0"/>
+                      <a:t>[</a:t>
+                    </a:r>
+                    <a:r>
+                      <a:rPr lang="en-US" altLang="zh-CN" sz="1100" dirty="0" err="1"/>
+                      <a:t>commandTokens</a:t>
+                    </a:r>
+                    <a:r>
+                      <a:rPr lang="en-US" altLang="zh-CN" sz="1100" dirty="0"/>
+                      <a:t>[0] == “short”]</a:t>
+                    </a:r>
+                    <a:endParaRPr lang="zh-CN" altLang="en-US" sz="1100" dirty="0"/>
+                  </a:p>
+                </p:txBody>
+              </p:sp>
+            </p:grpSp>
+            <p:cxnSp>
+              <p:nvCxnSpPr>
+                <p:cNvPr id="222" name="Straight Arrow Connector 221">
+                  <a:extLst>
+                    <a:ext uri="{FF2B5EF4-FFF2-40B4-BE49-F238E27FC236}">
+                      <a16:creationId xmlns:a16="http://schemas.microsoft.com/office/drawing/2014/main" id="{2C426044-6F46-13CA-E606-55215F31C418}"/>
+                    </a:ext>
+                  </a:extLst>
+                </p:cNvPr>
+                <p:cNvCxnSpPr>
+                  <a:cxnSpLocks/>
+                </p:cNvCxnSpPr>
+                <p:nvPr/>
+              </p:nvCxnSpPr>
+              <p:spPr>
+                <a:xfrm flipH="1">
+                  <a:off x="2494118" y="2277421"/>
+                  <a:ext cx="5796288" cy="0"/>
+                </a:xfrm>
+                <a:prstGeom prst="straightConnector1">
+                  <a:avLst/>
+                </a:prstGeom>
+                <a:ln w="28575">
+                  <a:prstDash val="dash"/>
+                  <a:tailEnd type="triangle"/>
+                </a:ln>
+              </p:spPr>
+              <p:style>
+                <a:lnRef idx="1">
+                  <a:schemeClr val="accent1"/>
+                </a:lnRef>
+                <a:fillRef idx="0">
+                  <a:schemeClr val="accent1"/>
+                </a:fillRef>
+                <a:effectRef idx="0">
+                  <a:schemeClr val="accent1"/>
+                </a:effectRef>
+                <a:fontRef idx="minor">
+                  <a:schemeClr val="tx1"/>
+                </a:fontRef>
+              </p:style>
+            </p:cxnSp>
+          </p:grpSp>
           <p:sp>
             <p:nvSpPr>
-              <p:cNvPr id="22" name="TextBox 21">
+              <p:cNvPr id="220" name="TextBox 219">
                 <a:extLst>
                   <a:ext uri="{FF2B5EF4-FFF2-40B4-BE49-F238E27FC236}">
-                    <a16:creationId xmlns:a16="http://schemas.microsoft.com/office/drawing/2014/main" id="{B20FF846-F8EC-2F91-1F6E-68AF0FB9B809}"/>
+                    <a16:creationId xmlns:a16="http://schemas.microsoft.com/office/drawing/2014/main" id="{64F2A53C-193E-A095-0266-8CB41BBFD6BA}"/>
                   </a:ext>
                 </a:extLst>
               </p:cNvPr>
@@ -3805,13 +5951,15 @@
             </p:nvSpPr>
             <p:spPr>
               <a:xfrm>
-                <a:off x="1384530" y="3111771"/>
-                <a:ext cx="3538042" cy="467753"/>
+                <a:off x="4989325" y="1974735"/>
+                <a:ext cx="1170255" cy="276999"/>
               </a:xfrm>
               <a:prstGeom prst="rect">
                 <a:avLst/>
               </a:prstGeom>
-              <a:noFill/>
+              <a:solidFill>
+                <a:schemeClr val="bg1"/>
+              </a:solidFill>
             </p:spPr>
             <p:txBody>
               <a:bodyPr wrap="square" rtlCol="0">
@@ -3819,29 +5967,22 @@
               </a:bodyPr>
               <a:lstStyle/>
               <a:p>
+                <a:pPr algn="ctr"/>
                 <a:r>
-                  <a:rPr lang="en-US" altLang="zh-CN" sz="1100" dirty="0"/>
-                  <a:t>  alt                [</a:t>
+                  <a:rPr lang="en-SG" altLang="zh-CN" sz="1200" dirty="0" err="1"/>
+                  <a:t>CommandShort</a:t>
                 </a:r>
-                <a:r>
-                  <a:rPr lang="en-US" altLang="zh-CN" sz="1100" dirty="0" err="1"/>
-                  <a:t>commandTokens</a:t>
-                </a:r>
-                <a:r>
-                  <a:rPr lang="en-US" altLang="zh-CN" sz="1100" dirty="0"/>
-                  <a:t>[0] == “bye”]</a:t>
-                </a:r>
-                <a:endParaRPr lang="zh-CN" altLang="en-US" sz="1100" dirty="0"/>
+                <a:endParaRPr lang="zh-CN" altLang="en-US" sz="1200" dirty="0"/>
               </a:p>
             </p:txBody>
           </p:sp>
         </p:grpSp>
         <p:grpSp>
           <p:nvGrpSpPr>
-            <p:cNvPr id="78" name="Group 77">
+            <p:cNvPr id="209" name="Group 208">
               <a:extLst>
                 <a:ext uri="{FF2B5EF4-FFF2-40B4-BE49-F238E27FC236}">
-                  <a16:creationId xmlns:a16="http://schemas.microsoft.com/office/drawing/2014/main" id="{1D41E0CF-214D-F572-CF99-998BB5AD7187}"/>
+                  <a16:creationId xmlns:a16="http://schemas.microsoft.com/office/drawing/2014/main" id="{98933C42-4827-8B78-1C8D-E416B1F9ABE0}"/>
                 </a:ext>
               </a:extLst>
             </p:cNvPr>
@@ -3850,18 +5991,18 @@
           </p:nvGrpSpPr>
           <p:grpSpPr>
             <a:xfrm>
-              <a:off x="7047958" y="2090119"/>
-              <a:ext cx="430695" cy="158037"/>
-              <a:chOff x="7055397" y="2042377"/>
-              <a:chExt cx="430695" cy="378542"/>
+              <a:off x="8474353" y="2720887"/>
+              <a:ext cx="540950" cy="88389"/>
+              <a:chOff x="7055408" y="2042377"/>
+              <a:chExt cx="430684" cy="378542"/>
             </a:xfrm>
           </p:grpSpPr>
           <p:cxnSp>
             <p:nvCxnSpPr>
-              <p:cNvPr id="12" name="Straight Arrow Connector 11">
+              <p:cNvPr id="216" name="Straight Arrow Connector 215">
                 <a:extLst>
                   <a:ext uri="{FF2B5EF4-FFF2-40B4-BE49-F238E27FC236}">
-                    <a16:creationId xmlns:a16="http://schemas.microsoft.com/office/drawing/2014/main" id="{3FA566FF-A4F2-B12C-766A-98EDC1846D11}"/>
+                    <a16:creationId xmlns:a16="http://schemas.microsoft.com/office/drawing/2014/main" id="{A7AE4EDD-17E3-FA63-64B8-8D5A7D5582BF}"/>
                   </a:ext>
                 </a:extLst>
               </p:cNvPr>
@@ -3899,10 +6040,10 @@
           </p:cxnSp>
           <p:cxnSp>
             <p:nvCxnSpPr>
-              <p:cNvPr id="24" name="Straight Connector 23">
+              <p:cNvPr id="217" name="Straight Connector 216">
                 <a:extLst>
                   <a:ext uri="{FF2B5EF4-FFF2-40B4-BE49-F238E27FC236}">
-                    <a16:creationId xmlns:a16="http://schemas.microsoft.com/office/drawing/2014/main" id="{047138BD-7FC9-ED51-E824-D2F88AD062A4}"/>
+                    <a16:creationId xmlns:a16="http://schemas.microsoft.com/office/drawing/2014/main" id="{19AE7F29-C719-000C-ABCB-19B18D699FD3}"/>
                   </a:ext>
                 </a:extLst>
               </p:cNvPr>
@@ -3913,7 +6054,7 @@
             </p:nvCxnSpPr>
             <p:spPr>
               <a:xfrm>
-                <a:off x="7055397" y="2082170"/>
+                <a:off x="7055408" y="2082172"/>
                 <a:ext cx="423803" cy="0"/>
               </a:xfrm>
               <a:prstGeom prst="line">
@@ -3938,10 +6079,10 @@
           </p:cxnSp>
           <p:cxnSp>
             <p:nvCxnSpPr>
-              <p:cNvPr id="25" name="Straight Connector 24">
+              <p:cNvPr id="218" name="Straight Connector 217">
                 <a:extLst>
                   <a:ext uri="{FF2B5EF4-FFF2-40B4-BE49-F238E27FC236}">
-                    <a16:creationId xmlns:a16="http://schemas.microsoft.com/office/drawing/2014/main" id="{0411AA97-B9CA-0B30-826C-CC6C516CE8A8}"/>
+                    <a16:creationId xmlns:a16="http://schemas.microsoft.com/office/drawing/2014/main" id="{9662B9EB-9A3F-5418-D9D7-67FE1BBFF304}"/>
                   </a:ext>
                 </a:extLst>
               </p:cNvPr>
@@ -3978,50 +6119,10 @@
         </p:grpSp>
         <p:sp>
           <p:nvSpPr>
-            <p:cNvPr id="26" name="TextBox 25">
+            <p:cNvPr id="210" name="Rectangle 209">
               <a:extLst>
                 <a:ext uri="{FF2B5EF4-FFF2-40B4-BE49-F238E27FC236}">
-                  <a16:creationId xmlns:a16="http://schemas.microsoft.com/office/drawing/2014/main" id="{D8C35807-9BD5-5077-BDEE-26E3FE5FD669}"/>
-                </a:ext>
-              </a:extLst>
-            </p:cNvPr>
-            <p:cNvSpPr txBox="1"/>
-            <p:nvPr/>
-          </p:nvSpPr>
-          <p:spPr>
-            <a:xfrm>
-              <a:off x="7488502" y="2421113"/>
-              <a:ext cx="1474244" cy="307777"/>
-            </a:xfrm>
-            <a:prstGeom prst="rect">
-              <a:avLst/>
-            </a:prstGeom>
-            <a:noFill/>
-          </p:spPr>
-          <p:txBody>
-            <a:bodyPr wrap="square" rtlCol="0">
-              <a:spAutoFit/>
-            </a:bodyPr>
-            <a:lstStyle/>
-            <a:p>
-              <a:r>
-                <a:rPr lang="en-US" altLang="zh-CN" sz="1400" dirty="0" err="1"/>
-                <a:t>commandTokens</a:t>
-              </a:r>
-              <a:r>
-                <a:rPr lang="en-US" altLang="zh-CN" sz="1400" dirty="0"/>
-                <a:t>[]</a:t>
-              </a:r>
-              <a:endParaRPr lang="zh-CN" altLang="en-US" sz="1400" dirty="0"/>
-            </a:p>
-          </p:txBody>
-        </p:sp>
-        <p:sp>
-          <p:nvSpPr>
-            <p:cNvPr id="47" name="Rectangle 46">
-              <a:extLst>
-                <a:ext uri="{FF2B5EF4-FFF2-40B4-BE49-F238E27FC236}">
-                  <a16:creationId xmlns:a16="http://schemas.microsoft.com/office/drawing/2014/main" id="{9742F3FD-155F-5DB9-6606-DED0040F1615}"/>
+                  <a16:creationId xmlns:a16="http://schemas.microsoft.com/office/drawing/2014/main" id="{4D86813D-7C70-A15E-65E3-49E5268ABA2A}"/>
                 </a:ext>
               </a:extLst>
             </p:cNvPr>
@@ -4030,408 +6131,8 @@
           </p:nvSpPr>
           <p:spPr>
             <a:xfrm>
-              <a:off x="4071783" y="229637"/>
-              <a:ext cx="1295400" cy="580845"/>
-            </a:xfrm>
-            <a:prstGeom prst="rect">
-              <a:avLst/>
-            </a:prstGeom>
-          </p:spPr>
-          <p:style>
-            <a:lnRef idx="2">
-              <a:schemeClr val="accent1">
-                <a:shade val="15000"/>
-              </a:schemeClr>
-            </a:lnRef>
-            <a:fillRef idx="1">
-              <a:schemeClr val="accent1"/>
-            </a:fillRef>
-            <a:effectRef idx="0">
-              <a:schemeClr val="accent1"/>
-            </a:effectRef>
-            <a:fontRef idx="minor">
-              <a:schemeClr val="lt1"/>
-            </a:fontRef>
-          </p:style>
-          <p:txBody>
-            <a:bodyPr rtlCol="0" anchor="ctr"/>
-            <a:lstStyle/>
-            <a:p>
-              <a:pPr algn="ctr"/>
-              <a:r>
-                <a:rPr lang="en-US" altLang="zh-CN" sz="1600" dirty="0"/>
-                <a:t>:Ui</a:t>
-              </a:r>
-              <a:endParaRPr lang="zh-CN" altLang="en-US" sz="1600" dirty="0"/>
-            </a:p>
-          </p:txBody>
-        </p:sp>
-        <p:sp>
-          <p:nvSpPr>
-            <p:cNvPr id="48" name="Rectangle 47">
-              <a:extLst>
-                <a:ext uri="{FF2B5EF4-FFF2-40B4-BE49-F238E27FC236}">
-                  <a16:creationId xmlns:a16="http://schemas.microsoft.com/office/drawing/2014/main" id="{8461883D-06C3-3E88-ACD6-974E20EEA165}"/>
-                </a:ext>
-              </a:extLst>
-            </p:cNvPr>
-            <p:cNvSpPr/>
-            <p:nvPr/>
-          </p:nvSpPr>
-          <p:spPr>
-            <a:xfrm>
-              <a:off x="6298148" y="229637"/>
-              <a:ext cx="1295400" cy="580845"/>
-            </a:xfrm>
-            <a:prstGeom prst="rect">
-              <a:avLst/>
-            </a:prstGeom>
-          </p:spPr>
-          <p:style>
-            <a:lnRef idx="2">
-              <a:schemeClr val="accent1">
-                <a:shade val="15000"/>
-              </a:schemeClr>
-            </a:lnRef>
-            <a:fillRef idx="1">
-              <a:schemeClr val="accent1"/>
-            </a:fillRef>
-            <a:effectRef idx="0">
-              <a:schemeClr val="accent1"/>
-            </a:effectRef>
-            <a:fontRef idx="minor">
-              <a:schemeClr val="lt1"/>
-            </a:fontRef>
-          </p:style>
-          <p:txBody>
-            <a:bodyPr rtlCol="0" anchor="ctr"/>
-            <a:lstStyle/>
-            <a:p>
-              <a:pPr algn="ctr"/>
-              <a:r>
-                <a:rPr lang="en-US" altLang="zh-CN" sz="1600" dirty="0"/>
-                <a:t>:Parser</a:t>
-              </a:r>
-              <a:endParaRPr lang="zh-CN" altLang="en-US" sz="1600" dirty="0"/>
-            </a:p>
-          </p:txBody>
-        </p:sp>
-        <p:cxnSp>
-          <p:nvCxnSpPr>
-            <p:cNvPr id="49" name="Straight Connector 48">
-              <a:extLst>
-                <a:ext uri="{FF2B5EF4-FFF2-40B4-BE49-F238E27FC236}">
-                  <a16:creationId xmlns:a16="http://schemas.microsoft.com/office/drawing/2014/main" id="{4979DB8B-B09F-4792-C11A-B4DA4FCE70FB}"/>
-                </a:ext>
-              </a:extLst>
-            </p:cNvPr>
-            <p:cNvCxnSpPr>
-              <a:cxnSpLocks/>
-            </p:cNvCxnSpPr>
-            <p:nvPr/>
-          </p:nvCxnSpPr>
-          <p:spPr>
-            <a:xfrm>
-              <a:off x="4754380" y="810482"/>
-              <a:ext cx="0" cy="454529"/>
-            </a:xfrm>
-            <a:prstGeom prst="line">
-              <a:avLst/>
-            </a:prstGeom>
-            <a:ln w="28575">
-              <a:prstDash val="dash"/>
-            </a:ln>
-          </p:spPr>
-          <p:style>
-            <a:lnRef idx="1">
-              <a:schemeClr val="accent1"/>
-            </a:lnRef>
-            <a:fillRef idx="0">
-              <a:schemeClr val="accent1"/>
-            </a:fillRef>
-            <a:effectRef idx="0">
-              <a:schemeClr val="accent1"/>
-            </a:effectRef>
-            <a:fontRef idx="minor">
-              <a:schemeClr val="tx1"/>
-            </a:fontRef>
-          </p:style>
-        </p:cxnSp>
-        <p:sp>
-          <p:nvSpPr>
-            <p:cNvPr id="50" name="Rectangle 49">
-              <a:extLst>
-                <a:ext uri="{FF2B5EF4-FFF2-40B4-BE49-F238E27FC236}">
-                  <a16:creationId xmlns:a16="http://schemas.microsoft.com/office/drawing/2014/main" id="{2C97576F-9D5B-E3D3-8B7F-EBE8889E42B2}"/>
-                </a:ext>
-              </a:extLst>
-            </p:cNvPr>
-            <p:cNvSpPr/>
-            <p:nvPr/>
-          </p:nvSpPr>
-          <p:spPr>
-            <a:xfrm>
-              <a:off x="4685172" y="1265010"/>
-              <a:ext cx="138415" cy="370547"/>
-            </a:xfrm>
-            <a:prstGeom prst="rect">
-              <a:avLst/>
-            </a:prstGeom>
-          </p:spPr>
-          <p:style>
-            <a:lnRef idx="2">
-              <a:schemeClr val="accent1">
-                <a:shade val="15000"/>
-              </a:schemeClr>
-            </a:lnRef>
-            <a:fillRef idx="1">
-              <a:schemeClr val="accent1"/>
-            </a:fillRef>
-            <a:effectRef idx="0">
-              <a:schemeClr val="accent1"/>
-            </a:effectRef>
-            <a:fontRef idx="minor">
-              <a:schemeClr val="lt1"/>
-            </a:fontRef>
-          </p:style>
-          <p:txBody>
-            <a:bodyPr rtlCol="0" anchor="ctr"/>
-            <a:lstStyle/>
-            <a:p>
-              <a:pPr algn="ctr"/>
-              <a:endParaRPr lang="zh-CN" altLang="en-US"/>
-            </a:p>
-          </p:txBody>
-        </p:sp>
-        <p:sp>
-          <p:nvSpPr>
-            <p:cNvPr id="55" name="TextBox 54">
-              <a:extLst>
-                <a:ext uri="{FF2B5EF4-FFF2-40B4-BE49-F238E27FC236}">
-                  <a16:creationId xmlns:a16="http://schemas.microsoft.com/office/drawing/2014/main" id="{DB022C91-E928-BE9D-8762-D807975CE5B8}"/>
-                </a:ext>
-              </a:extLst>
-            </p:cNvPr>
-            <p:cNvSpPr txBox="1"/>
-            <p:nvPr/>
-          </p:nvSpPr>
-          <p:spPr>
-            <a:xfrm>
-              <a:off x="2748840" y="1191865"/>
-              <a:ext cx="1555715" cy="467753"/>
-            </a:xfrm>
-            <a:prstGeom prst="rect">
-              <a:avLst/>
-            </a:prstGeom>
-            <a:noFill/>
-          </p:spPr>
-          <p:txBody>
-            <a:bodyPr wrap="square" rtlCol="0">
-              <a:spAutoFit/>
-            </a:bodyPr>
-            <a:lstStyle/>
-            <a:p>
-              <a:pPr algn="ctr"/>
-              <a:r>
-                <a:rPr lang="en-US" altLang="zh-CN" sz="1100" dirty="0" err="1"/>
-                <a:t>userInput</a:t>
-              </a:r>
-              <a:r>
-                <a:rPr lang="en-US" altLang="zh-CN" sz="1100" dirty="0"/>
-                <a:t>: String</a:t>
-              </a:r>
-              <a:endParaRPr lang="zh-CN" altLang="en-US" sz="1100" dirty="0"/>
-            </a:p>
-          </p:txBody>
-        </p:sp>
-        <p:cxnSp>
-          <p:nvCxnSpPr>
-            <p:cNvPr id="56" name="Straight Arrow Connector 55">
-              <a:extLst>
-                <a:ext uri="{FF2B5EF4-FFF2-40B4-BE49-F238E27FC236}">
-                  <a16:creationId xmlns:a16="http://schemas.microsoft.com/office/drawing/2014/main" id="{AB19F021-AFF7-63EB-F80D-2BB35CE16336}"/>
-                </a:ext>
-              </a:extLst>
-            </p:cNvPr>
-            <p:cNvCxnSpPr>
-              <a:cxnSpLocks/>
-              <a:stCxn id="50" idx="2"/>
-            </p:cNvCxnSpPr>
-            <p:nvPr/>
-          </p:nvCxnSpPr>
-          <p:spPr>
-            <a:xfrm flipH="1">
-              <a:off x="2299016" y="1635557"/>
-              <a:ext cx="2455364" cy="0"/>
-            </a:xfrm>
-            <a:prstGeom prst="straightConnector1">
-              <a:avLst/>
-            </a:prstGeom>
-            <a:ln w="28575">
-              <a:prstDash val="dash"/>
-              <a:tailEnd type="triangle"/>
-            </a:ln>
-          </p:spPr>
-          <p:style>
-            <a:lnRef idx="1">
-              <a:schemeClr val="accent1"/>
-            </a:lnRef>
-            <a:fillRef idx="0">
-              <a:schemeClr val="accent1"/>
-            </a:fillRef>
-            <a:effectRef idx="0">
-              <a:schemeClr val="accent1"/>
-            </a:effectRef>
-            <a:fontRef idx="minor">
-              <a:schemeClr val="tx1"/>
-            </a:fontRef>
-          </p:style>
-        </p:cxnSp>
-        <p:cxnSp>
-          <p:nvCxnSpPr>
-            <p:cNvPr id="58" name="Straight Arrow Connector 57">
-              <a:extLst>
-                <a:ext uri="{FF2B5EF4-FFF2-40B4-BE49-F238E27FC236}">
-                  <a16:creationId xmlns:a16="http://schemas.microsoft.com/office/drawing/2014/main" id="{A3C23FA8-8FD2-9BF0-E356-012D7C2A499E}"/>
-                </a:ext>
-              </a:extLst>
-            </p:cNvPr>
-            <p:cNvCxnSpPr>
-              <a:cxnSpLocks/>
-            </p:cNvCxnSpPr>
-            <p:nvPr/>
-          </p:nvCxnSpPr>
-          <p:spPr>
-            <a:xfrm>
-              <a:off x="2293620" y="2173722"/>
-              <a:ext cx="4614776" cy="0"/>
-            </a:xfrm>
-            <a:prstGeom prst="straightConnector1">
-              <a:avLst/>
-            </a:prstGeom>
-            <a:ln w="28575">
-              <a:tailEnd type="triangle"/>
-            </a:ln>
-          </p:spPr>
-          <p:style>
-            <a:lnRef idx="1">
-              <a:schemeClr val="accent1"/>
-            </a:lnRef>
-            <a:fillRef idx="0">
-              <a:schemeClr val="accent1"/>
-            </a:fillRef>
-            <a:effectRef idx="0">
-              <a:schemeClr val="accent1"/>
-            </a:effectRef>
-            <a:fontRef idx="minor">
-              <a:schemeClr val="tx1"/>
-            </a:fontRef>
-          </p:style>
-        </p:cxnSp>
-        <p:cxnSp>
-          <p:nvCxnSpPr>
-            <p:cNvPr id="65" name="Straight Connector 64">
-              <a:extLst>
-                <a:ext uri="{FF2B5EF4-FFF2-40B4-BE49-F238E27FC236}">
-                  <a16:creationId xmlns:a16="http://schemas.microsoft.com/office/drawing/2014/main" id="{3D6A2E92-8D08-583D-F403-08698FF2C675}"/>
-                </a:ext>
-              </a:extLst>
-            </p:cNvPr>
-            <p:cNvCxnSpPr>
-              <a:cxnSpLocks/>
-              <a:endCxn id="66" idx="0"/>
-            </p:cNvCxnSpPr>
-            <p:nvPr/>
-          </p:nvCxnSpPr>
-          <p:spPr>
-            <a:xfrm>
-              <a:off x="6976030" y="524947"/>
-              <a:ext cx="14055" cy="1456469"/>
-            </a:xfrm>
-            <a:prstGeom prst="line">
-              <a:avLst/>
-            </a:prstGeom>
-            <a:ln w="28575">
-              <a:prstDash val="dash"/>
-            </a:ln>
-          </p:spPr>
-          <p:style>
-            <a:lnRef idx="1">
-              <a:schemeClr val="accent1"/>
-            </a:lnRef>
-            <a:fillRef idx="0">
-              <a:schemeClr val="accent1"/>
-            </a:fillRef>
-            <a:effectRef idx="0">
-              <a:schemeClr val="accent1"/>
-            </a:effectRef>
-            <a:fontRef idx="minor">
-              <a:schemeClr val="tx1"/>
-            </a:fontRef>
-          </p:style>
-        </p:cxnSp>
-        <p:sp>
-          <p:nvSpPr>
-            <p:cNvPr id="66" name="Rectangle 65">
-              <a:extLst>
-                <a:ext uri="{FF2B5EF4-FFF2-40B4-BE49-F238E27FC236}">
-                  <a16:creationId xmlns:a16="http://schemas.microsoft.com/office/drawing/2014/main" id="{0AA63397-FD37-6EC3-1CC3-3C734D5CB8FD}"/>
-                </a:ext>
-              </a:extLst>
-            </p:cNvPr>
-            <p:cNvSpPr/>
-            <p:nvPr/>
-          </p:nvSpPr>
-          <p:spPr>
-            <a:xfrm>
-              <a:off x="6910910" y="1981416"/>
-              <a:ext cx="158350" cy="9303786"/>
-            </a:xfrm>
-            <a:prstGeom prst="rect">
-              <a:avLst/>
-            </a:prstGeom>
-          </p:spPr>
-          <p:style>
-            <a:lnRef idx="2">
-              <a:schemeClr val="accent1">
-                <a:shade val="15000"/>
-              </a:schemeClr>
-            </a:lnRef>
-            <a:fillRef idx="1">
-              <a:schemeClr val="accent1"/>
-            </a:fillRef>
-            <a:effectRef idx="0">
-              <a:schemeClr val="accent1"/>
-            </a:effectRef>
-            <a:fontRef idx="minor">
-              <a:schemeClr val="lt1"/>
-            </a:fontRef>
-          </p:style>
-          <p:txBody>
-            <a:bodyPr rtlCol="0" anchor="ctr"/>
-            <a:lstStyle/>
-            <a:p>
-              <a:pPr algn="ctr"/>
-              <a:endParaRPr lang="zh-CN" altLang="en-US"/>
-            </a:p>
-          </p:txBody>
-        </p:sp>
-        <p:sp>
-          <p:nvSpPr>
-            <p:cNvPr id="77" name="Rectangle 76">
-              <a:extLst>
-                <a:ext uri="{FF2B5EF4-FFF2-40B4-BE49-F238E27FC236}">
-                  <a16:creationId xmlns:a16="http://schemas.microsoft.com/office/drawing/2014/main" id="{F1A47E0C-E1A0-8480-BCCB-5C1A7AE162EA}"/>
-                </a:ext>
-              </a:extLst>
-            </p:cNvPr>
-            <p:cNvSpPr/>
-            <p:nvPr/>
-          </p:nvSpPr>
-          <p:spPr>
-            <a:xfrm>
-              <a:off x="6973582" y="2291399"/>
-              <a:ext cx="131444" cy="289084"/>
+              <a:off x="8380941" y="2833462"/>
+              <a:ext cx="165097" cy="161682"/>
             </a:xfrm>
             <a:prstGeom prst="rect">
               <a:avLst/>
@@ -4464,10 +6165,10 @@
         </p:sp>
         <p:grpSp>
           <p:nvGrpSpPr>
-            <p:cNvPr id="79" name="Group 78">
+            <p:cNvPr id="211" name="Group 210">
               <a:extLst>
                 <a:ext uri="{FF2B5EF4-FFF2-40B4-BE49-F238E27FC236}">
-                  <a16:creationId xmlns:a16="http://schemas.microsoft.com/office/drawing/2014/main" id="{82109F8B-578F-A293-F888-9C9FAB64905A}"/>
+                  <a16:creationId xmlns:a16="http://schemas.microsoft.com/office/drawing/2014/main" id="{7BA59681-1E18-5E32-EF5B-B2EB4284A1D0}"/>
                 </a:ext>
               </a:extLst>
             </p:cNvPr>
@@ -4476,18 +6177,18 @@
           </p:nvGrpSpPr>
           <p:grpSpPr>
             <a:xfrm>
-              <a:off x="7039304" y="2559662"/>
-              <a:ext cx="439349" cy="158041"/>
+              <a:off x="8463490" y="2983499"/>
+              <a:ext cx="551834" cy="88391"/>
               <a:chOff x="6986851" y="2202875"/>
               <a:chExt cx="439349" cy="378550"/>
             </a:xfrm>
           </p:grpSpPr>
           <p:cxnSp>
             <p:nvCxnSpPr>
-              <p:cNvPr id="80" name="Straight Arrow Connector 79">
+              <p:cNvPr id="213" name="Straight Arrow Connector 212">
                 <a:extLst>
                   <a:ext uri="{FF2B5EF4-FFF2-40B4-BE49-F238E27FC236}">
-                    <a16:creationId xmlns:a16="http://schemas.microsoft.com/office/drawing/2014/main" id="{BD73A9C2-3F14-95FD-8A8F-5606C544A026}"/>
+                    <a16:creationId xmlns:a16="http://schemas.microsoft.com/office/drawing/2014/main" id="{1D348F86-81A2-AEB4-9945-F6A0DCBB8026}"/>
                   </a:ext>
                 </a:extLst>
               </p:cNvPr>
@@ -4526,10 +6227,10 @@
           </p:cxnSp>
           <p:cxnSp>
             <p:nvCxnSpPr>
-              <p:cNvPr id="81" name="Straight Connector 80">
+              <p:cNvPr id="214" name="Straight Connector 213">
                 <a:extLst>
                   <a:ext uri="{FF2B5EF4-FFF2-40B4-BE49-F238E27FC236}">
-                    <a16:creationId xmlns:a16="http://schemas.microsoft.com/office/drawing/2014/main" id="{5F767DA0-6DBF-ADA6-2E5D-CCB283F3F3DE}"/>
+                    <a16:creationId xmlns:a16="http://schemas.microsoft.com/office/drawing/2014/main" id="{D38660E0-E7FE-69FB-6081-4A02B5DE7C0E}"/>
                   </a:ext>
                 </a:extLst>
               </p:cNvPr>
@@ -4567,10 +6268,10 @@
           </p:cxnSp>
           <p:cxnSp>
             <p:nvCxnSpPr>
-              <p:cNvPr id="82" name="Straight Connector 81">
+              <p:cNvPr id="215" name="Straight Connector 214">
                 <a:extLst>
                   <a:ext uri="{FF2B5EF4-FFF2-40B4-BE49-F238E27FC236}">
-                    <a16:creationId xmlns:a16="http://schemas.microsoft.com/office/drawing/2014/main" id="{BA083473-89C2-DB97-46ED-9AB57375FECE}"/>
+                    <a16:creationId xmlns:a16="http://schemas.microsoft.com/office/drawing/2014/main" id="{AD68B570-509C-244D-3A08-34770C084615}"/>
                   </a:ext>
                 </a:extLst>
               </p:cNvPr>
@@ -4607,54 +6308,12 @@
             </p:style>
           </p:cxnSp>
         </p:grpSp>
-        <p:cxnSp>
-          <p:nvCxnSpPr>
-            <p:cNvPr id="87" name="Straight Arrow Connector 86">
+        <p:sp>
+          <p:nvSpPr>
+            <p:cNvPr id="212" name="TextBox 211">
               <a:extLst>
                 <a:ext uri="{FF2B5EF4-FFF2-40B4-BE49-F238E27FC236}">
-                  <a16:creationId xmlns:a16="http://schemas.microsoft.com/office/drawing/2014/main" id="{CDE025E9-FD21-5DAB-1DBC-289864BB1B93}"/>
-                </a:ext>
-              </a:extLst>
-            </p:cNvPr>
-            <p:cNvCxnSpPr>
-              <a:cxnSpLocks/>
-            </p:cNvCxnSpPr>
-            <p:nvPr/>
-          </p:nvCxnSpPr>
-          <p:spPr>
-            <a:xfrm flipH="1">
-              <a:off x="2299016" y="3458261"/>
-              <a:ext cx="4614776" cy="0"/>
-            </a:xfrm>
-            <a:prstGeom prst="straightConnector1">
-              <a:avLst/>
-            </a:prstGeom>
-            <a:ln w="28575">
-              <a:prstDash val="dash"/>
-              <a:tailEnd type="triangle"/>
-            </a:ln>
-          </p:spPr>
-          <p:style>
-            <a:lnRef idx="1">
-              <a:schemeClr val="accent1"/>
-            </a:lnRef>
-            <a:fillRef idx="0">
-              <a:schemeClr val="accent1"/>
-            </a:fillRef>
-            <a:effectRef idx="0">
-              <a:schemeClr val="accent1"/>
-            </a:effectRef>
-            <a:fontRef idx="minor">
-              <a:schemeClr val="tx1"/>
-            </a:fontRef>
-          </p:style>
-        </p:cxnSp>
-        <p:sp>
-          <p:nvSpPr>
-            <p:cNvPr id="89" name="TextBox 88">
-              <a:extLst>
-                <a:ext uri="{FF2B5EF4-FFF2-40B4-BE49-F238E27FC236}">
-                  <a16:creationId xmlns:a16="http://schemas.microsoft.com/office/drawing/2014/main" id="{53E1E2E2-6C79-039A-A7B0-5B4BC4D1CB70}"/>
+                  <a16:creationId xmlns:a16="http://schemas.microsoft.com/office/drawing/2014/main" id="{388D38F5-2B4A-B29C-DA0D-590F9B8777B4}"/>
                 </a:ext>
               </a:extLst>
             </p:cNvPr>
@@ -4663,8 +6322,3702 @@
           </p:nvSpPr>
           <p:spPr>
             <a:xfrm>
-              <a:off x="3699743" y="3134522"/>
-              <a:ext cx="2103430" cy="307777"/>
+              <a:off x="9013147" y="2610930"/>
+              <a:ext cx="1549346" cy="461665"/>
+            </a:xfrm>
+            <a:prstGeom prst="rect">
+              <a:avLst/>
+            </a:prstGeom>
+            <a:noFill/>
+          </p:spPr>
+          <p:txBody>
+            <a:bodyPr wrap="square" rtlCol="0">
+              <a:spAutoFit/>
+            </a:bodyPr>
+            <a:lstStyle/>
+            <a:p>
+              <a:r>
+                <a:rPr lang="en-SG" altLang="zh-CN" sz="1200" dirty="0" err="1"/>
+                <a:t>parseShortAnswer</a:t>
+              </a:r>
+              <a:endParaRPr lang="en-SG" altLang="zh-CN" sz="1200" dirty="0"/>
+            </a:p>
+            <a:p>
+              <a:r>
+                <a:rPr lang="en-SG" altLang="zh-CN" sz="1200" dirty="0"/>
+                <a:t>Command (</a:t>
+              </a:r>
+              <a:r>
+                <a:rPr lang="en-SG" altLang="zh-CN" sz="1200" dirty="0" err="1"/>
+                <a:t>userInput</a:t>
+              </a:r>
+              <a:r>
+                <a:rPr lang="en-SG" altLang="zh-CN" sz="1200" dirty="0"/>
+                <a:t>)</a:t>
+              </a:r>
+              <a:endParaRPr lang="zh-CN" altLang="en-US" sz="1200" dirty="0"/>
+            </a:p>
+          </p:txBody>
+        </p:sp>
+      </p:grpSp>
+      <p:grpSp>
+        <p:nvGrpSpPr>
+          <p:cNvPr id="225" name="Group 224">
+            <a:extLst>
+              <a:ext uri="{FF2B5EF4-FFF2-40B4-BE49-F238E27FC236}">
+                <a16:creationId xmlns:a16="http://schemas.microsoft.com/office/drawing/2014/main" id="{AFBFE01B-6185-FC48-A680-3A4273B2D865}"/>
+              </a:ext>
+            </a:extLst>
+          </p:cNvPr>
+          <p:cNvGrpSpPr/>
+          <p:nvPr/>
+        </p:nvGrpSpPr>
+        <p:grpSpPr>
+          <a:xfrm>
+            <a:off x="1328039" y="3201793"/>
+            <a:ext cx="9234448" cy="626276"/>
+            <a:chOff x="1328046" y="2602650"/>
+            <a:chExt cx="9234448" cy="626276"/>
+          </a:xfrm>
+        </p:grpSpPr>
+        <p:grpSp>
+          <p:nvGrpSpPr>
+            <p:cNvPr id="226" name="Group 225">
+              <a:extLst>
+                <a:ext uri="{FF2B5EF4-FFF2-40B4-BE49-F238E27FC236}">
+                  <a16:creationId xmlns:a16="http://schemas.microsoft.com/office/drawing/2014/main" id="{CED880C1-C84F-C363-54FB-31678DDB9D25}"/>
+                </a:ext>
+              </a:extLst>
+            </p:cNvPr>
+            <p:cNvGrpSpPr/>
+            <p:nvPr/>
+          </p:nvGrpSpPr>
+          <p:grpSpPr>
+            <a:xfrm>
+              <a:off x="1328046" y="2602650"/>
+              <a:ext cx="9234448" cy="626276"/>
+              <a:chOff x="1328051" y="1735805"/>
+              <a:chExt cx="9234448" cy="626276"/>
+            </a:xfrm>
+          </p:grpSpPr>
+          <p:grpSp>
+            <p:nvGrpSpPr>
+              <p:cNvPr id="237" name="Group 236">
+                <a:extLst>
+                  <a:ext uri="{FF2B5EF4-FFF2-40B4-BE49-F238E27FC236}">
+                    <a16:creationId xmlns:a16="http://schemas.microsoft.com/office/drawing/2014/main" id="{7E0FF8D4-5F00-C9DD-15E3-D68E353D5C61}"/>
+                  </a:ext>
+                </a:extLst>
+              </p:cNvPr>
+              <p:cNvGrpSpPr/>
+              <p:nvPr/>
+            </p:nvGrpSpPr>
+            <p:grpSpPr>
+              <a:xfrm>
+                <a:off x="1328051" y="1735805"/>
+                <a:ext cx="9234448" cy="626276"/>
+                <a:chOff x="1328051" y="1735805"/>
+                <a:chExt cx="9234448" cy="626276"/>
+              </a:xfrm>
+            </p:grpSpPr>
+            <p:grpSp>
+              <p:nvGrpSpPr>
+                <p:cNvPr id="239" name="Group 238">
+                  <a:extLst>
+                    <a:ext uri="{FF2B5EF4-FFF2-40B4-BE49-F238E27FC236}">
+                      <a16:creationId xmlns:a16="http://schemas.microsoft.com/office/drawing/2014/main" id="{244D7F88-75E9-70B4-9BE4-965538EF73C2}"/>
+                    </a:ext>
+                  </a:extLst>
+                </p:cNvPr>
+                <p:cNvGrpSpPr/>
+                <p:nvPr/>
+              </p:nvGrpSpPr>
+              <p:grpSpPr>
+                <a:xfrm>
+                  <a:off x="1328051" y="1735805"/>
+                  <a:ext cx="9234448" cy="626276"/>
+                  <a:chOff x="1370639" y="3120279"/>
+                  <a:chExt cx="7352102" cy="1119768"/>
+                </a:xfrm>
+              </p:grpSpPr>
+              <p:sp>
+                <p:nvSpPr>
+                  <p:cNvPr id="241" name="Rectangle 240">
+                    <a:extLst>
+                      <a:ext uri="{FF2B5EF4-FFF2-40B4-BE49-F238E27FC236}">
+                        <a16:creationId xmlns:a16="http://schemas.microsoft.com/office/drawing/2014/main" id="{93AB7293-D1D3-2CDB-763D-4BA7B42CFA67}"/>
+                      </a:ext>
+                    </a:extLst>
+                  </p:cNvPr>
+                  <p:cNvSpPr/>
+                  <p:nvPr/>
+                </p:nvSpPr>
+                <p:spPr>
+                  <a:xfrm>
+                    <a:off x="1370643" y="3162236"/>
+                    <a:ext cx="7352098" cy="1077811"/>
+                  </a:xfrm>
+                  <a:prstGeom prst="rect">
+                    <a:avLst/>
+                  </a:prstGeom>
+                  <a:noFill/>
+                  <a:ln w="28575"/>
+                </p:spPr>
+                <p:style>
+                  <a:lnRef idx="2">
+                    <a:schemeClr val="accent1"/>
+                  </a:lnRef>
+                  <a:fillRef idx="1">
+                    <a:schemeClr val="lt1"/>
+                  </a:fillRef>
+                  <a:effectRef idx="0">
+                    <a:schemeClr val="accent1"/>
+                  </a:effectRef>
+                  <a:fontRef idx="minor">
+                    <a:schemeClr val="dk1"/>
+                  </a:fontRef>
+                </p:style>
+                <p:txBody>
+                  <a:bodyPr rtlCol="0" anchor="ctr"/>
+                  <a:lstStyle/>
+                  <a:p>
+                    <a:pPr algn="ctr"/>
+                    <a:endParaRPr lang="zh-CN" altLang="en-US" dirty="0"/>
+                  </a:p>
+                </p:txBody>
+              </p:sp>
+              <p:sp>
+                <p:nvSpPr>
+                  <p:cNvPr id="242" name="TextBox 241">
+                    <a:extLst>
+                      <a:ext uri="{FF2B5EF4-FFF2-40B4-BE49-F238E27FC236}">
+                        <a16:creationId xmlns:a16="http://schemas.microsoft.com/office/drawing/2014/main" id="{8CF228D6-83C2-769B-7677-69282A6F92E6}"/>
+                      </a:ext>
+                    </a:extLst>
+                  </p:cNvPr>
+                  <p:cNvSpPr txBox="1"/>
+                  <p:nvPr/>
+                </p:nvSpPr>
+                <p:spPr>
+                  <a:xfrm>
+                    <a:off x="1370639" y="3120279"/>
+                    <a:ext cx="3538042" cy="495269"/>
+                  </a:xfrm>
+                  <a:prstGeom prst="rect">
+                    <a:avLst/>
+                  </a:prstGeom>
+                  <a:noFill/>
+                </p:spPr>
+                <p:txBody>
+                  <a:bodyPr wrap="square" rtlCol="0">
+                    <a:spAutoFit/>
+                  </a:bodyPr>
+                  <a:lstStyle/>
+                  <a:p>
+                    <a:r>
+                      <a:rPr lang="en-US" altLang="zh-CN" sz="1200" dirty="0"/>
+                      <a:t>                                 </a:t>
+                    </a:r>
+                    <a:r>
+                      <a:rPr lang="en-US" altLang="zh-CN" sz="1100" dirty="0"/>
+                      <a:t>[</a:t>
+                    </a:r>
+                    <a:r>
+                      <a:rPr lang="en-US" altLang="zh-CN" sz="1100" dirty="0" err="1"/>
+                      <a:t>commandTokens</a:t>
+                    </a:r>
+                    <a:r>
+                      <a:rPr lang="en-US" altLang="zh-CN" sz="1100" dirty="0"/>
+                      <a:t>[0] == “start”]</a:t>
+                    </a:r>
+                    <a:endParaRPr lang="zh-CN" altLang="en-US" sz="1100" dirty="0"/>
+                  </a:p>
+                </p:txBody>
+              </p:sp>
+            </p:grpSp>
+            <p:cxnSp>
+              <p:nvCxnSpPr>
+                <p:cNvPr id="240" name="Straight Arrow Connector 239">
+                  <a:extLst>
+                    <a:ext uri="{FF2B5EF4-FFF2-40B4-BE49-F238E27FC236}">
+                      <a16:creationId xmlns:a16="http://schemas.microsoft.com/office/drawing/2014/main" id="{849A0B6C-25CE-EA06-01CB-2B09E6F89797}"/>
+                    </a:ext>
+                  </a:extLst>
+                </p:cNvPr>
+                <p:cNvCxnSpPr>
+                  <a:cxnSpLocks/>
+                </p:cNvCxnSpPr>
+                <p:nvPr/>
+              </p:nvCxnSpPr>
+              <p:spPr>
+                <a:xfrm flipH="1">
+                  <a:off x="2494118" y="2277421"/>
+                  <a:ext cx="5796288" cy="0"/>
+                </a:xfrm>
+                <a:prstGeom prst="straightConnector1">
+                  <a:avLst/>
+                </a:prstGeom>
+                <a:ln w="28575">
+                  <a:prstDash val="dash"/>
+                  <a:tailEnd type="triangle"/>
+                </a:ln>
+              </p:spPr>
+              <p:style>
+                <a:lnRef idx="1">
+                  <a:schemeClr val="accent1"/>
+                </a:lnRef>
+                <a:fillRef idx="0">
+                  <a:schemeClr val="accent1"/>
+                </a:fillRef>
+                <a:effectRef idx="0">
+                  <a:schemeClr val="accent1"/>
+                </a:effectRef>
+                <a:fontRef idx="minor">
+                  <a:schemeClr val="tx1"/>
+                </a:fontRef>
+              </p:style>
+            </p:cxnSp>
+          </p:grpSp>
+          <p:sp>
+            <p:nvSpPr>
+              <p:cNvPr id="238" name="TextBox 237">
+                <a:extLst>
+                  <a:ext uri="{FF2B5EF4-FFF2-40B4-BE49-F238E27FC236}">
+                    <a16:creationId xmlns:a16="http://schemas.microsoft.com/office/drawing/2014/main" id="{B0F59926-08A6-FF5F-C8F7-147B97A73530}"/>
+                  </a:ext>
+                </a:extLst>
+              </p:cNvPr>
+              <p:cNvSpPr txBox="1"/>
+              <p:nvPr/>
+            </p:nvSpPr>
+            <p:spPr>
+              <a:xfrm>
+                <a:off x="4989325" y="1974735"/>
+                <a:ext cx="1170255" cy="276999"/>
+              </a:xfrm>
+              <a:prstGeom prst="rect">
+                <a:avLst/>
+              </a:prstGeom>
+              <a:solidFill>
+                <a:schemeClr val="bg1"/>
+              </a:solidFill>
+            </p:spPr>
+            <p:txBody>
+              <a:bodyPr wrap="square" rtlCol="0">
+                <a:spAutoFit/>
+              </a:bodyPr>
+              <a:lstStyle/>
+              <a:p>
+                <a:pPr algn="ctr"/>
+                <a:r>
+                  <a:rPr lang="en-SG" altLang="zh-CN" sz="1200" dirty="0" err="1"/>
+                  <a:t>CommandStart</a:t>
+                </a:r>
+                <a:endParaRPr lang="zh-CN" altLang="en-US" sz="1200" dirty="0"/>
+              </a:p>
+            </p:txBody>
+          </p:sp>
+        </p:grpSp>
+        <p:grpSp>
+          <p:nvGrpSpPr>
+            <p:cNvPr id="227" name="Group 226">
+              <a:extLst>
+                <a:ext uri="{FF2B5EF4-FFF2-40B4-BE49-F238E27FC236}">
+                  <a16:creationId xmlns:a16="http://schemas.microsoft.com/office/drawing/2014/main" id="{5925280C-3B48-05DF-F088-67EA264AF22A}"/>
+                </a:ext>
+              </a:extLst>
+            </p:cNvPr>
+            <p:cNvGrpSpPr/>
+            <p:nvPr/>
+          </p:nvGrpSpPr>
+          <p:grpSpPr>
+            <a:xfrm>
+              <a:off x="8474353" y="2720887"/>
+              <a:ext cx="540950" cy="88389"/>
+              <a:chOff x="7055408" y="2042377"/>
+              <a:chExt cx="430684" cy="378542"/>
+            </a:xfrm>
+          </p:grpSpPr>
+          <p:cxnSp>
+            <p:nvCxnSpPr>
+              <p:cNvPr id="234" name="Straight Arrow Connector 233">
+                <a:extLst>
+                  <a:ext uri="{FF2B5EF4-FFF2-40B4-BE49-F238E27FC236}">
+                    <a16:creationId xmlns:a16="http://schemas.microsoft.com/office/drawing/2014/main" id="{99EA4278-8412-E7C8-9BCE-2E57A25698C7}"/>
+                  </a:ext>
+                </a:extLst>
+              </p:cNvPr>
+              <p:cNvCxnSpPr>
+                <a:cxnSpLocks/>
+              </p:cNvCxnSpPr>
+              <p:nvPr/>
+            </p:nvCxnSpPr>
+            <p:spPr>
+              <a:xfrm flipH="1">
+                <a:off x="7121272" y="2408518"/>
+                <a:ext cx="364820" cy="0"/>
+              </a:xfrm>
+              <a:prstGeom prst="straightConnector1">
+                <a:avLst/>
+              </a:prstGeom>
+              <a:ln w="28575">
+                <a:tailEnd type="triangle"/>
+              </a:ln>
+            </p:spPr>
+            <p:style>
+              <a:lnRef idx="1">
+                <a:schemeClr val="accent1"/>
+              </a:lnRef>
+              <a:fillRef idx="0">
+                <a:schemeClr val="accent1"/>
+              </a:fillRef>
+              <a:effectRef idx="0">
+                <a:schemeClr val="accent1"/>
+              </a:effectRef>
+              <a:fontRef idx="minor">
+                <a:schemeClr val="tx1"/>
+              </a:fontRef>
+            </p:style>
+          </p:cxnSp>
+          <p:cxnSp>
+            <p:nvCxnSpPr>
+              <p:cNvPr id="235" name="Straight Connector 234">
+                <a:extLst>
+                  <a:ext uri="{FF2B5EF4-FFF2-40B4-BE49-F238E27FC236}">
+                    <a16:creationId xmlns:a16="http://schemas.microsoft.com/office/drawing/2014/main" id="{C31FBA12-9287-2EC8-8F40-97B2FAFFB36D}"/>
+                  </a:ext>
+                </a:extLst>
+              </p:cNvPr>
+              <p:cNvCxnSpPr>
+                <a:cxnSpLocks/>
+              </p:cNvCxnSpPr>
+              <p:nvPr/>
+            </p:nvCxnSpPr>
+            <p:spPr>
+              <a:xfrm>
+                <a:off x="7055408" y="2082172"/>
+                <a:ext cx="423803" cy="0"/>
+              </a:xfrm>
+              <a:prstGeom prst="line">
+                <a:avLst/>
+              </a:prstGeom>
+              <a:ln w="28575"/>
+            </p:spPr>
+            <p:style>
+              <a:lnRef idx="1">
+                <a:schemeClr val="accent1"/>
+              </a:lnRef>
+              <a:fillRef idx="0">
+                <a:schemeClr val="accent1"/>
+              </a:fillRef>
+              <a:effectRef idx="0">
+                <a:schemeClr val="accent1"/>
+              </a:effectRef>
+              <a:fontRef idx="minor">
+                <a:schemeClr val="tx1"/>
+              </a:fontRef>
+            </p:style>
+          </p:cxnSp>
+          <p:cxnSp>
+            <p:nvCxnSpPr>
+              <p:cNvPr id="236" name="Straight Connector 235">
+                <a:extLst>
+                  <a:ext uri="{FF2B5EF4-FFF2-40B4-BE49-F238E27FC236}">
+                    <a16:creationId xmlns:a16="http://schemas.microsoft.com/office/drawing/2014/main" id="{BCCBBD8E-DADD-C71A-5DE3-D3C55BABC769}"/>
+                  </a:ext>
+                </a:extLst>
+              </p:cNvPr>
+              <p:cNvCxnSpPr>
+                <a:cxnSpLocks/>
+              </p:cNvCxnSpPr>
+              <p:nvPr/>
+            </p:nvCxnSpPr>
+            <p:spPr>
+              <a:xfrm>
+                <a:off x="7477767" y="2042377"/>
+                <a:ext cx="0" cy="378542"/>
+              </a:xfrm>
+              <a:prstGeom prst="line">
+                <a:avLst/>
+              </a:prstGeom>
+              <a:ln w="28575"/>
+            </p:spPr>
+            <p:style>
+              <a:lnRef idx="1">
+                <a:schemeClr val="accent1"/>
+              </a:lnRef>
+              <a:fillRef idx="0">
+                <a:schemeClr val="accent1"/>
+              </a:fillRef>
+              <a:effectRef idx="0">
+                <a:schemeClr val="accent1"/>
+              </a:effectRef>
+              <a:fontRef idx="minor">
+                <a:schemeClr val="tx1"/>
+              </a:fontRef>
+            </p:style>
+          </p:cxnSp>
+        </p:grpSp>
+        <p:sp>
+          <p:nvSpPr>
+            <p:cNvPr id="228" name="Rectangle 227">
+              <a:extLst>
+                <a:ext uri="{FF2B5EF4-FFF2-40B4-BE49-F238E27FC236}">
+                  <a16:creationId xmlns:a16="http://schemas.microsoft.com/office/drawing/2014/main" id="{33CA46BB-0914-3795-2B69-E6A85C67FF33}"/>
+                </a:ext>
+              </a:extLst>
+            </p:cNvPr>
+            <p:cNvSpPr/>
+            <p:nvPr/>
+          </p:nvSpPr>
+          <p:spPr>
+            <a:xfrm>
+              <a:off x="8380941" y="2833462"/>
+              <a:ext cx="165097" cy="161682"/>
+            </a:xfrm>
+            <a:prstGeom prst="rect">
+              <a:avLst/>
+            </a:prstGeom>
+          </p:spPr>
+          <p:style>
+            <a:lnRef idx="2">
+              <a:schemeClr val="accent1">
+                <a:shade val="15000"/>
+              </a:schemeClr>
+            </a:lnRef>
+            <a:fillRef idx="1">
+              <a:schemeClr val="accent1"/>
+            </a:fillRef>
+            <a:effectRef idx="0">
+              <a:schemeClr val="accent1"/>
+            </a:effectRef>
+            <a:fontRef idx="minor">
+              <a:schemeClr val="lt1"/>
+            </a:fontRef>
+          </p:style>
+          <p:txBody>
+            <a:bodyPr rtlCol="0" anchor="ctr"/>
+            <a:lstStyle/>
+            <a:p>
+              <a:pPr algn="ctr"/>
+              <a:endParaRPr lang="zh-CN" altLang="en-US"/>
+            </a:p>
+          </p:txBody>
+        </p:sp>
+        <p:grpSp>
+          <p:nvGrpSpPr>
+            <p:cNvPr id="229" name="Group 228">
+              <a:extLst>
+                <a:ext uri="{FF2B5EF4-FFF2-40B4-BE49-F238E27FC236}">
+                  <a16:creationId xmlns:a16="http://schemas.microsoft.com/office/drawing/2014/main" id="{21133E45-0C1E-13A1-11B3-4A1C143746AA}"/>
+                </a:ext>
+              </a:extLst>
+            </p:cNvPr>
+            <p:cNvGrpSpPr/>
+            <p:nvPr/>
+          </p:nvGrpSpPr>
+          <p:grpSpPr>
+            <a:xfrm>
+              <a:off x="8463490" y="2983499"/>
+              <a:ext cx="551834" cy="88391"/>
+              <a:chOff x="6986851" y="2202875"/>
+              <a:chExt cx="439349" cy="378550"/>
+            </a:xfrm>
+          </p:grpSpPr>
+          <p:cxnSp>
+            <p:nvCxnSpPr>
+              <p:cNvPr id="231" name="Straight Arrow Connector 230">
+                <a:extLst>
+                  <a:ext uri="{FF2B5EF4-FFF2-40B4-BE49-F238E27FC236}">
+                    <a16:creationId xmlns:a16="http://schemas.microsoft.com/office/drawing/2014/main" id="{2085EADA-457A-4BB9-963B-F49A8479E1F5}"/>
+                  </a:ext>
+                </a:extLst>
+              </p:cNvPr>
+              <p:cNvCxnSpPr>
+                <a:cxnSpLocks/>
+              </p:cNvCxnSpPr>
+              <p:nvPr/>
+            </p:nvCxnSpPr>
+            <p:spPr>
+              <a:xfrm flipH="1">
+                <a:off x="6986851" y="2581425"/>
+                <a:ext cx="431024" cy="0"/>
+              </a:xfrm>
+              <a:prstGeom prst="straightConnector1">
+                <a:avLst/>
+              </a:prstGeom>
+              <a:ln w="28575">
+                <a:prstDash val="dash"/>
+                <a:tailEnd type="triangle"/>
+              </a:ln>
+            </p:spPr>
+            <p:style>
+              <a:lnRef idx="1">
+                <a:schemeClr val="accent1"/>
+              </a:lnRef>
+              <a:fillRef idx="0">
+                <a:schemeClr val="accent1"/>
+              </a:fillRef>
+              <a:effectRef idx="0">
+                <a:schemeClr val="accent1"/>
+              </a:effectRef>
+              <a:fontRef idx="minor">
+                <a:schemeClr val="tx1"/>
+              </a:fontRef>
+            </p:style>
+          </p:cxnSp>
+          <p:cxnSp>
+            <p:nvCxnSpPr>
+              <p:cNvPr id="232" name="Straight Connector 231">
+                <a:extLst>
+                  <a:ext uri="{FF2B5EF4-FFF2-40B4-BE49-F238E27FC236}">
+                    <a16:creationId xmlns:a16="http://schemas.microsoft.com/office/drawing/2014/main" id="{0B0EEEC6-5926-9044-131C-C345402EA5F4}"/>
+                  </a:ext>
+                </a:extLst>
+              </p:cNvPr>
+              <p:cNvCxnSpPr>
+                <a:cxnSpLocks/>
+              </p:cNvCxnSpPr>
+              <p:nvPr/>
+            </p:nvCxnSpPr>
+            <p:spPr>
+              <a:xfrm>
+                <a:off x="7055397" y="2212708"/>
+                <a:ext cx="370803" cy="0"/>
+              </a:xfrm>
+              <a:prstGeom prst="line">
+                <a:avLst/>
+              </a:prstGeom>
+              <a:ln w="28575">
+                <a:prstDash val="dash"/>
+              </a:ln>
+            </p:spPr>
+            <p:style>
+              <a:lnRef idx="1">
+                <a:schemeClr val="accent1"/>
+              </a:lnRef>
+              <a:fillRef idx="0">
+                <a:schemeClr val="accent1"/>
+              </a:fillRef>
+              <a:effectRef idx="0">
+                <a:schemeClr val="accent1"/>
+              </a:effectRef>
+              <a:fontRef idx="minor">
+                <a:schemeClr val="tx1"/>
+              </a:fontRef>
+            </p:style>
+          </p:cxnSp>
+          <p:cxnSp>
+            <p:nvCxnSpPr>
+              <p:cNvPr id="233" name="Straight Connector 232">
+                <a:extLst>
+                  <a:ext uri="{FF2B5EF4-FFF2-40B4-BE49-F238E27FC236}">
+                    <a16:creationId xmlns:a16="http://schemas.microsoft.com/office/drawing/2014/main" id="{6875DF7E-9584-FA91-A840-66BD31AC1BB1}"/>
+                  </a:ext>
+                </a:extLst>
+              </p:cNvPr>
+              <p:cNvCxnSpPr>
+                <a:cxnSpLocks/>
+              </p:cNvCxnSpPr>
+              <p:nvPr/>
+            </p:nvCxnSpPr>
+            <p:spPr>
+              <a:xfrm>
+                <a:off x="7417875" y="2202875"/>
+                <a:ext cx="0" cy="378541"/>
+              </a:xfrm>
+              <a:prstGeom prst="line">
+                <a:avLst/>
+              </a:prstGeom>
+              <a:ln w="28575">
+                <a:prstDash val="dash"/>
+              </a:ln>
+            </p:spPr>
+            <p:style>
+              <a:lnRef idx="1">
+                <a:schemeClr val="accent1"/>
+              </a:lnRef>
+              <a:fillRef idx="0">
+                <a:schemeClr val="accent1"/>
+              </a:fillRef>
+              <a:effectRef idx="0">
+                <a:schemeClr val="accent1"/>
+              </a:effectRef>
+              <a:fontRef idx="minor">
+                <a:schemeClr val="tx1"/>
+              </a:fontRef>
+            </p:style>
+          </p:cxnSp>
+        </p:grpSp>
+        <p:sp>
+          <p:nvSpPr>
+            <p:cNvPr id="230" name="TextBox 229">
+              <a:extLst>
+                <a:ext uri="{FF2B5EF4-FFF2-40B4-BE49-F238E27FC236}">
+                  <a16:creationId xmlns:a16="http://schemas.microsoft.com/office/drawing/2014/main" id="{2CD3D08A-526A-DD2B-F576-EA5FFEF8C13D}"/>
+                </a:ext>
+              </a:extLst>
+            </p:cNvPr>
+            <p:cNvSpPr txBox="1"/>
+            <p:nvPr/>
+          </p:nvSpPr>
+          <p:spPr>
+            <a:xfrm>
+              <a:off x="9013147" y="2610930"/>
+              <a:ext cx="1549346" cy="461665"/>
+            </a:xfrm>
+            <a:prstGeom prst="rect">
+              <a:avLst/>
+            </a:prstGeom>
+            <a:noFill/>
+          </p:spPr>
+          <p:txBody>
+            <a:bodyPr wrap="square" rtlCol="0">
+              <a:spAutoFit/>
+            </a:bodyPr>
+            <a:lstStyle/>
+            <a:p>
+              <a:r>
+                <a:rPr lang="en-SG" altLang="zh-CN" sz="1200" dirty="0" err="1"/>
+                <a:t>parseStartCommand</a:t>
+              </a:r>
+              <a:r>
+                <a:rPr lang="en-SG" altLang="zh-CN" sz="1200" dirty="0"/>
+                <a:t> (</a:t>
+              </a:r>
+              <a:r>
+                <a:rPr lang="en-SG" altLang="zh-CN" sz="1200" dirty="0" err="1"/>
+                <a:t>userInput</a:t>
+              </a:r>
+              <a:r>
+                <a:rPr lang="en-SG" altLang="zh-CN" sz="1200" dirty="0"/>
+                <a:t>)</a:t>
+              </a:r>
+              <a:endParaRPr lang="zh-CN" altLang="en-US" sz="1200" dirty="0"/>
+            </a:p>
+          </p:txBody>
+        </p:sp>
+      </p:grpSp>
+      <p:grpSp>
+        <p:nvGrpSpPr>
+          <p:cNvPr id="243" name="Group 242">
+            <a:extLst>
+              <a:ext uri="{FF2B5EF4-FFF2-40B4-BE49-F238E27FC236}">
+                <a16:creationId xmlns:a16="http://schemas.microsoft.com/office/drawing/2014/main" id="{BDD488AD-2DB1-83DA-6EA4-30C1F1246C70}"/>
+              </a:ext>
+            </a:extLst>
+          </p:cNvPr>
+          <p:cNvGrpSpPr/>
+          <p:nvPr/>
+        </p:nvGrpSpPr>
+        <p:grpSpPr>
+          <a:xfrm>
+            <a:off x="1328037" y="3806215"/>
+            <a:ext cx="9234448" cy="626276"/>
+            <a:chOff x="1328046" y="2602650"/>
+            <a:chExt cx="9234448" cy="626276"/>
+          </a:xfrm>
+        </p:grpSpPr>
+        <p:grpSp>
+          <p:nvGrpSpPr>
+            <p:cNvPr id="244" name="Group 243">
+              <a:extLst>
+                <a:ext uri="{FF2B5EF4-FFF2-40B4-BE49-F238E27FC236}">
+                  <a16:creationId xmlns:a16="http://schemas.microsoft.com/office/drawing/2014/main" id="{BFB8D53D-5C22-BA49-F226-D55790E0A32F}"/>
+                </a:ext>
+              </a:extLst>
+            </p:cNvPr>
+            <p:cNvGrpSpPr/>
+            <p:nvPr/>
+          </p:nvGrpSpPr>
+          <p:grpSpPr>
+            <a:xfrm>
+              <a:off x="1328046" y="2602650"/>
+              <a:ext cx="9234448" cy="626276"/>
+              <a:chOff x="1328051" y="1735805"/>
+              <a:chExt cx="9234448" cy="626276"/>
+            </a:xfrm>
+          </p:grpSpPr>
+          <p:grpSp>
+            <p:nvGrpSpPr>
+              <p:cNvPr id="255" name="Group 254">
+                <a:extLst>
+                  <a:ext uri="{FF2B5EF4-FFF2-40B4-BE49-F238E27FC236}">
+                    <a16:creationId xmlns:a16="http://schemas.microsoft.com/office/drawing/2014/main" id="{04A4BECD-2EF9-2AE1-6D14-7CCCD67515BE}"/>
+                  </a:ext>
+                </a:extLst>
+              </p:cNvPr>
+              <p:cNvGrpSpPr/>
+              <p:nvPr/>
+            </p:nvGrpSpPr>
+            <p:grpSpPr>
+              <a:xfrm>
+                <a:off x="1328051" y="1735805"/>
+                <a:ext cx="9234448" cy="626276"/>
+                <a:chOff x="1328051" y="1735805"/>
+                <a:chExt cx="9234448" cy="626276"/>
+              </a:xfrm>
+            </p:grpSpPr>
+            <p:grpSp>
+              <p:nvGrpSpPr>
+                <p:cNvPr id="257" name="Group 256">
+                  <a:extLst>
+                    <a:ext uri="{FF2B5EF4-FFF2-40B4-BE49-F238E27FC236}">
+                      <a16:creationId xmlns:a16="http://schemas.microsoft.com/office/drawing/2014/main" id="{7F897D53-9CA7-0118-236D-FF136DE68DF4}"/>
+                    </a:ext>
+                  </a:extLst>
+                </p:cNvPr>
+                <p:cNvGrpSpPr/>
+                <p:nvPr/>
+              </p:nvGrpSpPr>
+              <p:grpSpPr>
+                <a:xfrm>
+                  <a:off x="1328051" y="1735805"/>
+                  <a:ext cx="9234448" cy="626276"/>
+                  <a:chOff x="1370639" y="3120279"/>
+                  <a:chExt cx="7352102" cy="1119768"/>
+                </a:xfrm>
+              </p:grpSpPr>
+              <p:sp>
+                <p:nvSpPr>
+                  <p:cNvPr id="259" name="Rectangle 258">
+                    <a:extLst>
+                      <a:ext uri="{FF2B5EF4-FFF2-40B4-BE49-F238E27FC236}">
+                        <a16:creationId xmlns:a16="http://schemas.microsoft.com/office/drawing/2014/main" id="{E374E9A9-6BE5-512F-4B89-7347D314AC58}"/>
+                      </a:ext>
+                    </a:extLst>
+                  </p:cNvPr>
+                  <p:cNvSpPr/>
+                  <p:nvPr/>
+                </p:nvSpPr>
+                <p:spPr>
+                  <a:xfrm>
+                    <a:off x="1370643" y="3162236"/>
+                    <a:ext cx="7352098" cy="1077811"/>
+                  </a:xfrm>
+                  <a:prstGeom prst="rect">
+                    <a:avLst/>
+                  </a:prstGeom>
+                  <a:noFill/>
+                  <a:ln w="28575"/>
+                </p:spPr>
+                <p:style>
+                  <a:lnRef idx="2">
+                    <a:schemeClr val="accent1"/>
+                  </a:lnRef>
+                  <a:fillRef idx="1">
+                    <a:schemeClr val="lt1"/>
+                  </a:fillRef>
+                  <a:effectRef idx="0">
+                    <a:schemeClr val="accent1"/>
+                  </a:effectRef>
+                  <a:fontRef idx="minor">
+                    <a:schemeClr val="dk1"/>
+                  </a:fontRef>
+                </p:style>
+                <p:txBody>
+                  <a:bodyPr rtlCol="0" anchor="ctr"/>
+                  <a:lstStyle/>
+                  <a:p>
+                    <a:pPr algn="ctr"/>
+                    <a:endParaRPr lang="zh-CN" altLang="en-US" dirty="0"/>
+                  </a:p>
+                </p:txBody>
+              </p:sp>
+              <p:sp>
+                <p:nvSpPr>
+                  <p:cNvPr id="260" name="TextBox 259">
+                    <a:extLst>
+                      <a:ext uri="{FF2B5EF4-FFF2-40B4-BE49-F238E27FC236}">
+                        <a16:creationId xmlns:a16="http://schemas.microsoft.com/office/drawing/2014/main" id="{00375A75-50F3-BA14-D7CC-FECBC66BE288}"/>
+                      </a:ext>
+                    </a:extLst>
+                  </p:cNvPr>
+                  <p:cNvSpPr txBox="1"/>
+                  <p:nvPr/>
+                </p:nvSpPr>
+                <p:spPr>
+                  <a:xfrm>
+                    <a:off x="1370639" y="3120279"/>
+                    <a:ext cx="3538042" cy="495269"/>
+                  </a:xfrm>
+                  <a:prstGeom prst="rect">
+                    <a:avLst/>
+                  </a:prstGeom>
+                  <a:noFill/>
+                </p:spPr>
+                <p:txBody>
+                  <a:bodyPr wrap="square" rtlCol="0">
+                    <a:spAutoFit/>
+                  </a:bodyPr>
+                  <a:lstStyle/>
+                  <a:p>
+                    <a:r>
+                      <a:rPr lang="en-US" altLang="zh-CN" sz="1200" dirty="0"/>
+                      <a:t>                                 </a:t>
+                    </a:r>
+                    <a:r>
+                      <a:rPr lang="en-US" altLang="zh-CN" sz="1100" dirty="0"/>
+                      <a:t>[</a:t>
+                    </a:r>
+                    <a:r>
+                      <a:rPr lang="en-US" altLang="zh-CN" sz="1100" dirty="0" err="1"/>
+                      <a:t>commandTokens</a:t>
+                    </a:r>
+                    <a:r>
+                      <a:rPr lang="en-US" altLang="zh-CN" sz="1100" dirty="0"/>
+                      <a:t>[0] == “edit”]</a:t>
+                    </a:r>
+                    <a:endParaRPr lang="zh-CN" altLang="en-US" sz="1100" dirty="0"/>
+                  </a:p>
+                </p:txBody>
+              </p:sp>
+            </p:grpSp>
+            <p:cxnSp>
+              <p:nvCxnSpPr>
+                <p:cNvPr id="258" name="Straight Arrow Connector 257">
+                  <a:extLst>
+                    <a:ext uri="{FF2B5EF4-FFF2-40B4-BE49-F238E27FC236}">
+                      <a16:creationId xmlns:a16="http://schemas.microsoft.com/office/drawing/2014/main" id="{23209E0E-5F7F-0B3B-E7A9-EB53FD917CF3}"/>
+                    </a:ext>
+                  </a:extLst>
+                </p:cNvPr>
+                <p:cNvCxnSpPr>
+                  <a:cxnSpLocks/>
+                </p:cNvCxnSpPr>
+                <p:nvPr/>
+              </p:nvCxnSpPr>
+              <p:spPr>
+                <a:xfrm flipH="1">
+                  <a:off x="2494118" y="2277421"/>
+                  <a:ext cx="5796288" cy="0"/>
+                </a:xfrm>
+                <a:prstGeom prst="straightConnector1">
+                  <a:avLst/>
+                </a:prstGeom>
+                <a:ln w="28575">
+                  <a:prstDash val="dash"/>
+                  <a:tailEnd type="triangle"/>
+                </a:ln>
+              </p:spPr>
+              <p:style>
+                <a:lnRef idx="1">
+                  <a:schemeClr val="accent1"/>
+                </a:lnRef>
+                <a:fillRef idx="0">
+                  <a:schemeClr val="accent1"/>
+                </a:fillRef>
+                <a:effectRef idx="0">
+                  <a:schemeClr val="accent1"/>
+                </a:effectRef>
+                <a:fontRef idx="minor">
+                  <a:schemeClr val="tx1"/>
+                </a:fontRef>
+              </p:style>
+            </p:cxnSp>
+          </p:grpSp>
+          <p:sp>
+            <p:nvSpPr>
+              <p:cNvPr id="256" name="TextBox 255">
+                <a:extLst>
+                  <a:ext uri="{FF2B5EF4-FFF2-40B4-BE49-F238E27FC236}">
+                    <a16:creationId xmlns:a16="http://schemas.microsoft.com/office/drawing/2014/main" id="{DEE1041A-D9C2-3F6F-E675-8F6B42DB7CDE}"/>
+                  </a:ext>
+                </a:extLst>
+              </p:cNvPr>
+              <p:cNvSpPr txBox="1"/>
+              <p:nvPr/>
+            </p:nvSpPr>
+            <p:spPr>
+              <a:xfrm>
+                <a:off x="4989325" y="1974735"/>
+                <a:ext cx="1170255" cy="276999"/>
+              </a:xfrm>
+              <a:prstGeom prst="rect">
+                <a:avLst/>
+              </a:prstGeom>
+              <a:solidFill>
+                <a:schemeClr val="bg1"/>
+              </a:solidFill>
+            </p:spPr>
+            <p:txBody>
+              <a:bodyPr wrap="square" rtlCol="0">
+                <a:spAutoFit/>
+              </a:bodyPr>
+              <a:lstStyle/>
+              <a:p>
+                <a:pPr algn="ctr"/>
+                <a:r>
+                  <a:rPr lang="en-SG" altLang="zh-CN" sz="1200" dirty="0" err="1"/>
+                  <a:t>CommandEdit</a:t>
+                </a:r>
+                <a:endParaRPr lang="zh-CN" altLang="en-US" sz="1200" dirty="0"/>
+              </a:p>
+            </p:txBody>
+          </p:sp>
+        </p:grpSp>
+        <p:grpSp>
+          <p:nvGrpSpPr>
+            <p:cNvPr id="245" name="Group 244">
+              <a:extLst>
+                <a:ext uri="{FF2B5EF4-FFF2-40B4-BE49-F238E27FC236}">
+                  <a16:creationId xmlns:a16="http://schemas.microsoft.com/office/drawing/2014/main" id="{4A470ED1-F3E8-EAA4-3AB9-1269DFDFD6FA}"/>
+                </a:ext>
+              </a:extLst>
+            </p:cNvPr>
+            <p:cNvGrpSpPr/>
+            <p:nvPr/>
+          </p:nvGrpSpPr>
+          <p:grpSpPr>
+            <a:xfrm>
+              <a:off x="8474353" y="2720887"/>
+              <a:ext cx="540950" cy="88389"/>
+              <a:chOff x="7055408" y="2042377"/>
+              <a:chExt cx="430684" cy="378542"/>
+            </a:xfrm>
+          </p:grpSpPr>
+          <p:cxnSp>
+            <p:nvCxnSpPr>
+              <p:cNvPr id="252" name="Straight Arrow Connector 251">
+                <a:extLst>
+                  <a:ext uri="{FF2B5EF4-FFF2-40B4-BE49-F238E27FC236}">
+                    <a16:creationId xmlns:a16="http://schemas.microsoft.com/office/drawing/2014/main" id="{9D20B99E-24AF-7853-5247-D48DD4FECC15}"/>
+                  </a:ext>
+                </a:extLst>
+              </p:cNvPr>
+              <p:cNvCxnSpPr>
+                <a:cxnSpLocks/>
+              </p:cNvCxnSpPr>
+              <p:nvPr/>
+            </p:nvCxnSpPr>
+            <p:spPr>
+              <a:xfrm flipH="1">
+                <a:off x="7121272" y="2408518"/>
+                <a:ext cx="364820" cy="0"/>
+              </a:xfrm>
+              <a:prstGeom prst="straightConnector1">
+                <a:avLst/>
+              </a:prstGeom>
+              <a:ln w="28575">
+                <a:tailEnd type="triangle"/>
+              </a:ln>
+            </p:spPr>
+            <p:style>
+              <a:lnRef idx="1">
+                <a:schemeClr val="accent1"/>
+              </a:lnRef>
+              <a:fillRef idx="0">
+                <a:schemeClr val="accent1"/>
+              </a:fillRef>
+              <a:effectRef idx="0">
+                <a:schemeClr val="accent1"/>
+              </a:effectRef>
+              <a:fontRef idx="minor">
+                <a:schemeClr val="tx1"/>
+              </a:fontRef>
+            </p:style>
+          </p:cxnSp>
+          <p:cxnSp>
+            <p:nvCxnSpPr>
+              <p:cNvPr id="253" name="Straight Connector 252">
+                <a:extLst>
+                  <a:ext uri="{FF2B5EF4-FFF2-40B4-BE49-F238E27FC236}">
+                    <a16:creationId xmlns:a16="http://schemas.microsoft.com/office/drawing/2014/main" id="{20DB75B7-19A2-50A4-AFA7-EC0D35BF7213}"/>
+                  </a:ext>
+                </a:extLst>
+              </p:cNvPr>
+              <p:cNvCxnSpPr>
+                <a:cxnSpLocks/>
+              </p:cNvCxnSpPr>
+              <p:nvPr/>
+            </p:nvCxnSpPr>
+            <p:spPr>
+              <a:xfrm>
+                <a:off x="7055408" y="2082172"/>
+                <a:ext cx="423803" cy="0"/>
+              </a:xfrm>
+              <a:prstGeom prst="line">
+                <a:avLst/>
+              </a:prstGeom>
+              <a:ln w="28575"/>
+            </p:spPr>
+            <p:style>
+              <a:lnRef idx="1">
+                <a:schemeClr val="accent1"/>
+              </a:lnRef>
+              <a:fillRef idx="0">
+                <a:schemeClr val="accent1"/>
+              </a:fillRef>
+              <a:effectRef idx="0">
+                <a:schemeClr val="accent1"/>
+              </a:effectRef>
+              <a:fontRef idx="minor">
+                <a:schemeClr val="tx1"/>
+              </a:fontRef>
+            </p:style>
+          </p:cxnSp>
+          <p:cxnSp>
+            <p:nvCxnSpPr>
+              <p:cNvPr id="254" name="Straight Connector 253">
+                <a:extLst>
+                  <a:ext uri="{FF2B5EF4-FFF2-40B4-BE49-F238E27FC236}">
+                    <a16:creationId xmlns:a16="http://schemas.microsoft.com/office/drawing/2014/main" id="{69C6CA1D-0657-F85C-B658-DACFEB8DE82E}"/>
+                  </a:ext>
+                </a:extLst>
+              </p:cNvPr>
+              <p:cNvCxnSpPr>
+                <a:cxnSpLocks/>
+              </p:cNvCxnSpPr>
+              <p:nvPr/>
+            </p:nvCxnSpPr>
+            <p:spPr>
+              <a:xfrm>
+                <a:off x="7477767" y="2042377"/>
+                <a:ext cx="0" cy="378542"/>
+              </a:xfrm>
+              <a:prstGeom prst="line">
+                <a:avLst/>
+              </a:prstGeom>
+              <a:ln w="28575"/>
+            </p:spPr>
+            <p:style>
+              <a:lnRef idx="1">
+                <a:schemeClr val="accent1"/>
+              </a:lnRef>
+              <a:fillRef idx="0">
+                <a:schemeClr val="accent1"/>
+              </a:fillRef>
+              <a:effectRef idx="0">
+                <a:schemeClr val="accent1"/>
+              </a:effectRef>
+              <a:fontRef idx="minor">
+                <a:schemeClr val="tx1"/>
+              </a:fontRef>
+            </p:style>
+          </p:cxnSp>
+        </p:grpSp>
+        <p:sp>
+          <p:nvSpPr>
+            <p:cNvPr id="246" name="Rectangle 245">
+              <a:extLst>
+                <a:ext uri="{FF2B5EF4-FFF2-40B4-BE49-F238E27FC236}">
+                  <a16:creationId xmlns:a16="http://schemas.microsoft.com/office/drawing/2014/main" id="{92848419-160F-EEBE-0FDA-16CDD24FB438}"/>
+                </a:ext>
+              </a:extLst>
+            </p:cNvPr>
+            <p:cNvSpPr/>
+            <p:nvPr/>
+          </p:nvSpPr>
+          <p:spPr>
+            <a:xfrm>
+              <a:off x="8380941" y="2833462"/>
+              <a:ext cx="165097" cy="161682"/>
+            </a:xfrm>
+            <a:prstGeom prst="rect">
+              <a:avLst/>
+            </a:prstGeom>
+          </p:spPr>
+          <p:style>
+            <a:lnRef idx="2">
+              <a:schemeClr val="accent1">
+                <a:shade val="15000"/>
+              </a:schemeClr>
+            </a:lnRef>
+            <a:fillRef idx="1">
+              <a:schemeClr val="accent1"/>
+            </a:fillRef>
+            <a:effectRef idx="0">
+              <a:schemeClr val="accent1"/>
+            </a:effectRef>
+            <a:fontRef idx="minor">
+              <a:schemeClr val="lt1"/>
+            </a:fontRef>
+          </p:style>
+          <p:txBody>
+            <a:bodyPr rtlCol="0" anchor="ctr"/>
+            <a:lstStyle/>
+            <a:p>
+              <a:pPr algn="ctr"/>
+              <a:endParaRPr lang="zh-CN" altLang="en-US"/>
+            </a:p>
+          </p:txBody>
+        </p:sp>
+        <p:grpSp>
+          <p:nvGrpSpPr>
+            <p:cNvPr id="247" name="Group 246">
+              <a:extLst>
+                <a:ext uri="{FF2B5EF4-FFF2-40B4-BE49-F238E27FC236}">
+                  <a16:creationId xmlns:a16="http://schemas.microsoft.com/office/drawing/2014/main" id="{94BE9A85-E58E-BB16-EBB4-B19E388DC02C}"/>
+                </a:ext>
+              </a:extLst>
+            </p:cNvPr>
+            <p:cNvGrpSpPr/>
+            <p:nvPr/>
+          </p:nvGrpSpPr>
+          <p:grpSpPr>
+            <a:xfrm>
+              <a:off x="8463490" y="2983499"/>
+              <a:ext cx="551834" cy="88391"/>
+              <a:chOff x="6986851" y="2202875"/>
+              <a:chExt cx="439349" cy="378550"/>
+            </a:xfrm>
+          </p:grpSpPr>
+          <p:cxnSp>
+            <p:nvCxnSpPr>
+              <p:cNvPr id="249" name="Straight Arrow Connector 248">
+                <a:extLst>
+                  <a:ext uri="{FF2B5EF4-FFF2-40B4-BE49-F238E27FC236}">
+                    <a16:creationId xmlns:a16="http://schemas.microsoft.com/office/drawing/2014/main" id="{52BFCF5E-3CB7-8AC4-A526-001750A54504}"/>
+                  </a:ext>
+                </a:extLst>
+              </p:cNvPr>
+              <p:cNvCxnSpPr>
+                <a:cxnSpLocks/>
+              </p:cNvCxnSpPr>
+              <p:nvPr/>
+            </p:nvCxnSpPr>
+            <p:spPr>
+              <a:xfrm flipH="1">
+                <a:off x="6986851" y="2581425"/>
+                <a:ext cx="431024" cy="0"/>
+              </a:xfrm>
+              <a:prstGeom prst="straightConnector1">
+                <a:avLst/>
+              </a:prstGeom>
+              <a:ln w="28575">
+                <a:prstDash val="dash"/>
+                <a:tailEnd type="triangle"/>
+              </a:ln>
+            </p:spPr>
+            <p:style>
+              <a:lnRef idx="1">
+                <a:schemeClr val="accent1"/>
+              </a:lnRef>
+              <a:fillRef idx="0">
+                <a:schemeClr val="accent1"/>
+              </a:fillRef>
+              <a:effectRef idx="0">
+                <a:schemeClr val="accent1"/>
+              </a:effectRef>
+              <a:fontRef idx="minor">
+                <a:schemeClr val="tx1"/>
+              </a:fontRef>
+            </p:style>
+          </p:cxnSp>
+          <p:cxnSp>
+            <p:nvCxnSpPr>
+              <p:cNvPr id="250" name="Straight Connector 249">
+                <a:extLst>
+                  <a:ext uri="{FF2B5EF4-FFF2-40B4-BE49-F238E27FC236}">
+                    <a16:creationId xmlns:a16="http://schemas.microsoft.com/office/drawing/2014/main" id="{605104DF-37F8-C2EC-F52B-FB4087E0319E}"/>
+                  </a:ext>
+                </a:extLst>
+              </p:cNvPr>
+              <p:cNvCxnSpPr>
+                <a:cxnSpLocks/>
+              </p:cNvCxnSpPr>
+              <p:nvPr/>
+            </p:nvCxnSpPr>
+            <p:spPr>
+              <a:xfrm>
+                <a:off x="7055397" y="2212708"/>
+                <a:ext cx="370803" cy="0"/>
+              </a:xfrm>
+              <a:prstGeom prst="line">
+                <a:avLst/>
+              </a:prstGeom>
+              <a:ln w="28575">
+                <a:prstDash val="dash"/>
+              </a:ln>
+            </p:spPr>
+            <p:style>
+              <a:lnRef idx="1">
+                <a:schemeClr val="accent1"/>
+              </a:lnRef>
+              <a:fillRef idx="0">
+                <a:schemeClr val="accent1"/>
+              </a:fillRef>
+              <a:effectRef idx="0">
+                <a:schemeClr val="accent1"/>
+              </a:effectRef>
+              <a:fontRef idx="minor">
+                <a:schemeClr val="tx1"/>
+              </a:fontRef>
+            </p:style>
+          </p:cxnSp>
+          <p:cxnSp>
+            <p:nvCxnSpPr>
+              <p:cNvPr id="251" name="Straight Connector 250">
+                <a:extLst>
+                  <a:ext uri="{FF2B5EF4-FFF2-40B4-BE49-F238E27FC236}">
+                    <a16:creationId xmlns:a16="http://schemas.microsoft.com/office/drawing/2014/main" id="{9B5EF858-18BD-D24C-1695-1976B5F2421C}"/>
+                  </a:ext>
+                </a:extLst>
+              </p:cNvPr>
+              <p:cNvCxnSpPr>
+                <a:cxnSpLocks/>
+              </p:cNvCxnSpPr>
+              <p:nvPr/>
+            </p:nvCxnSpPr>
+            <p:spPr>
+              <a:xfrm>
+                <a:off x="7417875" y="2202875"/>
+                <a:ext cx="0" cy="378541"/>
+              </a:xfrm>
+              <a:prstGeom prst="line">
+                <a:avLst/>
+              </a:prstGeom>
+              <a:ln w="28575">
+                <a:prstDash val="dash"/>
+              </a:ln>
+            </p:spPr>
+            <p:style>
+              <a:lnRef idx="1">
+                <a:schemeClr val="accent1"/>
+              </a:lnRef>
+              <a:fillRef idx="0">
+                <a:schemeClr val="accent1"/>
+              </a:fillRef>
+              <a:effectRef idx="0">
+                <a:schemeClr val="accent1"/>
+              </a:effectRef>
+              <a:fontRef idx="minor">
+                <a:schemeClr val="tx1"/>
+              </a:fontRef>
+            </p:style>
+          </p:cxnSp>
+        </p:grpSp>
+        <p:sp>
+          <p:nvSpPr>
+            <p:cNvPr id="248" name="TextBox 247">
+              <a:extLst>
+                <a:ext uri="{FF2B5EF4-FFF2-40B4-BE49-F238E27FC236}">
+                  <a16:creationId xmlns:a16="http://schemas.microsoft.com/office/drawing/2014/main" id="{35BE4049-AE54-6519-76A6-A3B18E4D0252}"/>
+                </a:ext>
+              </a:extLst>
+            </p:cNvPr>
+            <p:cNvSpPr txBox="1"/>
+            <p:nvPr/>
+          </p:nvSpPr>
+          <p:spPr>
+            <a:xfrm>
+              <a:off x="9013147" y="2610930"/>
+              <a:ext cx="1549346" cy="461665"/>
+            </a:xfrm>
+            <a:prstGeom prst="rect">
+              <a:avLst/>
+            </a:prstGeom>
+            <a:noFill/>
+          </p:spPr>
+          <p:txBody>
+            <a:bodyPr wrap="square" rtlCol="0">
+              <a:spAutoFit/>
+            </a:bodyPr>
+            <a:lstStyle/>
+            <a:p>
+              <a:r>
+                <a:rPr lang="en-SG" altLang="zh-CN" sz="1200" dirty="0" err="1"/>
+                <a:t>parseEditCommand</a:t>
+              </a:r>
+              <a:r>
+                <a:rPr lang="en-SG" altLang="zh-CN" sz="1200" dirty="0"/>
+                <a:t> (</a:t>
+              </a:r>
+              <a:r>
+                <a:rPr lang="en-SG" altLang="zh-CN" sz="1200" dirty="0" err="1"/>
+                <a:t>userInput</a:t>
+              </a:r>
+              <a:r>
+                <a:rPr lang="en-SG" altLang="zh-CN" sz="1200" dirty="0"/>
+                <a:t>)</a:t>
+              </a:r>
+              <a:endParaRPr lang="zh-CN" altLang="en-US" sz="1200" dirty="0"/>
+            </a:p>
+          </p:txBody>
+        </p:sp>
+      </p:grpSp>
+      <p:grpSp>
+        <p:nvGrpSpPr>
+          <p:cNvPr id="261" name="Group 260">
+            <a:extLst>
+              <a:ext uri="{FF2B5EF4-FFF2-40B4-BE49-F238E27FC236}">
+                <a16:creationId xmlns:a16="http://schemas.microsoft.com/office/drawing/2014/main" id="{06065321-7B72-D97F-8930-97F665A69FF0}"/>
+              </a:ext>
+            </a:extLst>
+          </p:cNvPr>
+          <p:cNvGrpSpPr/>
+          <p:nvPr/>
+        </p:nvGrpSpPr>
+        <p:grpSpPr>
+          <a:xfrm>
+            <a:off x="1328036" y="4409678"/>
+            <a:ext cx="9234448" cy="626276"/>
+            <a:chOff x="1328046" y="2602650"/>
+            <a:chExt cx="9234448" cy="626276"/>
+          </a:xfrm>
+        </p:grpSpPr>
+        <p:grpSp>
+          <p:nvGrpSpPr>
+            <p:cNvPr id="262" name="Group 261">
+              <a:extLst>
+                <a:ext uri="{FF2B5EF4-FFF2-40B4-BE49-F238E27FC236}">
+                  <a16:creationId xmlns:a16="http://schemas.microsoft.com/office/drawing/2014/main" id="{A1B9DF23-7914-2368-C453-348FDD600ADC}"/>
+                </a:ext>
+              </a:extLst>
+            </p:cNvPr>
+            <p:cNvGrpSpPr/>
+            <p:nvPr/>
+          </p:nvGrpSpPr>
+          <p:grpSpPr>
+            <a:xfrm>
+              <a:off x="1328046" y="2602650"/>
+              <a:ext cx="9234448" cy="626276"/>
+              <a:chOff x="1328051" y="1735805"/>
+              <a:chExt cx="9234448" cy="626276"/>
+            </a:xfrm>
+          </p:grpSpPr>
+          <p:grpSp>
+            <p:nvGrpSpPr>
+              <p:cNvPr id="273" name="Group 272">
+                <a:extLst>
+                  <a:ext uri="{FF2B5EF4-FFF2-40B4-BE49-F238E27FC236}">
+                    <a16:creationId xmlns:a16="http://schemas.microsoft.com/office/drawing/2014/main" id="{9C2EFFA5-C323-F27D-A317-2BE33CDB5ED8}"/>
+                  </a:ext>
+                </a:extLst>
+              </p:cNvPr>
+              <p:cNvGrpSpPr/>
+              <p:nvPr/>
+            </p:nvGrpSpPr>
+            <p:grpSpPr>
+              <a:xfrm>
+                <a:off x="1328051" y="1735805"/>
+                <a:ext cx="9234448" cy="626276"/>
+                <a:chOff x="1328051" y="1735805"/>
+                <a:chExt cx="9234448" cy="626276"/>
+              </a:xfrm>
+            </p:grpSpPr>
+            <p:grpSp>
+              <p:nvGrpSpPr>
+                <p:cNvPr id="275" name="Group 274">
+                  <a:extLst>
+                    <a:ext uri="{FF2B5EF4-FFF2-40B4-BE49-F238E27FC236}">
+                      <a16:creationId xmlns:a16="http://schemas.microsoft.com/office/drawing/2014/main" id="{C86796B7-083C-D3DE-9BAB-38D030114281}"/>
+                    </a:ext>
+                  </a:extLst>
+                </p:cNvPr>
+                <p:cNvGrpSpPr/>
+                <p:nvPr/>
+              </p:nvGrpSpPr>
+              <p:grpSpPr>
+                <a:xfrm>
+                  <a:off x="1328051" y="1735805"/>
+                  <a:ext cx="9234448" cy="626276"/>
+                  <a:chOff x="1370639" y="3120279"/>
+                  <a:chExt cx="7352102" cy="1119768"/>
+                </a:xfrm>
+              </p:grpSpPr>
+              <p:sp>
+                <p:nvSpPr>
+                  <p:cNvPr id="277" name="Rectangle 276">
+                    <a:extLst>
+                      <a:ext uri="{FF2B5EF4-FFF2-40B4-BE49-F238E27FC236}">
+                        <a16:creationId xmlns:a16="http://schemas.microsoft.com/office/drawing/2014/main" id="{EFF5EDEA-CC2C-A1B5-5B2A-BAB146710A09}"/>
+                      </a:ext>
+                    </a:extLst>
+                  </p:cNvPr>
+                  <p:cNvSpPr/>
+                  <p:nvPr/>
+                </p:nvSpPr>
+                <p:spPr>
+                  <a:xfrm>
+                    <a:off x="1370643" y="3162236"/>
+                    <a:ext cx="7352098" cy="1077811"/>
+                  </a:xfrm>
+                  <a:prstGeom prst="rect">
+                    <a:avLst/>
+                  </a:prstGeom>
+                  <a:noFill/>
+                  <a:ln w="28575"/>
+                </p:spPr>
+                <p:style>
+                  <a:lnRef idx="2">
+                    <a:schemeClr val="accent1"/>
+                  </a:lnRef>
+                  <a:fillRef idx="1">
+                    <a:schemeClr val="lt1"/>
+                  </a:fillRef>
+                  <a:effectRef idx="0">
+                    <a:schemeClr val="accent1"/>
+                  </a:effectRef>
+                  <a:fontRef idx="minor">
+                    <a:schemeClr val="dk1"/>
+                  </a:fontRef>
+                </p:style>
+                <p:txBody>
+                  <a:bodyPr rtlCol="0" anchor="ctr"/>
+                  <a:lstStyle/>
+                  <a:p>
+                    <a:pPr algn="ctr"/>
+                    <a:endParaRPr lang="zh-CN" altLang="en-US" dirty="0"/>
+                  </a:p>
+                </p:txBody>
+              </p:sp>
+              <p:sp>
+                <p:nvSpPr>
+                  <p:cNvPr id="278" name="TextBox 277">
+                    <a:extLst>
+                      <a:ext uri="{FF2B5EF4-FFF2-40B4-BE49-F238E27FC236}">
+                        <a16:creationId xmlns:a16="http://schemas.microsoft.com/office/drawing/2014/main" id="{4A31DFAE-123B-6991-177C-AA12D856D166}"/>
+                      </a:ext>
+                    </a:extLst>
+                  </p:cNvPr>
+                  <p:cNvSpPr txBox="1"/>
+                  <p:nvPr/>
+                </p:nvSpPr>
+                <p:spPr>
+                  <a:xfrm>
+                    <a:off x="1370639" y="3120279"/>
+                    <a:ext cx="3538042" cy="495269"/>
+                  </a:xfrm>
+                  <a:prstGeom prst="rect">
+                    <a:avLst/>
+                  </a:prstGeom>
+                  <a:noFill/>
+                </p:spPr>
+                <p:txBody>
+                  <a:bodyPr wrap="square" rtlCol="0">
+                    <a:spAutoFit/>
+                  </a:bodyPr>
+                  <a:lstStyle/>
+                  <a:p>
+                    <a:r>
+                      <a:rPr lang="en-US" altLang="zh-CN" sz="1200" dirty="0"/>
+                      <a:t>                                 </a:t>
+                    </a:r>
+                    <a:r>
+                      <a:rPr lang="en-US" altLang="zh-CN" sz="1100" dirty="0"/>
+                      <a:t>[</a:t>
+                    </a:r>
+                    <a:r>
+                      <a:rPr lang="en-US" altLang="zh-CN" sz="1100" dirty="0" err="1"/>
+                      <a:t>commandTokens</a:t>
+                    </a:r>
+                    <a:r>
+                      <a:rPr lang="en-US" altLang="zh-CN" sz="1100" dirty="0"/>
+                      <a:t>[0] == “delete”]</a:t>
+                    </a:r>
+                    <a:endParaRPr lang="zh-CN" altLang="en-US" sz="1100" dirty="0"/>
+                  </a:p>
+                </p:txBody>
+              </p:sp>
+            </p:grpSp>
+            <p:cxnSp>
+              <p:nvCxnSpPr>
+                <p:cNvPr id="276" name="Straight Arrow Connector 275">
+                  <a:extLst>
+                    <a:ext uri="{FF2B5EF4-FFF2-40B4-BE49-F238E27FC236}">
+                      <a16:creationId xmlns:a16="http://schemas.microsoft.com/office/drawing/2014/main" id="{AE47B85E-A8AE-1B25-972D-695A6746149E}"/>
+                    </a:ext>
+                  </a:extLst>
+                </p:cNvPr>
+                <p:cNvCxnSpPr>
+                  <a:cxnSpLocks/>
+                </p:cNvCxnSpPr>
+                <p:nvPr/>
+              </p:nvCxnSpPr>
+              <p:spPr>
+                <a:xfrm flipH="1">
+                  <a:off x="2494118" y="2277421"/>
+                  <a:ext cx="5796288" cy="0"/>
+                </a:xfrm>
+                <a:prstGeom prst="straightConnector1">
+                  <a:avLst/>
+                </a:prstGeom>
+                <a:ln w="28575">
+                  <a:prstDash val="dash"/>
+                  <a:tailEnd type="triangle"/>
+                </a:ln>
+              </p:spPr>
+              <p:style>
+                <a:lnRef idx="1">
+                  <a:schemeClr val="accent1"/>
+                </a:lnRef>
+                <a:fillRef idx="0">
+                  <a:schemeClr val="accent1"/>
+                </a:fillRef>
+                <a:effectRef idx="0">
+                  <a:schemeClr val="accent1"/>
+                </a:effectRef>
+                <a:fontRef idx="minor">
+                  <a:schemeClr val="tx1"/>
+                </a:fontRef>
+              </p:style>
+            </p:cxnSp>
+          </p:grpSp>
+          <p:sp>
+            <p:nvSpPr>
+              <p:cNvPr id="274" name="TextBox 273">
+                <a:extLst>
+                  <a:ext uri="{FF2B5EF4-FFF2-40B4-BE49-F238E27FC236}">
+                    <a16:creationId xmlns:a16="http://schemas.microsoft.com/office/drawing/2014/main" id="{AE7F9AFD-9B14-5E95-6C53-5913E18D04A1}"/>
+                  </a:ext>
+                </a:extLst>
+              </p:cNvPr>
+              <p:cNvSpPr txBox="1"/>
+              <p:nvPr/>
+            </p:nvSpPr>
+            <p:spPr>
+              <a:xfrm>
+                <a:off x="4922404" y="1970048"/>
+                <a:ext cx="1301788" cy="276999"/>
+              </a:xfrm>
+              <a:prstGeom prst="rect">
+                <a:avLst/>
+              </a:prstGeom>
+              <a:solidFill>
+                <a:schemeClr val="bg1"/>
+              </a:solidFill>
+            </p:spPr>
+            <p:txBody>
+              <a:bodyPr wrap="square" rtlCol="0">
+                <a:spAutoFit/>
+              </a:bodyPr>
+              <a:lstStyle/>
+              <a:p>
+                <a:pPr algn="ctr"/>
+                <a:r>
+                  <a:rPr lang="en-SG" altLang="zh-CN" sz="1200" dirty="0" err="1"/>
+                  <a:t>CommandDelete</a:t>
+                </a:r>
+                <a:endParaRPr lang="zh-CN" altLang="en-US" sz="1200" dirty="0"/>
+              </a:p>
+            </p:txBody>
+          </p:sp>
+        </p:grpSp>
+        <p:grpSp>
+          <p:nvGrpSpPr>
+            <p:cNvPr id="263" name="Group 262">
+              <a:extLst>
+                <a:ext uri="{FF2B5EF4-FFF2-40B4-BE49-F238E27FC236}">
+                  <a16:creationId xmlns:a16="http://schemas.microsoft.com/office/drawing/2014/main" id="{C9422491-2734-75EF-DDFC-B3FCCBE8C6FE}"/>
+                </a:ext>
+              </a:extLst>
+            </p:cNvPr>
+            <p:cNvGrpSpPr/>
+            <p:nvPr/>
+          </p:nvGrpSpPr>
+          <p:grpSpPr>
+            <a:xfrm>
+              <a:off x="8474353" y="2720887"/>
+              <a:ext cx="540950" cy="88389"/>
+              <a:chOff x="7055408" y="2042377"/>
+              <a:chExt cx="430684" cy="378542"/>
+            </a:xfrm>
+          </p:grpSpPr>
+          <p:cxnSp>
+            <p:nvCxnSpPr>
+              <p:cNvPr id="270" name="Straight Arrow Connector 269">
+                <a:extLst>
+                  <a:ext uri="{FF2B5EF4-FFF2-40B4-BE49-F238E27FC236}">
+                    <a16:creationId xmlns:a16="http://schemas.microsoft.com/office/drawing/2014/main" id="{62FFBFC6-DE96-F6CB-07CC-11C98F80DB15}"/>
+                  </a:ext>
+                </a:extLst>
+              </p:cNvPr>
+              <p:cNvCxnSpPr>
+                <a:cxnSpLocks/>
+              </p:cNvCxnSpPr>
+              <p:nvPr/>
+            </p:nvCxnSpPr>
+            <p:spPr>
+              <a:xfrm flipH="1">
+                <a:off x="7121272" y="2408518"/>
+                <a:ext cx="364820" cy="0"/>
+              </a:xfrm>
+              <a:prstGeom prst="straightConnector1">
+                <a:avLst/>
+              </a:prstGeom>
+              <a:ln w="28575">
+                <a:tailEnd type="triangle"/>
+              </a:ln>
+            </p:spPr>
+            <p:style>
+              <a:lnRef idx="1">
+                <a:schemeClr val="accent1"/>
+              </a:lnRef>
+              <a:fillRef idx="0">
+                <a:schemeClr val="accent1"/>
+              </a:fillRef>
+              <a:effectRef idx="0">
+                <a:schemeClr val="accent1"/>
+              </a:effectRef>
+              <a:fontRef idx="minor">
+                <a:schemeClr val="tx1"/>
+              </a:fontRef>
+            </p:style>
+          </p:cxnSp>
+          <p:cxnSp>
+            <p:nvCxnSpPr>
+              <p:cNvPr id="271" name="Straight Connector 270">
+                <a:extLst>
+                  <a:ext uri="{FF2B5EF4-FFF2-40B4-BE49-F238E27FC236}">
+                    <a16:creationId xmlns:a16="http://schemas.microsoft.com/office/drawing/2014/main" id="{1F760F58-5905-1C9B-E8F0-53D226242318}"/>
+                  </a:ext>
+                </a:extLst>
+              </p:cNvPr>
+              <p:cNvCxnSpPr>
+                <a:cxnSpLocks/>
+              </p:cNvCxnSpPr>
+              <p:nvPr/>
+            </p:nvCxnSpPr>
+            <p:spPr>
+              <a:xfrm>
+                <a:off x="7055408" y="2082172"/>
+                <a:ext cx="423803" cy="0"/>
+              </a:xfrm>
+              <a:prstGeom prst="line">
+                <a:avLst/>
+              </a:prstGeom>
+              <a:ln w="28575"/>
+            </p:spPr>
+            <p:style>
+              <a:lnRef idx="1">
+                <a:schemeClr val="accent1"/>
+              </a:lnRef>
+              <a:fillRef idx="0">
+                <a:schemeClr val="accent1"/>
+              </a:fillRef>
+              <a:effectRef idx="0">
+                <a:schemeClr val="accent1"/>
+              </a:effectRef>
+              <a:fontRef idx="minor">
+                <a:schemeClr val="tx1"/>
+              </a:fontRef>
+            </p:style>
+          </p:cxnSp>
+          <p:cxnSp>
+            <p:nvCxnSpPr>
+              <p:cNvPr id="272" name="Straight Connector 271">
+                <a:extLst>
+                  <a:ext uri="{FF2B5EF4-FFF2-40B4-BE49-F238E27FC236}">
+                    <a16:creationId xmlns:a16="http://schemas.microsoft.com/office/drawing/2014/main" id="{3DC0E744-C1F9-97AE-6217-9D1A4E23BD6A}"/>
+                  </a:ext>
+                </a:extLst>
+              </p:cNvPr>
+              <p:cNvCxnSpPr>
+                <a:cxnSpLocks/>
+              </p:cNvCxnSpPr>
+              <p:nvPr/>
+            </p:nvCxnSpPr>
+            <p:spPr>
+              <a:xfrm>
+                <a:off x="7477767" y="2042377"/>
+                <a:ext cx="0" cy="378542"/>
+              </a:xfrm>
+              <a:prstGeom prst="line">
+                <a:avLst/>
+              </a:prstGeom>
+              <a:ln w="28575"/>
+            </p:spPr>
+            <p:style>
+              <a:lnRef idx="1">
+                <a:schemeClr val="accent1"/>
+              </a:lnRef>
+              <a:fillRef idx="0">
+                <a:schemeClr val="accent1"/>
+              </a:fillRef>
+              <a:effectRef idx="0">
+                <a:schemeClr val="accent1"/>
+              </a:effectRef>
+              <a:fontRef idx="minor">
+                <a:schemeClr val="tx1"/>
+              </a:fontRef>
+            </p:style>
+          </p:cxnSp>
+        </p:grpSp>
+        <p:sp>
+          <p:nvSpPr>
+            <p:cNvPr id="264" name="Rectangle 263">
+              <a:extLst>
+                <a:ext uri="{FF2B5EF4-FFF2-40B4-BE49-F238E27FC236}">
+                  <a16:creationId xmlns:a16="http://schemas.microsoft.com/office/drawing/2014/main" id="{EBCE3DDF-073C-04F7-563A-3D2B0A8D70EF}"/>
+                </a:ext>
+              </a:extLst>
+            </p:cNvPr>
+            <p:cNvSpPr/>
+            <p:nvPr/>
+          </p:nvSpPr>
+          <p:spPr>
+            <a:xfrm>
+              <a:off x="8380941" y="2833462"/>
+              <a:ext cx="165097" cy="161682"/>
+            </a:xfrm>
+            <a:prstGeom prst="rect">
+              <a:avLst/>
+            </a:prstGeom>
+          </p:spPr>
+          <p:style>
+            <a:lnRef idx="2">
+              <a:schemeClr val="accent1">
+                <a:shade val="15000"/>
+              </a:schemeClr>
+            </a:lnRef>
+            <a:fillRef idx="1">
+              <a:schemeClr val="accent1"/>
+            </a:fillRef>
+            <a:effectRef idx="0">
+              <a:schemeClr val="accent1"/>
+            </a:effectRef>
+            <a:fontRef idx="minor">
+              <a:schemeClr val="lt1"/>
+            </a:fontRef>
+          </p:style>
+          <p:txBody>
+            <a:bodyPr rtlCol="0" anchor="ctr"/>
+            <a:lstStyle/>
+            <a:p>
+              <a:pPr algn="ctr"/>
+              <a:endParaRPr lang="zh-CN" altLang="en-US"/>
+            </a:p>
+          </p:txBody>
+        </p:sp>
+        <p:grpSp>
+          <p:nvGrpSpPr>
+            <p:cNvPr id="265" name="Group 264">
+              <a:extLst>
+                <a:ext uri="{FF2B5EF4-FFF2-40B4-BE49-F238E27FC236}">
+                  <a16:creationId xmlns:a16="http://schemas.microsoft.com/office/drawing/2014/main" id="{A0F9E29C-43D9-EC4E-218A-FA8BA5A87BC5}"/>
+                </a:ext>
+              </a:extLst>
+            </p:cNvPr>
+            <p:cNvGrpSpPr/>
+            <p:nvPr/>
+          </p:nvGrpSpPr>
+          <p:grpSpPr>
+            <a:xfrm>
+              <a:off x="8463490" y="2983499"/>
+              <a:ext cx="551834" cy="88391"/>
+              <a:chOff x="6986851" y="2202875"/>
+              <a:chExt cx="439349" cy="378550"/>
+            </a:xfrm>
+          </p:grpSpPr>
+          <p:cxnSp>
+            <p:nvCxnSpPr>
+              <p:cNvPr id="267" name="Straight Arrow Connector 266">
+                <a:extLst>
+                  <a:ext uri="{FF2B5EF4-FFF2-40B4-BE49-F238E27FC236}">
+                    <a16:creationId xmlns:a16="http://schemas.microsoft.com/office/drawing/2014/main" id="{2054CF81-88A7-5D2C-C8BB-F05FCE2D40CE}"/>
+                  </a:ext>
+                </a:extLst>
+              </p:cNvPr>
+              <p:cNvCxnSpPr>
+                <a:cxnSpLocks/>
+              </p:cNvCxnSpPr>
+              <p:nvPr/>
+            </p:nvCxnSpPr>
+            <p:spPr>
+              <a:xfrm flipH="1">
+                <a:off x="6986851" y="2581425"/>
+                <a:ext cx="431024" cy="0"/>
+              </a:xfrm>
+              <a:prstGeom prst="straightConnector1">
+                <a:avLst/>
+              </a:prstGeom>
+              <a:ln w="28575">
+                <a:prstDash val="dash"/>
+                <a:tailEnd type="triangle"/>
+              </a:ln>
+            </p:spPr>
+            <p:style>
+              <a:lnRef idx="1">
+                <a:schemeClr val="accent1"/>
+              </a:lnRef>
+              <a:fillRef idx="0">
+                <a:schemeClr val="accent1"/>
+              </a:fillRef>
+              <a:effectRef idx="0">
+                <a:schemeClr val="accent1"/>
+              </a:effectRef>
+              <a:fontRef idx="minor">
+                <a:schemeClr val="tx1"/>
+              </a:fontRef>
+            </p:style>
+          </p:cxnSp>
+          <p:cxnSp>
+            <p:nvCxnSpPr>
+              <p:cNvPr id="268" name="Straight Connector 267">
+                <a:extLst>
+                  <a:ext uri="{FF2B5EF4-FFF2-40B4-BE49-F238E27FC236}">
+                    <a16:creationId xmlns:a16="http://schemas.microsoft.com/office/drawing/2014/main" id="{C258A34E-3D89-CDB0-B617-0BC4C77CC8D8}"/>
+                  </a:ext>
+                </a:extLst>
+              </p:cNvPr>
+              <p:cNvCxnSpPr>
+                <a:cxnSpLocks/>
+              </p:cNvCxnSpPr>
+              <p:nvPr/>
+            </p:nvCxnSpPr>
+            <p:spPr>
+              <a:xfrm>
+                <a:off x="7055397" y="2212708"/>
+                <a:ext cx="370803" cy="0"/>
+              </a:xfrm>
+              <a:prstGeom prst="line">
+                <a:avLst/>
+              </a:prstGeom>
+              <a:ln w="28575">
+                <a:prstDash val="dash"/>
+              </a:ln>
+            </p:spPr>
+            <p:style>
+              <a:lnRef idx="1">
+                <a:schemeClr val="accent1"/>
+              </a:lnRef>
+              <a:fillRef idx="0">
+                <a:schemeClr val="accent1"/>
+              </a:fillRef>
+              <a:effectRef idx="0">
+                <a:schemeClr val="accent1"/>
+              </a:effectRef>
+              <a:fontRef idx="minor">
+                <a:schemeClr val="tx1"/>
+              </a:fontRef>
+            </p:style>
+          </p:cxnSp>
+          <p:cxnSp>
+            <p:nvCxnSpPr>
+              <p:cNvPr id="269" name="Straight Connector 268">
+                <a:extLst>
+                  <a:ext uri="{FF2B5EF4-FFF2-40B4-BE49-F238E27FC236}">
+                    <a16:creationId xmlns:a16="http://schemas.microsoft.com/office/drawing/2014/main" id="{6569EC8B-94CD-286E-4C27-4C1BD7A14C5B}"/>
+                  </a:ext>
+                </a:extLst>
+              </p:cNvPr>
+              <p:cNvCxnSpPr>
+                <a:cxnSpLocks/>
+              </p:cNvCxnSpPr>
+              <p:nvPr/>
+            </p:nvCxnSpPr>
+            <p:spPr>
+              <a:xfrm>
+                <a:off x="7417875" y="2202875"/>
+                <a:ext cx="0" cy="378541"/>
+              </a:xfrm>
+              <a:prstGeom prst="line">
+                <a:avLst/>
+              </a:prstGeom>
+              <a:ln w="28575">
+                <a:prstDash val="dash"/>
+              </a:ln>
+            </p:spPr>
+            <p:style>
+              <a:lnRef idx="1">
+                <a:schemeClr val="accent1"/>
+              </a:lnRef>
+              <a:fillRef idx="0">
+                <a:schemeClr val="accent1"/>
+              </a:fillRef>
+              <a:effectRef idx="0">
+                <a:schemeClr val="accent1"/>
+              </a:effectRef>
+              <a:fontRef idx="minor">
+                <a:schemeClr val="tx1"/>
+              </a:fontRef>
+            </p:style>
+          </p:cxnSp>
+        </p:grpSp>
+        <p:sp>
+          <p:nvSpPr>
+            <p:cNvPr id="266" name="TextBox 265">
+              <a:extLst>
+                <a:ext uri="{FF2B5EF4-FFF2-40B4-BE49-F238E27FC236}">
+                  <a16:creationId xmlns:a16="http://schemas.microsoft.com/office/drawing/2014/main" id="{B7DF70C4-D3C6-0CE0-C478-82BD6AD087D4}"/>
+                </a:ext>
+              </a:extLst>
+            </p:cNvPr>
+            <p:cNvSpPr txBox="1"/>
+            <p:nvPr/>
+          </p:nvSpPr>
+          <p:spPr>
+            <a:xfrm>
+              <a:off x="9013147" y="2610930"/>
+              <a:ext cx="1549346" cy="461665"/>
+            </a:xfrm>
+            <a:prstGeom prst="rect">
+              <a:avLst/>
+            </a:prstGeom>
+            <a:noFill/>
+          </p:spPr>
+          <p:txBody>
+            <a:bodyPr wrap="square" rtlCol="0">
+              <a:spAutoFit/>
+            </a:bodyPr>
+            <a:lstStyle/>
+            <a:p>
+              <a:r>
+                <a:rPr lang="en-SG" altLang="zh-CN" sz="1200" dirty="0" err="1"/>
+                <a:t>parseDelete</a:t>
+              </a:r>
+              <a:endParaRPr lang="en-SG" altLang="zh-CN" sz="1200" dirty="0"/>
+            </a:p>
+            <a:p>
+              <a:r>
+                <a:rPr lang="en-SG" altLang="zh-CN" sz="1200" dirty="0"/>
+                <a:t>Command (</a:t>
+              </a:r>
+              <a:r>
+                <a:rPr lang="en-SG" altLang="zh-CN" sz="1200" dirty="0" err="1"/>
+                <a:t>userInput</a:t>
+              </a:r>
+              <a:r>
+                <a:rPr lang="en-SG" altLang="zh-CN" sz="1200" dirty="0"/>
+                <a:t>)</a:t>
+              </a:r>
+              <a:endParaRPr lang="zh-CN" altLang="en-US" sz="1200" dirty="0"/>
+            </a:p>
+          </p:txBody>
+        </p:sp>
+      </p:grpSp>
+      <p:grpSp>
+        <p:nvGrpSpPr>
+          <p:cNvPr id="279" name="Group 278">
+            <a:extLst>
+              <a:ext uri="{FF2B5EF4-FFF2-40B4-BE49-F238E27FC236}">
+                <a16:creationId xmlns:a16="http://schemas.microsoft.com/office/drawing/2014/main" id="{A8226AB2-95B1-EDC0-35B4-F16866AE3D4A}"/>
+              </a:ext>
+            </a:extLst>
+          </p:cNvPr>
+          <p:cNvGrpSpPr/>
+          <p:nvPr/>
+        </p:nvGrpSpPr>
+        <p:grpSpPr>
+          <a:xfrm>
+            <a:off x="1328036" y="5009788"/>
+            <a:ext cx="9234448" cy="626276"/>
+            <a:chOff x="1328046" y="2602650"/>
+            <a:chExt cx="9234448" cy="626276"/>
+          </a:xfrm>
+        </p:grpSpPr>
+        <p:grpSp>
+          <p:nvGrpSpPr>
+            <p:cNvPr id="280" name="Group 279">
+              <a:extLst>
+                <a:ext uri="{FF2B5EF4-FFF2-40B4-BE49-F238E27FC236}">
+                  <a16:creationId xmlns:a16="http://schemas.microsoft.com/office/drawing/2014/main" id="{E45E0B4F-1C54-B279-8DBE-CBCE1C73A952}"/>
+                </a:ext>
+              </a:extLst>
+            </p:cNvPr>
+            <p:cNvGrpSpPr/>
+            <p:nvPr/>
+          </p:nvGrpSpPr>
+          <p:grpSpPr>
+            <a:xfrm>
+              <a:off x="1328046" y="2602650"/>
+              <a:ext cx="9234448" cy="626276"/>
+              <a:chOff x="1328051" y="1735805"/>
+              <a:chExt cx="9234448" cy="626276"/>
+            </a:xfrm>
+          </p:grpSpPr>
+          <p:grpSp>
+            <p:nvGrpSpPr>
+              <p:cNvPr id="291" name="Group 290">
+                <a:extLst>
+                  <a:ext uri="{FF2B5EF4-FFF2-40B4-BE49-F238E27FC236}">
+                    <a16:creationId xmlns:a16="http://schemas.microsoft.com/office/drawing/2014/main" id="{384A4F9F-2CD8-57A6-F700-FFF3B9D784D7}"/>
+                  </a:ext>
+                </a:extLst>
+              </p:cNvPr>
+              <p:cNvGrpSpPr/>
+              <p:nvPr/>
+            </p:nvGrpSpPr>
+            <p:grpSpPr>
+              <a:xfrm>
+                <a:off x="1328051" y="1735805"/>
+                <a:ext cx="9234448" cy="626276"/>
+                <a:chOff x="1328051" y="1735805"/>
+                <a:chExt cx="9234448" cy="626276"/>
+              </a:xfrm>
+            </p:grpSpPr>
+            <p:grpSp>
+              <p:nvGrpSpPr>
+                <p:cNvPr id="293" name="Group 292">
+                  <a:extLst>
+                    <a:ext uri="{FF2B5EF4-FFF2-40B4-BE49-F238E27FC236}">
+                      <a16:creationId xmlns:a16="http://schemas.microsoft.com/office/drawing/2014/main" id="{1D6353D1-803E-9DCF-2225-430C9D6CE494}"/>
+                    </a:ext>
+                  </a:extLst>
+                </p:cNvPr>
+                <p:cNvGrpSpPr/>
+                <p:nvPr/>
+              </p:nvGrpSpPr>
+              <p:grpSpPr>
+                <a:xfrm>
+                  <a:off x="1328051" y="1735805"/>
+                  <a:ext cx="9234448" cy="626276"/>
+                  <a:chOff x="1370639" y="3120279"/>
+                  <a:chExt cx="7352102" cy="1119768"/>
+                </a:xfrm>
+              </p:grpSpPr>
+              <p:sp>
+                <p:nvSpPr>
+                  <p:cNvPr id="295" name="Rectangle 294">
+                    <a:extLst>
+                      <a:ext uri="{FF2B5EF4-FFF2-40B4-BE49-F238E27FC236}">
+                        <a16:creationId xmlns:a16="http://schemas.microsoft.com/office/drawing/2014/main" id="{5B8D69C6-AEE2-1917-AA52-182EAAF59A3D}"/>
+                      </a:ext>
+                    </a:extLst>
+                  </p:cNvPr>
+                  <p:cNvSpPr/>
+                  <p:nvPr/>
+                </p:nvSpPr>
+                <p:spPr>
+                  <a:xfrm>
+                    <a:off x="1370643" y="3162236"/>
+                    <a:ext cx="7352098" cy="1077811"/>
+                  </a:xfrm>
+                  <a:prstGeom prst="rect">
+                    <a:avLst/>
+                  </a:prstGeom>
+                  <a:noFill/>
+                  <a:ln w="28575"/>
+                </p:spPr>
+                <p:style>
+                  <a:lnRef idx="2">
+                    <a:schemeClr val="accent1"/>
+                  </a:lnRef>
+                  <a:fillRef idx="1">
+                    <a:schemeClr val="lt1"/>
+                  </a:fillRef>
+                  <a:effectRef idx="0">
+                    <a:schemeClr val="accent1"/>
+                  </a:effectRef>
+                  <a:fontRef idx="minor">
+                    <a:schemeClr val="dk1"/>
+                  </a:fontRef>
+                </p:style>
+                <p:txBody>
+                  <a:bodyPr rtlCol="0" anchor="ctr"/>
+                  <a:lstStyle/>
+                  <a:p>
+                    <a:pPr algn="ctr"/>
+                    <a:endParaRPr lang="zh-CN" altLang="en-US" dirty="0"/>
+                  </a:p>
+                </p:txBody>
+              </p:sp>
+              <p:sp>
+                <p:nvSpPr>
+                  <p:cNvPr id="296" name="TextBox 295">
+                    <a:extLst>
+                      <a:ext uri="{FF2B5EF4-FFF2-40B4-BE49-F238E27FC236}">
+                        <a16:creationId xmlns:a16="http://schemas.microsoft.com/office/drawing/2014/main" id="{C31F5D3F-DCBA-6775-B42D-722887DF7340}"/>
+                      </a:ext>
+                    </a:extLst>
+                  </p:cNvPr>
+                  <p:cNvSpPr txBox="1"/>
+                  <p:nvPr/>
+                </p:nvSpPr>
+                <p:spPr>
+                  <a:xfrm>
+                    <a:off x="1370639" y="3120279"/>
+                    <a:ext cx="3538042" cy="495269"/>
+                  </a:xfrm>
+                  <a:prstGeom prst="rect">
+                    <a:avLst/>
+                  </a:prstGeom>
+                  <a:noFill/>
+                </p:spPr>
+                <p:txBody>
+                  <a:bodyPr wrap="square" rtlCol="0">
+                    <a:spAutoFit/>
+                  </a:bodyPr>
+                  <a:lstStyle/>
+                  <a:p>
+                    <a:r>
+                      <a:rPr lang="en-US" altLang="zh-CN" sz="1200" dirty="0"/>
+                      <a:t>                                 </a:t>
+                    </a:r>
+                    <a:r>
+                      <a:rPr lang="en-US" altLang="zh-CN" sz="1100" dirty="0"/>
+                      <a:t>[</a:t>
+                    </a:r>
+                    <a:r>
+                      <a:rPr lang="en-US" altLang="zh-CN" sz="1100" dirty="0" err="1"/>
+                      <a:t>commandTokens</a:t>
+                    </a:r>
+                    <a:r>
+                      <a:rPr lang="en-US" altLang="zh-CN" sz="1100" dirty="0"/>
+                      <a:t>[0] == “find”]</a:t>
+                    </a:r>
+                    <a:endParaRPr lang="zh-CN" altLang="en-US" sz="1100" dirty="0"/>
+                  </a:p>
+                </p:txBody>
+              </p:sp>
+            </p:grpSp>
+            <p:cxnSp>
+              <p:nvCxnSpPr>
+                <p:cNvPr id="294" name="Straight Arrow Connector 293">
+                  <a:extLst>
+                    <a:ext uri="{FF2B5EF4-FFF2-40B4-BE49-F238E27FC236}">
+                      <a16:creationId xmlns:a16="http://schemas.microsoft.com/office/drawing/2014/main" id="{0CD3F7ED-1A5A-F57B-3DBE-6E860F82134A}"/>
+                    </a:ext>
+                  </a:extLst>
+                </p:cNvPr>
+                <p:cNvCxnSpPr>
+                  <a:cxnSpLocks/>
+                </p:cNvCxnSpPr>
+                <p:nvPr/>
+              </p:nvCxnSpPr>
+              <p:spPr>
+                <a:xfrm flipH="1">
+                  <a:off x="2494118" y="2277421"/>
+                  <a:ext cx="5796288" cy="0"/>
+                </a:xfrm>
+                <a:prstGeom prst="straightConnector1">
+                  <a:avLst/>
+                </a:prstGeom>
+                <a:ln w="28575">
+                  <a:prstDash val="dash"/>
+                  <a:tailEnd type="triangle"/>
+                </a:ln>
+              </p:spPr>
+              <p:style>
+                <a:lnRef idx="1">
+                  <a:schemeClr val="accent1"/>
+                </a:lnRef>
+                <a:fillRef idx="0">
+                  <a:schemeClr val="accent1"/>
+                </a:fillRef>
+                <a:effectRef idx="0">
+                  <a:schemeClr val="accent1"/>
+                </a:effectRef>
+                <a:fontRef idx="minor">
+                  <a:schemeClr val="tx1"/>
+                </a:fontRef>
+              </p:style>
+            </p:cxnSp>
+          </p:grpSp>
+          <p:sp>
+            <p:nvSpPr>
+              <p:cNvPr id="292" name="TextBox 291">
+                <a:extLst>
+                  <a:ext uri="{FF2B5EF4-FFF2-40B4-BE49-F238E27FC236}">
+                    <a16:creationId xmlns:a16="http://schemas.microsoft.com/office/drawing/2014/main" id="{CCD92108-B0CF-AD66-969B-11150196A685}"/>
+                  </a:ext>
+                </a:extLst>
+              </p:cNvPr>
+              <p:cNvSpPr txBox="1"/>
+              <p:nvPr/>
+            </p:nvSpPr>
+            <p:spPr>
+              <a:xfrm>
+                <a:off x="4989325" y="1974735"/>
+                <a:ext cx="1170255" cy="276999"/>
+              </a:xfrm>
+              <a:prstGeom prst="rect">
+                <a:avLst/>
+              </a:prstGeom>
+              <a:solidFill>
+                <a:schemeClr val="bg1"/>
+              </a:solidFill>
+            </p:spPr>
+            <p:txBody>
+              <a:bodyPr wrap="square" rtlCol="0">
+                <a:spAutoFit/>
+              </a:bodyPr>
+              <a:lstStyle/>
+              <a:p>
+                <a:pPr algn="ctr"/>
+                <a:r>
+                  <a:rPr lang="en-SG" altLang="zh-CN" sz="1200" dirty="0" err="1"/>
+                  <a:t>CommanFind</a:t>
+                </a:r>
+                <a:endParaRPr lang="zh-CN" altLang="en-US" sz="1200" dirty="0"/>
+              </a:p>
+            </p:txBody>
+          </p:sp>
+        </p:grpSp>
+        <p:grpSp>
+          <p:nvGrpSpPr>
+            <p:cNvPr id="281" name="Group 280">
+              <a:extLst>
+                <a:ext uri="{FF2B5EF4-FFF2-40B4-BE49-F238E27FC236}">
+                  <a16:creationId xmlns:a16="http://schemas.microsoft.com/office/drawing/2014/main" id="{24B1300C-6A63-42F3-691B-0FB743386CD7}"/>
+                </a:ext>
+              </a:extLst>
+            </p:cNvPr>
+            <p:cNvGrpSpPr/>
+            <p:nvPr/>
+          </p:nvGrpSpPr>
+          <p:grpSpPr>
+            <a:xfrm>
+              <a:off x="8474353" y="2720887"/>
+              <a:ext cx="540950" cy="88389"/>
+              <a:chOff x="7055408" y="2042377"/>
+              <a:chExt cx="430684" cy="378542"/>
+            </a:xfrm>
+          </p:grpSpPr>
+          <p:cxnSp>
+            <p:nvCxnSpPr>
+              <p:cNvPr id="288" name="Straight Arrow Connector 287">
+                <a:extLst>
+                  <a:ext uri="{FF2B5EF4-FFF2-40B4-BE49-F238E27FC236}">
+                    <a16:creationId xmlns:a16="http://schemas.microsoft.com/office/drawing/2014/main" id="{FE5C8B3A-B646-A9AC-0688-3A48DE6EA822}"/>
+                  </a:ext>
+                </a:extLst>
+              </p:cNvPr>
+              <p:cNvCxnSpPr>
+                <a:cxnSpLocks/>
+              </p:cNvCxnSpPr>
+              <p:nvPr/>
+            </p:nvCxnSpPr>
+            <p:spPr>
+              <a:xfrm flipH="1">
+                <a:off x="7121272" y="2408518"/>
+                <a:ext cx="364820" cy="0"/>
+              </a:xfrm>
+              <a:prstGeom prst="straightConnector1">
+                <a:avLst/>
+              </a:prstGeom>
+              <a:ln w="28575">
+                <a:tailEnd type="triangle"/>
+              </a:ln>
+            </p:spPr>
+            <p:style>
+              <a:lnRef idx="1">
+                <a:schemeClr val="accent1"/>
+              </a:lnRef>
+              <a:fillRef idx="0">
+                <a:schemeClr val="accent1"/>
+              </a:fillRef>
+              <a:effectRef idx="0">
+                <a:schemeClr val="accent1"/>
+              </a:effectRef>
+              <a:fontRef idx="minor">
+                <a:schemeClr val="tx1"/>
+              </a:fontRef>
+            </p:style>
+          </p:cxnSp>
+          <p:cxnSp>
+            <p:nvCxnSpPr>
+              <p:cNvPr id="289" name="Straight Connector 288">
+                <a:extLst>
+                  <a:ext uri="{FF2B5EF4-FFF2-40B4-BE49-F238E27FC236}">
+                    <a16:creationId xmlns:a16="http://schemas.microsoft.com/office/drawing/2014/main" id="{3B91F921-8C24-CCC8-8F98-0D5136DD6DFD}"/>
+                  </a:ext>
+                </a:extLst>
+              </p:cNvPr>
+              <p:cNvCxnSpPr>
+                <a:cxnSpLocks/>
+              </p:cNvCxnSpPr>
+              <p:nvPr/>
+            </p:nvCxnSpPr>
+            <p:spPr>
+              <a:xfrm>
+                <a:off x="7055408" y="2082172"/>
+                <a:ext cx="423803" cy="0"/>
+              </a:xfrm>
+              <a:prstGeom prst="line">
+                <a:avLst/>
+              </a:prstGeom>
+              <a:ln w="28575"/>
+            </p:spPr>
+            <p:style>
+              <a:lnRef idx="1">
+                <a:schemeClr val="accent1"/>
+              </a:lnRef>
+              <a:fillRef idx="0">
+                <a:schemeClr val="accent1"/>
+              </a:fillRef>
+              <a:effectRef idx="0">
+                <a:schemeClr val="accent1"/>
+              </a:effectRef>
+              <a:fontRef idx="minor">
+                <a:schemeClr val="tx1"/>
+              </a:fontRef>
+            </p:style>
+          </p:cxnSp>
+          <p:cxnSp>
+            <p:nvCxnSpPr>
+              <p:cNvPr id="290" name="Straight Connector 289">
+                <a:extLst>
+                  <a:ext uri="{FF2B5EF4-FFF2-40B4-BE49-F238E27FC236}">
+                    <a16:creationId xmlns:a16="http://schemas.microsoft.com/office/drawing/2014/main" id="{7BEBAE8D-8954-503A-30EB-E1CD4F0BA9E5}"/>
+                  </a:ext>
+                </a:extLst>
+              </p:cNvPr>
+              <p:cNvCxnSpPr>
+                <a:cxnSpLocks/>
+              </p:cNvCxnSpPr>
+              <p:nvPr/>
+            </p:nvCxnSpPr>
+            <p:spPr>
+              <a:xfrm>
+                <a:off x="7477767" y="2042377"/>
+                <a:ext cx="0" cy="378542"/>
+              </a:xfrm>
+              <a:prstGeom prst="line">
+                <a:avLst/>
+              </a:prstGeom>
+              <a:ln w="28575"/>
+            </p:spPr>
+            <p:style>
+              <a:lnRef idx="1">
+                <a:schemeClr val="accent1"/>
+              </a:lnRef>
+              <a:fillRef idx="0">
+                <a:schemeClr val="accent1"/>
+              </a:fillRef>
+              <a:effectRef idx="0">
+                <a:schemeClr val="accent1"/>
+              </a:effectRef>
+              <a:fontRef idx="minor">
+                <a:schemeClr val="tx1"/>
+              </a:fontRef>
+            </p:style>
+          </p:cxnSp>
+        </p:grpSp>
+        <p:sp>
+          <p:nvSpPr>
+            <p:cNvPr id="282" name="Rectangle 281">
+              <a:extLst>
+                <a:ext uri="{FF2B5EF4-FFF2-40B4-BE49-F238E27FC236}">
+                  <a16:creationId xmlns:a16="http://schemas.microsoft.com/office/drawing/2014/main" id="{DA1A2537-A591-FF44-5855-115FF6DCD9CF}"/>
+                </a:ext>
+              </a:extLst>
+            </p:cNvPr>
+            <p:cNvSpPr/>
+            <p:nvPr/>
+          </p:nvSpPr>
+          <p:spPr>
+            <a:xfrm>
+              <a:off x="8380941" y="2833462"/>
+              <a:ext cx="165097" cy="161682"/>
+            </a:xfrm>
+            <a:prstGeom prst="rect">
+              <a:avLst/>
+            </a:prstGeom>
+          </p:spPr>
+          <p:style>
+            <a:lnRef idx="2">
+              <a:schemeClr val="accent1">
+                <a:shade val="15000"/>
+              </a:schemeClr>
+            </a:lnRef>
+            <a:fillRef idx="1">
+              <a:schemeClr val="accent1"/>
+            </a:fillRef>
+            <a:effectRef idx="0">
+              <a:schemeClr val="accent1"/>
+            </a:effectRef>
+            <a:fontRef idx="minor">
+              <a:schemeClr val="lt1"/>
+            </a:fontRef>
+          </p:style>
+          <p:txBody>
+            <a:bodyPr rtlCol="0" anchor="ctr"/>
+            <a:lstStyle/>
+            <a:p>
+              <a:pPr algn="ctr"/>
+              <a:endParaRPr lang="zh-CN" altLang="en-US"/>
+            </a:p>
+          </p:txBody>
+        </p:sp>
+        <p:grpSp>
+          <p:nvGrpSpPr>
+            <p:cNvPr id="283" name="Group 282">
+              <a:extLst>
+                <a:ext uri="{FF2B5EF4-FFF2-40B4-BE49-F238E27FC236}">
+                  <a16:creationId xmlns:a16="http://schemas.microsoft.com/office/drawing/2014/main" id="{CD65B208-E769-4560-3819-62B7CCB0E16B}"/>
+                </a:ext>
+              </a:extLst>
+            </p:cNvPr>
+            <p:cNvGrpSpPr/>
+            <p:nvPr/>
+          </p:nvGrpSpPr>
+          <p:grpSpPr>
+            <a:xfrm>
+              <a:off x="8463490" y="2983499"/>
+              <a:ext cx="551834" cy="88391"/>
+              <a:chOff x="6986851" y="2202875"/>
+              <a:chExt cx="439349" cy="378550"/>
+            </a:xfrm>
+          </p:grpSpPr>
+          <p:cxnSp>
+            <p:nvCxnSpPr>
+              <p:cNvPr id="285" name="Straight Arrow Connector 284">
+                <a:extLst>
+                  <a:ext uri="{FF2B5EF4-FFF2-40B4-BE49-F238E27FC236}">
+                    <a16:creationId xmlns:a16="http://schemas.microsoft.com/office/drawing/2014/main" id="{AEB29B4E-B2F2-8FCC-5F1B-1016142A7DD7}"/>
+                  </a:ext>
+                </a:extLst>
+              </p:cNvPr>
+              <p:cNvCxnSpPr>
+                <a:cxnSpLocks/>
+              </p:cNvCxnSpPr>
+              <p:nvPr/>
+            </p:nvCxnSpPr>
+            <p:spPr>
+              <a:xfrm flipH="1">
+                <a:off x="6986851" y="2581425"/>
+                <a:ext cx="431024" cy="0"/>
+              </a:xfrm>
+              <a:prstGeom prst="straightConnector1">
+                <a:avLst/>
+              </a:prstGeom>
+              <a:ln w="28575">
+                <a:prstDash val="dash"/>
+                <a:tailEnd type="triangle"/>
+              </a:ln>
+            </p:spPr>
+            <p:style>
+              <a:lnRef idx="1">
+                <a:schemeClr val="accent1"/>
+              </a:lnRef>
+              <a:fillRef idx="0">
+                <a:schemeClr val="accent1"/>
+              </a:fillRef>
+              <a:effectRef idx="0">
+                <a:schemeClr val="accent1"/>
+              </a:effectRef>
+              <a:fontRef idx="minor">
+                <a:schemeClr val="tx1"/>
+              </a:fontRef>
+            </p:style>
+          </p:cxnSp>
+          <p:cxnSp>
+            <p:nvCxnSpPr>
+              <p:cNvPr id="286" name="Straight Connector 285">
+                <a:extLst>
+                  <a:ext uri="{FF2B5EF4-FFF2-40B4-BE49-F238E27FC236}">
+                    <a16:creationId xmlns:a16="http://schemas.microsoft.com/office/drawing/2014/main" id="{6BF24611-1ECB-FBF9-C3FD-51911A02167B}"/>
+                  </a:ext>
+                </a:extLst>
+              </p:cNvPr>
+              <p:cNvCxnSpPr>
+                <a:cxnSpLocks/>
+              </p:cNvCxnSpPr>
+              <p:nvPr/>
+            </p:nvCxnSpPr>
+            <p:spPr>
+              <a:xfrm>
+                <a:off x="7055397" y="2212708"/>
+                <a:ext cx="370803" cy="0"/>
+              </a:xfrm>
+              <a:prstGeom prst="line">
+                <a:avLst/>
+              </a:prstGeom>
+              <a:ln w="28575">
+                <a:prstDash val="dash"/>
+              </a:ln>
+            </p:spPr>
+            <p:style>
+              <a:lnRef idx="1">
+                <a:schemeClr val="accent1"/>
+              </a:lnRef>
+              <a:fillRef idx="0">
+                <a:schemeClr val="accent1"/>
+              </a:fillRef>
+              <a:effectRef idx="0">
+                <a:schemeClr val="accent1"/>
+              </a:effectRef>
+              <a:fontRef idx="minor">
+                <a:schemeClr val="tx1"/>
+              </a:fontRef>
+            </p:style>
+          </p:cxnSp>
+          <p:cxnSp>
+            <p:nvCxnSpPr>
+              <p:cNvPr id="287" name="Straight Connector 286">
+                <a:extLst>
+                  <a:ext uri="{FF2B5EF4-FFF2-40B4-BE49-F238E27FC236}">
+                    <a16:creationId xmlns:a16="http://schemas.microsoft.com/office/drawing/2014/main" id="{4B7B049A-5262-503F-DE48-503B3CDA3980}"/>
+                  </a:ext>
+                </a:extLst>
+              </p:cNvPr>
+              <p:cNvCxnSpPr>
+                <a:cxnSpLocks/>
+              </p:cNvCxnSpPr>
+              <p:nvPr/>
+            </p:nvCxnSpPr>
+            <p:spPr>
+              <a:xfrm>
+                <a:off x="7417875" y="2202875"/>
+                <a:ext cx="0" cy="378541"/>
+              </a:xfrm>
+              <a:prstGeom prst="line">
+                <a:avLst/>
+              </a:prstGeom>
+              <a:ln w="28575">
+                <a:prstDash val="dash"/>
+              </a:ln>
+            </p:spPr>
+            <p:style>
+              <a:lnRef idx="1">
+                <a:schemeClr val="accent1"/>
+              </a:lnRef>
+              <a:fillRef idx="0">
+                <a:schemeClr val="accent1"/>
+              </a:fillRef>
+              <a:effectRef idx="0">
+                <a:schemeClr val="accent1"/>
+              </a:effectRef>
+              <a:fontRef idx="minor">
+                <a:schemeClr val="tx1"/>
+              </a:fontRef>
+            </p:style>
+          </p:cxnSp>
+        </p:grpSp>
+        <p:sp>
+          <p:nvSpPr>
+            <p:cNvPr id="284" name="TextBox 283">
+              <a:extLst>
+                <a:ext uri="{FF2B5EF4-FFF2-40B4-BE49-F238E27FC236}">
+                  <a16:creationId xmlns:a16="http://schemas.microsoft.com/office/drawing/2014/main" id="{98B5C2D6-2694-C6B4-61D6-19ED779301F7}"/>
+                </a:ext>
+              </a:extLst>
+            </p:cNvPr>
+            <p:cNvSpPr txBox="1"/>
+            <p:nvPr/>
+          </p:nvSpPr>
+          <p:spPr>
+            <a:xfrm>
+              <a:off x="9013147" y="2610930"/>
+              <a:ext cx="1549346" cy="461665"/>
+            </a:xfrm>
+            <a:prstGeom prst="rect">
+              <a:avLst/>
+            </a:prstGeom>
+            <a:noFill/>
+          </p:spPr>
+          <p:txBody>
+            <a:bodyPr wrap="square" rtlCol="0">
+              <a:spAutoFit/>
+            </a:bodyPr>
+            <a:lstStyle/>
+            <a:p>
+              <a:r>
+                <a:rPr lang="en-SG" altLang="zh-CN" sz="1200" dirty="0" err="1"/>
+                <a:t>parseFindCommand</a:t>
+              </a:r>
+              <a:r>
+                <a:rPr lang="en-SG" altLang="zh-CN" sz="1200" dirty="0"/>
+                <a:t> (</a:t>
+              </a:r>
+              <a:r>
+                <a:rPr lang="en-SG" altLang="zh-CN" sz="1200" dirty="0" err="1"/>
+                <a:t>userInput</a:t>
+              </a:r>
+              <a:r>
+                <a:rPr lang="en-SG" altLang="zh-CN" sz="1200" dirty="0"/>
+                <a:t>)</a:t>
+              </a:r>
+              <a:endParaRPr lang="zh-CN" altLang="en-US" sz="1200" dirty="0"/>
+            </a:p>
+          </p:txBody>
+        </p:sp>
+      </p:grpSp>
+      <p:grpSp>
+        <p:nvGrpSpPr>
+          <p:cNvPr id="297" name="Group 296">
+            <a:extLst>
+              <a:ext uri="{FF2B5EF4-FFF2-40B4-BE49-F238E27FC236}">
+                <a16:creationId xmlns:a16="http://schemas.microsoft.com/office/drawing/2014/main" id="{2DF3DF9B-555D-8B2B-5F4A-643980EED277}"/>
+              </a:ext>
+            </a:extLst>
+          </p:cNvPr>
+          <p:cNvGrpSpPr/>
+          <p:nvPr/>
+        </p:nvGrpSpPr>
+        <p:grpSpPr>
+          <a:xfrm>
+            <a:off x="1328035" y="5609596"/>
+            <a:ext cx="9234448" cy="626276"/>
+            <a:chOff x="1328046" y="2602650"/>
+            <a:chExt cx="9234448" cy="626276"/>
+          </a:xfrm>
+        </p:grpSpPr>
+        <p:grpSp>
+          <p:nvGrpSpPr>
+            <p:cNvPr id="298" name="Group 297">
+              <a:extLst>
+                <a:ext uri="{FF2B5EF4-FFF2-40B4-BE49-F238E27FC236}">
+                  <a16:creationId xmlns:a16="http://schemas.microsoft.com/office/drawing/2014/main" id="{54D7541E-00B2-A5A2-2FC8-6C86B5281097}"/>
+                </a:ext>
+              </a:extLst>
+            </p:cNvPr>
+            <p:cNvGrpSpPr/>
+            <p:nvPr/>
+          </p:nvGrpSpPr>
+          <p:grpSpPr>
+            <a:xfrm>
+              <a:off x="1328046" y="2602650"/>
+              <a:ext cx="9234448" cy="626276"/>
+              <a:chOff x="1328051" y="1735805"/>
+              <a:chExt cx="9234448" cy="626276"/>
+            </a:xfrm>
+          </p:grpSpPr>
+          <p:grpSp>
+            <p:nvGrpSpPr>
+              <p:cNvPr id="309" name="Group 308">
+                <a:extLst>
+                  <a:ext uri="{FF2B5EF4-FFF2-40B4-BE49-F238E27FC236}">
+                    <a16:creationId xmlns:a16="http://schemas.microsoft.com/office/drawing/2014/main" id="{F1BC3DEF-B6C2-2EA8-4388-8F0008C00E1A}"/>
+                  </a:ext>
+                </a:extLst>
+              </p:cNvPr>
+              <p:cNvGrpSpPr/>
+              <p:nvPr/>
+            </p:nvGrpSpPr>
+            <p:grpSpPr>
+              <a:xfrm>
+                <a:off x="1328051" y="1735805"/>
+                <a:ext cx="9234448" cy="626276"/>
+                <a:chOff x="1328051" y="1735805"/>
+                <a:chExt cx="9234448" cy="626276"/>
+              </a:xfrm>
+            </p:grpSpPr>
+            <p:grpSp>
+              <p:nvGrpSpPr>
+                <p:cNvPr id="311" name="Group 310">
+                  <a:extLst>
+                    <a:ext uri="{FF2B5EF4-FFF2-40B4-BE49-F238E27FC236}">
+                      <a16:creationId xmlns:a16="http://schemas.microsoft.com/office/drawing/2014/main" id="{87BC1BA7-5DE3-4518-EE78-B626F9E3331A}"/>
+                    </a:ext>
+                  </a:extLst>
+                </p:cNvPr>
+                <p:cNvGrpSpPr/>
+                <p:nvPr/>
+              </p:nvGrpSpPr>
+              <p:grpSpPr>
+                <a:xfrm>
+                  <a:off x="1328051" y="1735805"/>
+                  <a:ext cx="9234448" cy="626276"/>
+                  <a:chOff x="1370639" y="3120279"/>
+                  <a:chExt cx="7352102" cy="1119768"/>
+                </a:xfrm>
+              </p:grpSpPr>
+              <p:sp>
+                <p:nvSpPr>
+                  <p:cNvPr id="313" name="Rectangle 312">
+                    <a:extLst>
+                      <a:ext uri="{FF2B5EF4-FFF2-40B4-BE49-F238E27FC236}">
+                        <a16:creationId xmlns:a16="http://schemas.microsoft.com/office/drawing/2014/main" id="{42652813-F285-77E4-13C9-399A747FEF82}"/>
+                      </a:ext>
+                    </a:extLst>
+                  </p:cNvPr>
+                  <p:cNvSpPr/>
+                  <p:nvPr/>
+                </p:nvSpPr>
+                <p:spPr>
+                  <a:xfrm>
+                    <a:off x="1370643" y="3162236"/>
+                    <a:ext cx="7352098" cy="1077811"/>
+                  </a:xfrm>
+                  <a:prstGeom prst="rect">
+                    <a:avLst/>
+                  </a:prstGeom>
+                  <a:noFill/>
+                  <a:ln w="28575"/>
+                </p:spPr>
+                <p:style>
+                  <a:lnRef idx="2">
+                    <a:schemeClr val="accent1"/>
+                  </a:lnRef>
+                  <a:fillRef idx="1">
+                    <a:schemeClr val="lt1"/>
+                  </a:fillRef>
+                  <a:effectRef idx="0">
+                    <a:schemeClr val="accent1"/>
+                  </a:effectRef>
+                  <a:fontRef idx="minor">
+                    <a:schemeClr val="dk1"/>
+                  </a:fontRef>
+                </p:style>
+                <p:txBody>
+                  <a:bodyPr rtlCol="0" anchor="ctr"/>
+                  <a:lstStyle/>
+                  <a:p>
+                    <a:pPr algn="ctr"/>
+                    <a:endParaRPr lang="zh-CN" altLang="en-US" dirty="0"/>
+                  </a:p>
+                </p:txBody>
+              </p:sp>
+              <p:sp>
+                <p:nvSpPr>
+                  <p:cNvPr id="314" name="TextBox 313">
+                    <a:extLst>
+                      <a:ext uri="{FF2B5EF4-FFF2-40B4-BE49-F238E27FC236}">
+                        <a16:creationId xmlns:a16="http://schemas.microsoft.com/office/drawing/2014/main" id="{32DB6F76-6819-B2DB-D6C1-4D420C7AFF73}"/>
+                      </a:ext>
+                    </a:extLst>
+                  </p:cNvPr>
+                  <p:cNvSpPr txBox="1"/>
+                  <p:nvPr/>
+                </p:nvSpPr>
+                <p:spPr>
+                  <a:xfrm>
+                    <a:off x="1370639" y="3120279"/>
+                    <a:ext cx="3538042" cy="495269"/>
+                  </a:xfrm>
+                  <a:prstGeom prst="rect">
+                    <a:avLst/>
+                  </a:prstGeom>
+                  <a:noFill/>
+                </p:spPr>
+                <p:txBody>
+                  <a:bodyPr wrap="square" rtlCol="0">
+                    <a:spAutoFit/>
+                  </a:bodyPr>
+                  <a:lstStyle/>
+                  <a:p>
+                    <a:r>
+                      <a:rPr lang="en-US" altLang="zh-CN" sz="1200" dirty="0"/>
+                      <a:t>                                 </a:t>
+                    </a:r>
+                    <a:r>
+                      <a:rPr lang="en-US" altLang="zh-CN" sz="1100" dirty="0"/>
+                      <a:t>[</a:t>
+                    </a:r>
+                    <a:r>
+                      <a:rPr lang="en-US" altLang="zh-CN" sz="1100" dirty="0" err="1"/>
+                      <a:t>commandTokens</a:t>
+                    </a:r>
+                    <a:r>
+                      <a:rPr lang="en-US" altLang="zh-CN" sz="1100" dirty="0"/>
+                      <a:t>[0] == “</a:t>
+                    </a:r>
+                    <a:r>
+                      <a:rPr lang="en-US" altLang="zh-CN" sz="1100" dirty="0" err="1"/>
+                      <a:t>markdiff</a:t>
+                    </a:r>
+                    <a:r>
+                      <a:rPr lang="en-US" altLang="zh-CN" sz="1100" dirty="0"/>
+                      <a:t>”]</a:t>
+                    </a:r>
+                    <a:endParaRPr lang="zh-CN" altLang="en-US" sz="1100" dirty="0"/>
+                  </a:p>
+                </p:txBody>
+              </p:sp>
+            </p:grpSp>
+            <p:cxnSp>
+              <p:nvCxnSpPr>
+                <p:cNvPr id="312" name="Straight Arrow Connector 311">
+                  <a:extLst>
+                    <a:ext uri="{FF2B5EF4-FFF2-40B4-BE49-F238E27FC236}">
+                      <a16:creationId xmlns:a16="http://schemas.microsoft.com/office/drawing/2014/main" id="{B90C1A83-C40F-25CE-EFBA-166E5E6B250B}"/>
+                    </a:ext>
+                  </a:extLst>
+                </p:cNvPr>
+                <p:cNvCxnSpPr>
+                  <a:cxnSpLocks/>
+                </p:cNvCxnSpPr>
+                <p:nvPr/>
+              </p:nvCxnSpPr>
+              <p:spPr>
+                <a:xfrm flipH="1">
+                  <a:off x="2494118" y="2277421"/>
+                  <a:ext cx="5796288" cy="0"/>
+                </a:xfrm>
+                <a:prstGeom prst="straightConnector1">
+                  <a:avLst/>
+                </a:prstGeom>
+                <a:ln w="28575">
+                  <a:prstDash val="dash"/>
+                  <a:tailEnd type="triangle"/>
+                </a:ln>
+              </p:spPr>
+              <p:style>
+                <a:lnRef idx="1">
+                  <a:schemeClr val="accent1"/>
+                </a:lnRef>
+                <a:fillRef idx="0">
+                  <a:schemeClr val="accent1"/>
+                </a:fillRef>
+                <a:effectRef idx="0">
+                  <a:schemeClr val="accent1"/>
+                </a:effectRef>
+                <a:fontRef idx="minor">
+                  <a:schemeClr val="tx1"/>
+                </a:fontRef>
+              </p:style>
+            </p:cxnSp>
+          </p:grpSp>
+          <p:sp>
+            <p:nvSpPr>
+              <p:cNvPr id="310" name="TextBox 309">
+                <a:extLst>
+                  <a:ext uri="{FF2B5EF4-FFF2-40B4-BE49-F238E27FC236}">
+                    <a16:creationId xmlns:a16="http://schemas.microsoft.com/office/drawing/2014/main" id="{E2E4A0E7-EADE-9EE5-09D3-BD9F770729EE}"/>
+                  </a:ext>
+                </a:extLst>
+              </p:cNvPr>
+              <p:cNvSpPr txBox="1"/>
+              <p:nvPr/>
+            </p:nvSpPr>
+            <p:spPr>
+              <a:xfrm>
+                <a:off x="4708906" y="1974735"/>
+                <a:ext cx="1728785" cy="276999"/>
+              </a:xfrm>
+              <a:prstGeom prst="rect">
+                <a:avLst/>
+              </a:prstGeom>
+              <a:solidFill>
+                <a:schemeClr val="bg1"/>
+              </a:solidFill>
+            </p:spPr>
+            <p:txBody>
+              <a:bodyPr wrap="square" rtlCol="0">
+                <a:spAutoFit/>
+              </a:bodyPr>
+              <a:lstStyle/>
+              <a:p>
+                <a:pPr algn="ctr"/>
+                <a:r>
+                  <a:rPr lang="en-SG" altLang="zh-CN" sz="1200" dirty="0" err="1"/>
+                  <a:t>CommandMarkDifficulty</a:t>
+                </a:r>
+                <a:endParaRPr lang="zh-CN" altLang="en-US" sz="1200" dirty="0"/>
+              </a:p>
+            </p:txBody>
+          </p:sp>
+        </p:grpSp>
+        <p:grpSp>
+          <p:nvGrpSpPr>
+            <p:cNvPr id="299" name="Group 298">
+              <a:extLst>
+                <a:ext uri="{FF2B5EF4-FFF2-40B4-BE49-F238E27FC236}">
+                  <a16:creationId xmlns:a16="http://schemas.microsoft.com/office/drawing/2014/main" id="{0A31B877-9BE5-2A67-4F6B-AB1036034B8E}"/>
+                </a:ext>
+              </a:extLst>
+            </p:cNvPr>
+            <p:cNvGrpSpPr/>
+            <p:nvPr/>
+          </p:nvGrpSpPr>
+          <p:grpSpPr>
+            <a:xfrm>
+              <a:off x="8474353" y="2720887"/>
+              <a:ext cx="540950" cy="88389"/>
+              <a:chOff x="7055408" y="2042377"/>
+              <a:chExt cx="430684" cy="378542"/>
+            </a:xfrm>
+          </p:grpSpPr>
+          <p:cxnSp>
+            <p:nvCxnSpPr>
+              <p:cNvPr id="306" name="Straight Arrow Connector 305">
+                <a:extLst>
+                  <a:ext uri="{FF2B5EF4-FFF2-40B4-BE49-F238E27FC236}">
+                    <a16:creationId xmlns:a16="http://schemas.microsoft.com/office/drawing/2014/main" id="{122FC39F-A60E-6F2B-399F-A064864E74C7}"/>
+                  </a:ext>
+                </a:extLst>
+              </p:cNvPr>
+              <p:cNvCxnSpPr>
+                <a:cxnSpLocks/>
+              </p:cNvCxnSpPr>
+              <p:nvPr/>
+            </p:nvCxnSpPr>
+            <p:spPr>
+              <a:xfrm flipH="1">
+                <a:off x="7121272" y="2408518"/>
+                <a:ext cx="364820" cy="0"/>
+              </a:xfrm>
+              <a:prstGeom prst="straightConnector1">
+                <a:avLst/>
+              </a:prstGeom>
+              <a:ln w="28575">
+                <a:tailEnd type="triangle"/>
+              </a:ln>
+            </p:spPr>
+            <p:style>
+              <a:lnRef idx="1">
+                <a:schemeClr val="accent1"/>
+              </a:lnRef>
+              <a:fillRef idx="0">
+                <a:schemeClr val="accent1"/>
+              </a:fillRef>
+              <a:effectRef idx="0">
+                <a:schemeClr val="accent1"/>
+              </a:effectRef>
+              <a:fontRef idx="minor">
+                <a:schemeClr val="tx1"/>
+              </a:fontRef>
+            </p:style>
+          </p:cxnSp>
+          <p:cxnSp>
+            <p:nvCxnSpPr>
+              <p:cNvPr id="307" name="Straight Connector 306">
+                <a:extLst>
+                  <a:ext uri="{FF2B5EF4-FFF2-40B4-BE49-F238E27FC236}">
+                    <a16:creationId xmlns:a16="http://schemas.microsoft.com/office/drawing/2014/main" id="{3DE7A60A-EA3F-4FDA-5D4F-E1420E88FA5A}"/>
+                  </a:ext>
+                </a:extLst>
+              </p:cNvPr>
+              <p:cNvCxnSpPr>
+                <a:cxnSpLocks/>
+              </p:cNvCxnSpPr>
+              <p:nvPr/>
+            </p:nvCxnSpPr>
+            <p:spPr>
+              <a:xfrm>
+                <a:off x="7055408" y="2082172"/>
+                <a:ext cx="423803" cy="0"/>
+              </a:xfrm>
+              <a:prstGeom prst="line">
+                <a:avLst/>
+              </a:prstGeom>
+              <a:ln w="28575"/>
+            </p:spPr>
+            <p:style>
+              <a:lnRef idx="1">
+                <a:schemeClr val="accent1"/>
+              </a:lnRef>
+              <a:fillRef idx="0">
+                <a:schemeClr val="accent1"/>
+              </a:fillRef>
+              <a:effectRef idx="0">
+                <a:schemeClr val="accent1"/>
+              </a:effectRef>
+              <a:fontRef idx="minor">
+                <a:schemeClr val="tx1"/>
+              </a:fontRef>
+            </p:style>
+          </p:cxnSp>
+          <p:cxnSp>
+            <p:nvCxnSpPr>
+              <p:cNvPr id="308" name="Straight Connector 307">
+                <a:extLst>
+                  <a:ext uri="{FF2B5EF4-FFF2-40B4-BE49-F238E27FC236}">
+                    <a16:creationId xmlns:a16="http://schemas.microsoft.com/office/drawing/2014/main" id="{DFA9880B-0768-D407-5464-3BE66BC4079F}"/>
+                  </a:ext>
+                </a:extLst>
+              </p:cNvPr>
+              <p:cNvCxnSpPr>
+                <a:cxnSpLocks/>
+              </p:cNvCxnSpPr>
+              <p:nvPr/>
+            </p:nvCxnSpPr>
+            <p:spPr>
+              <a:xfrm>
+                <a:off x="7477767" y="2042377"/>
+                <a:ext cx="0" cy="378542"/>
+              </a:xfrm>
+              <a:prstGeom prst="line">
+                <a:avLst/>
+              </a:prstGeom>
+              <a:ln w="28575"/>
+            </p:spPr>
+            <p:style>
+              <a:lnRef idx="1">
+                <a:schemeClr val="accent1"/>
+              </a:lnRef>
+              <a:fillRef idx="0">
+                <a:schemeClr val="accent1"/>
+              </a:fillRef>
+              <a:effectRef idx="0">
+                <a:schemeClr val="accent1"/>
+              </a:effectRef>
+              <a:fontRef idx="minor">
+                <a:schemeClr val="tx1"/>
+              </a:fontRef>
+            </p:style>
+          </p:cxnSp>
+        </p:grpSp>
+        <p:sp>
+          <p:nvSpPr>
+            <p:cNvPr id="300" name="Rectangle 299">
+              <a:extLst>
+                <a:ext uri="{FF2B5EF4-FFF2-40B4-BE49-F238E27FC236}">
+                  <a16:creationId xmlns:a16="http://schemas.microsoft.com/office/drawing/2014/main" id="{DF54A291-D2B6-7CFC-AB46-DEF979019F12}"/>
+                </a:ext>
+              </a:extLst>
+            </p:cNvPr>
+            <p:cNvSpPr/>
+            <p:nvPr/>
+          </p:nvSpPr>
+          <p:spPr>
+            <a:xfrm>
+              <a:off x="8380941" y="2833462"/>
+              <a:ext cx="165097" cy="161682"/>
+            </a:xfrm>
+            <a:prstGeom prst="rect">
+              <a:avLst/>
+            </a:prstGeom>
+          </p:spPr>
+          <p:style>
+            <a:lnRef idx="2">
+              <a:schemeClr val="accent1">
+                <a:shade val="15000"/>
+              </a:schemeClr>
+            </a:lnRef>
+            <a:fillRef idx="1">
+              <a:schemeClr val="accent1"/>
+            </a:fillRef>
+            <a:effectRef idx="0">
+              <a:schemeClr val="accent1"/>
+            </a:effectRef>
+            <a:fontRef idx="minor">
+              <a:schemeClr val="lt1"/>
+            </a:fontRef>
+          </p:style>
+          <p:txBody>
+            <a:bodyPr rtlCol="0" anchor="ctr"/>
+            <a:lstStyle/>
+            <a:p>
+              <a:pPr algn="ctr"/>
+              <a:endParaRPr lang="zh-CN" altLang="en-US"/>
+            </a:p>
+          </p:txBody>
+        </p:sp>
+        <p:grpSp>
+          <p:nvGrpSpPr>
+            <p:cNvPr id="301" name="Group 300">
+              <a:extLst>
+                <a:ext uri="{FF2B5EF4-FFF2-40B4-BE49-F238E27FC236}">
+                  <a16:creationId xmlns:a16="http://schemas.microsoft.com/office/drawing/2014/main" id="{5157A55B-9EA6-9E92-51EB-2D50F29E1637}"/>
+                </a:ext>
+              </a:extLst>
+            </p:cNvPr>
+            <p:cNvGrpSpPr/>
+            <p:nvPr/>
+          </p:nvGrpSpPr>
+          <p:grpSpPr>
+            <a:xfrm>
+              <a:off x="8463490" y="2983499"/>
+              <a:ext cx="551834" cy="88391"/>
+              <a:chOff x="6986851" y="2202875"/>
+              <a:chExt cx="439349" cy="378550"/>
+            </a:xfrm>
+          </p:grpSpPr>
+          <p:cxnSp>
+            <p:nvCxnSpPr>
+              <p:cNvPr id="303" name="Straight Arrow Connector 302">
+                <a:extLst>
+                  <a:ext uri="{FF2B5EF4-FFF2-40B4-BE49-F238E27FC236}">
+                    <a16:creationId xmlns:a16="http://schemas.microsoft.com/office/drawing/2014/main" id="{2C37986C-523F-7468-0CD1-381FB077DDD9}"/>
+                  </a:ext>
+                </a:extLst>
+              </p:cNvPr>
+              <p:cNvCxnSpPr>
+                <a:cxnSpLocks/>
+              </p:cNvCxnSpPr>
+              <p:nvPr/>
+            </p:nvCxnSpPr>
+            <p:spPr>
+              <a:xfrm flipH="1">
+                <a:off x="6986851" y="2581425"/>
+                <a:ext cx="431024" cy="0"/>
+              </a:xfrm>
+              <a:prstGeom prst="straightConnector1">
+                <a:avLst/>
+              </a:prstGeom>
+              <a:ln w="28575">
+                <a:prstDash val="dash"/>
+                <a:tailEnd type="triangle"/>
+              </a:ln>
+            </p:spPr>
+            <p:style>
+              <a:lnRef idx="1">
+                <a:schemeClr val="accent1"/>
+              </a:lnRef>
+              <a:fillRef idx="0">
+                <a:schemeClr val="accent1"/>
+              </a:fillRef>
+              <a:effectRef idx="0">
+                <a:schemeClr val="accent1"/>
+              </a:effectRef>
+              <a:fontRef idx="minor">
+                <a:schemeClr val="tx1"/>
+              </a:fontRef>
+            </p:style>
+          </p:cxnSp>
+          <p:cxnSp>
+            <p:nvCxnSpPr>
+              <p:cNvPr id="304" name="Straight Connector 303">
+                <a:extLst>
+                  <a:ext uri="{FF2B5EF4-FFF2-40B4-BE49-F238E27FC236}">
+                    <a16:creationId xmlns:a16="http://schemas.microsoft.com/office/drawing/2014/main" id="{54236998-413B-3E92-298F-200CB0C85076}"/>
+                  </a:ext>
+                </a:extLst>
+              </p:cNvPr>
+              <p:cNvCxnSpPr>
+                <a:cxnSpLocks/>
+              </p:cNvCxnSpPr>
+              <p:nvPr/>
+            </p:nvCxnSpPr>
+            <p:spPr>
+              <a:xfrm>
+                <a:off x="7055397" y="2212708"/>
+                <a:ext cx="370803" cy="0"/>
+              </a:xfrm>
+              <a:prstGeom prst="line">
+                <a:avLst/>
+              </a:prstGeom>
+              <a:ln w="28575">
+                <a:prstDash val="dash"/>
+              </a:ln>
+            </p:spPr>
+            <p:style>
+              <a:lnRef idx="1">
+                <a:schemeClr val="accent1"/>
+              </a:lnRef>
+              <a:fillRef idx="0">
+                <a:schemeClr val="accent1"/>
+              </a:fillRef>
+              <a:effectRef idx="0">
+                <a:schemeClr val="accent1"/>
+              </a:effectRef>
+              <a:fontRef idx="minor">
+                <a:schemeClr val="tx1"/>
+              </a:fontRef>
+            </p:style>
+          </p:cxnSp>
+          <p:cxnSp>
+            <p:nvCxnSpPr>
+              <p:cNvPr id="305" name="Straight Connector 304">
+                <a:extLst>
+                  <a:ext uri="{FF2B5EF4-FFF2-40B4-BE49-F238E27FC236}">
+                    <a16:creationId xmlns:a16="http://schemas.microsoft.com/office/drawing/2014/main" id="{0094D882-36DA-3C1F-C1CB-072A94974C03}"/>
+                  </a:ext>
+                </a:extLst>
+              </p:cNvPr>
+              <p:cNvCxnSpPr>
+                <a:cxnSpLocks/>
+              </p:cNvCxnSpPr>
+              <p:nvPr/>
+            </p:nvCxnSpPr>
+            <p:spPr>
+              <a:xfrm>
+                <a:off x="7417875" y="2202875"/>
+                <a:ext cx="0" cy="378541"/>
+              </a:xfrm>
+              <a:prstGeom prst="line">
+                <a:avLst/>
+              </a:prstGeom>
+              <a:ln w="28575">
+                <a:prstDash val="dash"/>
+              </a:ln>
+            </p:spPr>
+            <p:style>
+              <a:lnRef idx="1">
+                <a:schemeClr val="accent1"/>
+              </a:lnRef>
+              <a:fillRef idx="0">
+                <a:schemeClr val="accent1"/>
+              </a:fillRef>
+              <a:effectRef idx="0">
+                <a:schemeClr val="accent1"/>
+              </a:effectRef>
+              <a:fontRef idx="minor">
+                <a:schemeClr val="tx1"/>
+              </a:fontRef>
+            </p:style>
+          </p:cxnSp>
+        </p:grpSp>
+        <p:sp>
+          <p:nvSpPr>
+            <p:cNvPr id="302" name="TextBox 301">
+              <a:extLst>
+                <a:ext uri="{FF2B5EF4-FFF2-40B4-BE49-F238E27FC236}">
+                  <a16:creationId xmlns:a16="http://schemas.microsoft.com/office/drawing/2014/main" id="{B66927B5-28D9-9AF3-F0F3-AE28EB869201}"/>
+                </a:ext>
+              </a:extLst>
+            </p:cNvPr>
+            <p:cNvSpPr txBox="1"/>
+            <p:nvPr/>
+          </p:nvSpPr>
+          <p:spPr>
+            <a:xfrm>
+              <a:off x="9013147" y="2610930"/>
+              <a:ext cx="1549346" cy="461665"/>
+            </a:xfrm>
+            <a:prstGeom prst="rect">
+              <a:avLst/>
+            </a:prstGeom>
+            <a:noFill/>
+          </p:spPr>
+          <p:txBody>
+            <a:bodyPr wrap="square" rtlCol="0">
+              <a:spAutoFit/>
+            </a:bodyPr>
+            <a:lstStyle/>
+            <a:p>
+              <a:r>
+                <a:rPr lang="en-SG" altLang="zh-CN" sz="1200" dirty="0" err="1"/>
+                <a:t>parseMarkDiff</a:t>
+              </a:r>
+              <a:endParaRPr lang="en-SG" altLang="zh-CN" sz="1200" dirty="0"/>
+            </a:p>
+            <a:p>
+              <a:r>
+                <a:rPr lang="en-SG" altLang="zh-CN" sz="1200" dirty="0"/>
+                <a:t>Command (</a:t>
+              </a:r>
+              <a:r>
+                <a:rPr lang="en-SG" altLang="zh-CN" sz="1200" dirty="0" err="1"/>
+                <a:t>userInput</a:t>
+              </a:r>
+              <a:r>
+                <a:rPr lang="en-SG" altLang="zh-CN" sz="1200" dirty="0"/>
+                <a:t>)</a:t>
+              </a:r>
+              <a:endParaRPr lang="zh-CN" altLang="en-US" sz="1200" dirty="0"/>
+            </a:p>
+          </p:txBody>
+        </p:sp>
+      </p:grpSp>
+    </p:spTree>
+    <p:extLst>
+      <p:ext uri="{BB962C8B-B14F-4D97-AF65-F5344CB8AC3E}">
+        <p14:creationId xmlns:p14="http://schemas.microsoft.com/office/powerpoint/2010/main" val="3628975835"/>
+      </p:ext>
+    </p:extLst>
+  </p:cSld>
+  <p:clrMapOvr>
+    <a:masterClrMapping/>
+  </p:clrMapOvr>
+</p:sld>
+</file>
+
+<file path=ppt/slides/slide2.xml><?xml version="1.0" encoding="utf-8"?>
+<p:sld xmlns:a="http://schemas.openxmlformats.org/drawingml/2006/main" xmlns:r="http://schemas.openxmlformats.org/officeDocument/2006/relationships" xmlns:p="http://schemas.openxmlformats.org/presentationml/2006/main">
+  <p:cSld>
+    <p:spTree>
+      <p:nvGrpSpPr>
+        <p:cNvPr id="1" name=""/>
+        <p:cNvGrpSpPr/>
+        <p:nvPr/>
+      </p:nvGrpSpPr>
+      <p:grpSpPr>
+        <a:xfrm>
+          <a:off x="0" y="0"/>
+          <a:ext cx="0" cy="0"/>
+          <a:chOff x="0" y="0"/>
+          <a:chExt cx="0" cy="0"/>
+        </a:xfrm>
+      </p:grpSpPr>
+      <p:cxnSp>
+        <p:nvCxnSpPr>
+          <p:cNvPr id="74" name="Straight Connector 73">
+            <a:extLst>
+              <a:ext uri="{FF2B5EF4-FFF2-40B4-BE49-F238E27FC236}">
+                <a16:creationId xmlns:a16="http://schemas.microsoft.com/office/drawing/2014/main" id="{7AF590F5-3191-6070-1271-CA15FFC73919}"/>
+              </a:ext>
+            </a:extLst>
+          </p:cNvPr>
+          <p:cNvCxnSpPr>
+            <a:cxnSpLocks/>
+          </p:cNvCxnSpPr>
+          <p:nvPr/>
+        </p:nvCxnSpPr>
+        <p:spPr>
+          <a:xfrm>
+            <a:off x="5578123" y="430386"/>
+            <a:ext cx="0" cy="2025856"/>
+          </a:xfrm>
+          <a:prstGeom prst="line">
+            <a:avLst/>
+          </a:prstGeom>
+          <a:ln w="28575">
+            <a:prstDash val="dash"/>
+          </a:ln>
+        </p:spPr>
+        <p:style>
+          <a:lnRef idx="1">
+            <a:schemeClr val="accent1"/>
+          </a:lnRef>
+          <a:fillRef idx="0">
+            <a:schemeClr val="accent1"/>
+          </a:fillRef>
+          <a:effectRef idx="0">
+            <a:schemeClr val="accent1"/>
+          </a:effectRef>
+          <a:fontRef idx="minor">
+            <a:schemeClr val="tx1"/>
+          </a:fontRef>
+        </p:style>
+      </p:cxnSp>
+      <p:sp>
+        <p:nvSpPr>
+          <p:cNvPr id="11" name="Rectangle 10">
+            <a:extLst>
+              <a:ext uri="{FF2B5EF4-FFF2-40B4-BE49-F238E27FC236}">
+                <a16:creationId xmlns:a16="http://schemas.microsoft.com/office/drawing/2014/main" id="{40EF8AD8-9E80-162A-BE00-4249D9A162BE}"/>
+              </a:ext>
+            </a:extLst>
+          </p:cNvPr>
+          <p:cNvSpPr/>
+          <p:nvPr/>
+        </p:nvSpPr>
+        <p:spPr>
+          <a:xfrm>
+            <a:off x="2292597" y="430385"/>
+            <a:ext cx="197972" cy="1749597"/>
+          </a:xfrm>
+          <a:prstGeom prst="rect">
+            <a:avLst/>
+          </a:prstGeom>
+        </p:spPr>
+        <p:style>
+          <a:lnRef idx="2">
+            <a:schemeClr val="accent1">
+              <a:shade val="15000"/>
+            </a:schemeClr>
+          </a:lnRef>
+          <a:fillRef idx="1">
+            <a:schemeClr val="accent1"/>
+          </a:fillRef>
+          <a:effectRef idx="0">
+            <a:schemeClr val="accent1"/>
+          </a:effectRef>
+          <a:fontRef idx="minor">
+            <a:schemeClr val="lt1"/>
+          </a:fontRef>
+        </p:style>
+        <p:txBody>
+          <a:bodyPr rtlCol="0" anchor="ctr"/>
+          <a:lstStyle/>
+          <a:p>
+            <a:pPr algn="ctr"/>
+            <a:endParaRPr lang="zh-CN" altLang="en-US"/>
+          </a:p>
+        </p:txBody>
+      </p:sp>
+      <p:cxnSp>
+        <p:nvCxnSpPr>
+          <p:cNvPr id="65" name="Straight Connector 64">
+            <a:extLst>
+              <a:ext uri="{FF2B5EF4-FFF2-40B4-BE49-F238E27FC236}">
+                <a16:creationId xmlns:a16="http://schemas.microsoft.com/office/drawing/2014/main" id="{3D6A2E92-8D08-583D-F403-08698FF2C675}"/>
+              </a:ext>
+            </a:extLst>
+          </p:cNvPr>
+          <p:cNvCxnSpPr>
+            <a:cxnSpLocks/>
+          </p:cNvCxnSpPr>
+          <p:nvPr/>
+        </p:nvCxnSpPr>
+        <p:spPr>
+          <a:xfrm>
+            <a:off x="8368579" y="431368"/>
+            <a:ext cx="17652" cy="748561"/>
+          </a:xfrm>
+          <a:prstGeom prst="line">
+            <a:avLst/>
+          </a:prstGeom>
+          <a:ln w="28575">
+            <a:prstDash val="dash"/>
+          </a:ln>
+        </p:spPr>
+        <p:style>
+          <a:lnRef idx="1">
+            <a:schemeClr val="accent1"/>
+          </a:lnRef>
+          <a:fillRef idx="0">
+            <a:schemeClr val="accent1"/>
+          </a:fillRef>
+          <a:effectRef idx="0">
+            <a:schemeClr val="accent1"/>
+          </a:effectRef>
+          <a:fontRef idx="minor">
+            <a:schemeClr val="tx1"/>
+          </a:fontRef>
+        </p:style>
+      </p:cxnSp>
+      <p:cxnSp>
+        <p:nvCxnSpPr>
+          <p:cNvPr id="141" name="Straight Connector 140">
+            <a:extLst>
+              <a:ext uri="{FF2B5EF4-FFF2-40B4-BE49-F238E27FC236}">
+                <a16:creationId xmlns:a16="http://schemas.microsoft.com/office/drawing/2014/main" id="{E8F72C0B-B89C-BB65-2506-9626571BA939}"/>
+              </a:ext>
+            </a:extLst>
+          </p:cNvPr>
+          <p:cNvCxnSpPr>
+            <a:cxnSpLocks/>
+          </p:cNvCxnSpPr>
+          <p:nvPr/>
+        </p:nvCxnSpPr>
+        <p:spPr>
+          <a:xfrm>
+            <a:off x="2389058" y="2195780"/>
+            <a:ext cx="5645" cy="260462"/>
+          </a:xfrm>
+          <a:prstGeom prst="line">
+            <a:avLst/>
+          </a:prstGeom>
+          <a:ln w="28575">
+            <a:prstDash val="dash"/>
+          </a:ln>
+        </p:spPr>
+        <p:style>
+          <a:lnRef idx="1">
+            <a:schemeClr val="accent1"/>
+          </a:lnRef>
+          <a:fillRef idx="0">
+            <a:schemeClr val="accent1"/>
+          </a:fillRef>
+          <a:effectRef idx="0">
+            <a:schemeClr val="accent1"/>
+          </a:effectRef>
+          <a:fontRef idx="minor">
+            <a:schemeClr val="tx1"/>
+          </a:fontRef>
+        </p:style>
+      </p:cxnSp>
+      <p:cxnSp>
+        <p:nvCxnSpPr>
+          <p:cNvPr id="143" name="Straight Connector 142">
+            <a:extLst>
+              <a:ext uri="{FF2B5EF4-FFF2-40B4-BE49-F238E27FC236}">
+                <a16:creationId xmlns:a16="http://schemas.microsoft.com/office/drawing/2014/main" id="{50C7CD64-A83D-2E8B-8CF7-6084620DF1A0}"/>
+              </a:ext>
+            </a:extLst>
+          </p:cNvPr>
+          <p:cNvCxnSpPr>
+            <a:cxnSpLocks/>
+          </p:cNvCxnSpPr>
+          <p:nvPr/>
+        </p:nvCxnSpPr>
+        <p:spPr>
+          <a:xfrm>
+            <a:off x="8383407" y="2178756"/>
+            <a:ext cx="5645" cy="260462"/>
+          </a:xfrm>
+          <a:prstGeom prst="line">
+            <a:avLst/>
+          </a:prstGeom>
+          <a:ln w="28575">
+            <a:prstDash val="dash"/>
+          </a:ln>
+        </p:spPr>
+        <p:style>
+          <a:lnRef idx="1">
+            <a:schemeClr val="accent1"/>
+          </a:lnRef>
+          <a:fillRef idx="0">
+            <a:schemeClr val="accent1"/>
+          </a:fillRef>
+          <a:effectRef idx="0">
+            <a:schemeClr val="accent1"/>
+          </a:effectRef>
+          <a:fontRef idx="minor">
+            <a:schemeClr val="tx1"/>
+          </a:fontRef>
+        </p:style>
+      </p:cxnSp>
+      <p:grpSp>
+        <p:nvGrpSpPr>
+          <p:cNvPr id="31" name="Group 30">
+            <a:extLst>
+              <a:ext uri="{FF2B5EF4-FFF2-40B4-BE49-F238E27FC236}">
+                <a16:creationId xmlns:a16="http://schemas.microsoft.com/office/drawing/2014/main" id="{B4413703-FA8F-0FF2-5597-33A3B0A0EE07}"/>
+              </a:ext>
+            </a:extLst>
+          </p:cNvPr>
+          <p:cNvGrpSpPr/>
+          <p:nvPr/>
+        </p:nvGrpSpPr>
+        <p:grpSpPr>
+          <a:xfrm>
+            <a:off x="1328046" y="434883"/>
+            <a:ext cx="9234446" cy="455055"/>
+            <a:chOff x="1328051" y="1735805"/>
+            <a:chExt cx="9234446" cy="455055"/>
+          </a:xfrm>
+        </p:grpSpPr>
+        <p:grpSp>
+          <p:nvGrpSpPr>
+            <p:cNvPr id="32" name="Group 31">
+              <a:extLst>
+                <a:ext uri="{FF2B5EF4-FFF2-40B4-BE49-F238E27FC236}">
+                  <a16:creationId xmlns:a16="http://schemas.microsoft.com/office/drawing/2014/main" id="{069C722E-4851-7E64-040F-A5504399F80E}"/>
+                </a:ext>
+              </a:extLst>
+            </p:cNvPr>
+            <p:cNvGrpSpPr/>
+            <p:nvPr/>
+          </p:nvGrpSpPr>
+          <p:grpSpPr>
+            <a:xfrm>
+              <a:off x="1328051" y="1735805"/>
+              <a:ext cx="9234446" cy="455055"/>
+              <a:chOff x="1328051" y="1735805"/>
+              <a:chExt cx="9234446" cy="455055"/>
+            </a:xfrm>
+          </p:grpSpPr>
+          <p:grpSp>
+            <p:nvGrpSpPr>
+              <p:cNvPr id="34" name="Group 33">
+                <a:extLst>
+                  <a:ext uri="{FF2B5EF4-FFF2-40B4-BE49-F238E27FC236}">
+                    <a16:creationId xmlns:a16="http://schemas.microsoft.com/office/drawing/2014/main" id="{7E7D9FA0-C6A6-88EF-7B6E-20C91692693D}"/>
+                  </a:ext>
+                </a:extLst>
+              </p:cNvPr>
+              <p:cNvGrpSpPr/>
+              <p:nvPr/>
+            </p:nvGrpSpPr>
+            <p:grpSpPr>
+              <a:xfrm>
+                <a:off x="1328051" y="1735805"/>
+                <a:ext cx="9234446" cy="455055"/>
+                <a:chOff x="1370639" y="3120279"/>
+                <a:chExt cx="7352101" cy="813629"/>
+              </a:xfrm>
+            </p:grpSpPr>
+            <p:sp>
+              <p:nvSpPr>
+                <p:cNvPr id="36" name="Rectangle 35">
+                  <a:extLst>
+                    <a:ext uri="{FF2B5EF4-FFF2-40B4-BE49-F238E27FC236}">
+                      <a16:creationId xmlns:a16="http://schemas.microsoft.com/office/drawing/2014/main" id="{E21980CF-395D-C19B-6609-E90E11609AD5}"/>
+                    </a:ext>
+                  </a:extLst>
+                </p:cNvPr>
+                <p:cNvSpPr/>
+                <p:nvPr/>
+              </p:nvSpPr>
+              <p:spPr>
+                <a:xfrm>
+                  <a:off x="1370642" y="3162236"/>
+                  <a:ext cx="7352098" cy="771672"/>
+                </a:xfrm>
+                <a:prstGeom prst="rect">
+                  <a:avLst/>
+                </a:prstGeom>
+                <a:noFill/>
+                <a:ln w="28575"/>
+              </p:spPr>
+              <p:style>
+                <a:lnRef idx="2">
+                  <a:schemeClr val="accent1"/>
+                </a:lnRef>
+                <a:fillRef idx="1">
+                  <a:schemeClr val="lt1"/>
+                </a:fillRef>
+                <a:effectRef idx="0">
+                  <a:schemeClr val="accent1"/>
+                </a:effectRef>
+                <a:fontRef idx="minor">
+                  <a:schemeClr val="dk1"/>
+                </a:fontRef>
+              </p:style>
+              <p:txBody>
+                <a:bodyPr rtlCol="0" anchor="ctr"/>
+                <a:lstStyle/>
+                <a:p>
+                  <a:pPr algn="ctr"/>
+                  <a:endParaRPr lang="zh-CN" altLang="en-US" dirty="0"/>
+                </a:p>
+              </p:txBody>
+            </p:sp>
+            <p:sp>
+              <p:nvSpPr>
+                <p:cNvPr id="38" name="TextBox 37">
+                  <a:extLst>
+                    <a:ext uri="{FF2B5EF4-FFF2-40B4-BE49-F238E27FC236}">
+                      <a16:creationId xmlns:a16="http://schemas.microsoft.com/office/drawing/2014/main" id="{1951C521-2DE9-A47A-8E45-429121D04ADB}"/>
+                    </a:ext>
+                  </a:extLst>
+                </p:cNvPr>
+                <p:cNvSpPr txBox="1"/>
+                <p:nvPr/>
+              </p:nvSpPr>
+              <p:spPr>
+                <a:xfrm>
+                  <a:off x="1370639" y="3120279"/>
+                  <a:ext cx="3538042" cy="495269"/>
+                </a:xfrm>
+                <a:prstGeom prst="rect">
+                  <a:avLst/>
+                </a:prstGeom>
+                <a:noFill/>
+              </p:spPr>
+              <p:txBody>
+                <a:bodyPr wrap="square" rtlCol="0">
+                  <a:spAutoFit/>
+                </a:bodyPr>
+                <a:lstStyle/>
+                <a:p>
+                  <a:r>
+                    <a:rPr lang="en-US" altLang="zh-CN" sz="1200" dirty="0"/>
+                    <a:t>                                 </a:t>
+                  </a:r>
+                  <a:r>
+                    <a:rPr lang="en-US" altLang="zh-CN" sz="1100" dirty="0"/>
+                    <a:t>[</a:t>
+                  </a:r>
+                  <a:r>
+                    <a:rPr lang="en-US" altLang="zh-CN" sz="1100" dirty="0" err="1"/>
+                    <a:t>commandTokens</a:t>
+                  </a:r>
+                  <a:r>
+                    <a:rPr lang="en-US" altLang="zh-CN" sz="1100" dirty="0"/>
+                    <a:t>[0] == “shuffle”]</a:t>
+                  </a:r>
+                  <a:endParaRPr lang="zh-CN" altLang="en-US" sz="1100" dirty="0"/>
+                </a:p>
+              </p:txBody>
+            </p:sp>
+          </p:grpSp>
+          <p:cxnSp>
+            <p:nvCxnSpPr>
+              <p:cNvPr id="35" name="Straight Arrow Connector 34">
+                <a:extLst>
+                  <a:ext uri="{FF2B5EF4-FFF2-40B4-BE49-F238E27FC236}">
+                    <a16:creationId xmlns:a16="http://schemas.microsoft.com/office/drawing/2014/main" id="{7088878D-8A4D-F1C7-394B-1D2A832883CB}"/>
+                  </a:ext>
+                </a:extLst>
+              </p:cNvPr>
+              <p:cNvCxnSpPr>
+                <a:cxnSpLocks/>
+              </p:cNvCxnSpPr>
+              <p:nvPr/>
+            </p:nvCxnSpPr>
+            <p:spPr>
+              <a:xfrm flipH="1">
+                <a:off x="2494118" y="2076958"/>
+                <a:ext cx="5796288" cy="0"/>
+              </a:xfrm>
+              <a:prstGeom prst="straightConnector1">
+                <a:avLst/>
+              </a:prstGeom>
+              <a:ln w="28575">
+                <a:prstDash val="dash"/>
+                <a:tailEnd type="triangle"/>
+              </a:ln>
+            </p:spPr>
+            <p:style>
+              <a:lnRef idx="1">
+                <a:schemeClr val="accent1"/>
+              </a:lnRef>
+              <a:fillRef idx="0">
+                <a:schemeClr val="accent1"/>
+              </a:fillRef>
+              <a:effectRef idx="0">
+                <a:schemeClr val="accent1"/>
+              </a:effectRef>
+              <a:fontRef idx="minor">
+                <a:schemeClr val="tx1"/>
+              </a:fontRef>
+            </p:style>
+          </p:cxnSp>
+        </p:grpSp>
+        <p:sp>
+          <p:nvSpPr>
+            <p:cNvPr id="33" name="TextBox 32">
+              <a:extLst>
+                <a:ext uri="{FF2B5EF4-FFF2-40B4-BE49-F238E27FC236}">
+                  <a16:creationId xmlns:a16="http://schemas.microsoft.com/office/drawing/2014/main" id="{DADECE1F-293C-BA14-845A-2A8BF0DBB7D9}"/>
+                </a:ext>
+              </a:extLst>
+            </p:cNvPr>
+            <p:cNvSpPr txBox="1"/>
+            <p:nvPr/>
+          </p:nvSpPr>
+          <p:spPr>
+            <a:xfrm>
+              <a:off x="4953567" y="1785908"/>
+              <a:ext cx="1256409" cy="276999"/>
             </a:xfrm>
             <a:prstGeom prst="rect">
               <a:avLst/>
@@ -4681,59 +10034,40 @@
             <a:p>
               <a:pPr algn="ctr"/>
               <a:r>
-                <a:rPr lang="en-SG" altLang="zh-CN" sz="1400" dirty="0" err="1"/>
-                <a:t>CommandExit</a:t>
+                <a:rPr lang="en-SG" altLang="zh-CN" sz="1200" dirty="0" err="1"/>
+                <a:t>CommandShuffle</a:t>
               </a:r>
-              <a:endParaRPr lang="zh-CN" altLang="en-US" sz="1400" dirty="0"/>
+              <a:endParaRPr lang="zh-CN" altLang="en-US" sz="1200" dirty="0"/>
             </a:p>
           </p:txBody>
         </p:sp>
-        <p:sp>
-          <p:nvSpPr>
-            <p:cNvPr id="90" name="TextBox 89">
+      </p:grpSp>
+      <p:grpSp>
+        <p:nvGrpSpPr>
+          <p:cNvPr id="2" name="Group 1">
+            <a:extLst>
+              <a:ext uri="{FF2B5EF4-FFF2-40B4-BE49-F238E27FC236}">
+                <a16:creationId xmlns:a16="http://schemas.microsoft.com/office/drawing/2014/main" id="{194A270F-589D-2B38-E37F-F774D2D070CF}"/>
+              </a:ext>
+            </a:extLst>
+          </p:cNvPr>
+          <p:cNvGrpSpPr/>
+          <p:nvPr/>
+        </p:nvGrpSpPr>
+        <p:grpSpPr>
+          <a:xfrm>
+            <a:off x="1328046" y="865915"/>
+            <a:ext cx="9234446" cy="455055"/>
+            <a:chOff x="1328051" y="1735805"/>
+            <a:chExt cx="9234446" cy="455055"/>
+          </a:xfrm>
+        </p:grpSpPr>
+        <p:grpSp>
+          <p:nvGrpSpPr>
+            <p:cNvPr id="3" name="Group 2">
               <a:extLst>
                 <a:ext uri="{FF2B5EF4-FFF2-40B4-BE49-F238E27FC236}">
-                  <a16:creationId xmlns:a16="http://schemas.microsoft.com/office/drawing/2014/main" id="{7CC05C45-0A3C-2D70-9014-09F44BFA4642}"/>
-                </a:ext>
-              </a:extLst>
-            </p:cNvPr>
-            <p:cNvSpPr txBox="1"/>
-            <p:nvPr/>
-          </p:nvSpPr>
-          <p:spPr>
-            <a:xfrm>
-              <a:off x="7476919" y="1809669"/>
-              <a:ext cx="1474244" cy="307777"/>
-            </a:xfrm>
-            <a:prstGeom prst="rect">
-              <a:avLst/>
-            </a:prstGeom>
-            <a:noFill/>
-          </p:spPr>
-          <p:txBody>
-            <a:bodyPr wrap="square" rtlCol="0">
-              <a:spAutoFit/>
-            </a:bodyPr>
-            <a:lstStyle/>
-            <a:p>
-              <a:r>
-                <a:rPr lang="en-US" altLang="zh-CN" sz="1400" dirty="0" err="1"/>
-                <a:t>commandTokens</a:t>
-              </a:r>
-              <a:r>
-                <a:rPr lang="en-US" altLang="zh-CN" sz="1400" dirty="0"/>
-                <a:t>[]</a:t>
-              </a:r>
-              <a:endParaRPr lang="zh-CN" altLang="en-US" sz="1400" dirty="0"/>
-            </a:p>
-          </p:txBody>
-        </p:sp>
-        <p:grpSp>
-          <p:nvGrpSpPr>
-            <p:cNvPr id="95" name="Group 94">
-              <a:extLst>
-                <a:ext uri="{FF2B5EF4-FFF2-40B4-BE49-F238E27FC236}">
-                  <a16:creationId xmlns:a16="http://schemas.microsoft.com/office/drawing/2014/main" id="{BD8BD61F-5B9E-891E-F15D-BC2AC58B6B8F}"/>
+                  <a16:creationId xmlns:a16="http://schemas.microsoft.com/office/drawing/2014/main" id="{7A51D021-0695-F5B1-FAAC-BC5636EB058B}"/>
                 </a:ext>
               </a:extLst>
             </p:cNvPr>
@@ -4742,108 +10076,133 @@
           </p:nvGrpSpPr>
           <p:grpSpPr>
             <a:xfrm>
-              <a:off x="1370645" y="3619419"/>
-              <a:ext cx="6222903" cy="931132"/>
-              <a:chOff x="1370645" y="3601131"/>
-              <a:chExt cx="6222903" cy="931132"/>
+              <a:off x="1328051" y="1735805"/>
+              <a:ext cx="9234446" cy="455055"/>
+              <a:chOff x="1328051" y="1735805"/>
+              <a:chExt cx="9234446" cy="455055"/>
             </a:xfrm>
           </p:grpSpPr>
-          <p:sp>
-            <p:nvSpPr>
-              <p:cNvPr id="91" name="Rectangle 90">
+          <p:grpSp>
+            <p:nvGrpSpPr>
+              <p:cNvPr id="6" name="Group 5">
                 <a:extLst>
                   <a:ext uri="{FF2B5EF4-FFF2-40B4-BE49-F238E27FC236}">
-                    <a16:creationId xmlns:a16="http://schemas.microsoft.com/office/drawing/2014/main" id="{BA4112AF-E205-3CDD-A8EF-BF467D944581}"/>
+                    <a16:creationId xmlns:a16="http://schemas.microsoft.com/office/drawing/2014/main" id="{E10B1FE9-C935-9E0A-84A3-F048F77063B5}"/>
                   </a:ext>
                 </a:extLst>
               </p:cNvPr>
-              <p:cNvSpPr/>
+              <p:cNvGrpSpPr/>
               <p:nvPr/>
-            </p:nvSpPr>
-            <p:spPr>
+            </p:nvGrpSpPr>
+            <p:grpSpPr>
               <a:xfrm>
-                <a:off x="1370645" y="3760590"/>
-                <a:ext cx="6222903" cy="771673"/>
+                <a:off x="1328051" y="1735805"/>
+                <a:ext cx="9234446" cy="455055"/>
+                <a:chOff x="1370639" y="3120279"/>
+                <a:chExt cx="7352101" cy="813629"/>
               </a:xfrm>
-              <a:prstGeom prst="rect">
-                <a:avLst/>
-              </a:prstGeom>
-              <a:noFill/>
-              <a:ln w="28575"/>
-            </p:spPr>
-            <p:style>
-              <a:lnRef idx="2">
-                <a:schemeClr val="accent1"/>
-              </a:lnRef>
-              <a:fillRef idx="1">
-                <a:schemeClr val="lt1"/>
-              </a:fillRef>
-              <a:effectRef idx="0">
-                <a:schemeClr val="accent1"/>
-              </a:effectRef>
-              <a:fontRef idx="minor">
-                <a:schemeClr val="dk1"/>
-              </a:fontRef>
-            </p:style>
-            <p:txBody>
-              <a:bodyPr rtlCol="0" anchor="ctr"/>
-              <a:lstStyle/>
-              <a:p>
-                <a:pPr algn="ctr"/>
-                <a:endParaRPr lang="zh-CN" altLang="en-US" dirty="0"/>
-              </a:p>
-            </p:txBody>
-          </p:sp>
-          <p:sp>
-            <p:nvSpPr>
-              <p:cNvPr id="92" name="TextBox 91">
+            </p:grpSpPr>
+            <p:sp>
+              <p:nvSpPr>
+                <p:cNvPr id="15" name="Rectangle 14">
+                  <a:extLst>
+                    <a:ext uri="{FF2B5EF4-FFF2-40B4-BE49-F238E27FC236}">
+                      <a16:creationId xmlns:a16="http://schemas.microsoft.com/office/drawing/2014/main" id="{3A2A9AFD-C588-CD19-D4AF-0581D40FD72F}"/>
+                    </a:ext>
+                  </a:extLst>
+                </p:cNvPr>
+                <p:cNvSpPr/>
+                <p:nvPr/>
+              </p:nvSpPr>
+              <p:spPr>
+                <a:xfrm>
+                  <a:off x="1370642" y="3162236"/>
+                  <a:ext cx="7352098" cy="771672"/>
+                </a:xfrm>
+                <a:prstGeom prst="rect">
+                  <a:avLst/>
+                </a:prstGeom>
+                <a:noFill/>
+                <a:ln w="28575"/>
+              </p:spPr>
+              <p:style>
+                <a:lnRef idx="2">
+                  <a:schemeClr val="accent1"/>
+                </a:lnRef>
+                <a:fillRef idx="1">
+                  <a:schemeClr val="lt1"/>
+                </a:fillRef>
+                <a:effectRef idx="0">
+                  <a:schemeClr val="accent1"/>
+                </a:effectRef>
+                <a:fontRef idx="minor">
+                  <a:schemeClr val="dk1"/>
+                </a:fontRef>
+              </p:style>
+              <p:txBody>
+                <a:bodyPr rtlCol="0" anchor="ctr"/>
+                <a:lstStyle/>
+                <a:p>
+                  <a:pPr algn="ctr"/>
+                  <a:endParaRPr lang="zh-CN" altLang="en-US" dirty="0"/>
+                </a:p>
+              </p:txBody>
+            </p:sp>
+            <p:sp>
+              <p:nvSpPr>
+                <p:cNvPr id="16" name="TextBox 15">
+                  <a:extLst>
+                    <a:ext uri="{FF2B5EF4-FFF2-40B4-BE49-F238E27FC236}">
+                      <a16:creationId xmlns:a16="http://schemas.microsoft.com/office/drawing/2014/main" id="{C2B2818D-9A7A-6D9B-DD1B-DD08BA690616}"/>
+                    </a:ext>
+                  </a:extLst>
+                </p:cNvPr>
+                <p:cNvSpPr txBox="1"/>
+                <p:nvPr/>
+              </p:nvSpPr>
+              <p:spPr>
+                <a:xfrm>
+                  <a:off x="1370639" y="3120279"/>
+                  <a:ext cx="3538042" cy="495269"/>
+                </a:xfrm>
+                <a:prstGeom prst="rect">
+                  <a:avLst/>
+                </a:prstGeom>
+                <a:noFill/>
+              </p:spPr>
+              <p:txBody>
+                <a:bodyPr wrap="square" rtlCol="0">
+                  <a:spAutoFit/>
+                </a:bodyPr>
+                <a:lstStyle/>
+                <a:p>
+                  <a:r>
+                    <a:rPr lang="en-US" altLang="zh-CN" sz="1200" dirty="0"/>
+                    <a:t>                                 </a:t>
+                  </a:r>
+                  <a:r>
+                    <a:rPr lang="en-US" altLang="zh-CN" sz="1100" dirty="0"/>
+                    <a:t>[</a:t>
+                  </a:r>
+                  <a:r>
+                    <a:rPr lang="en-US" altLang="zh-CN" sz="1100" dirty="0" err="1"/>
+                    <a:t>commandTokens</a:t>
+                  </a:r>
+                  <a:r>
+                    <a:rPr lang="en-US" altLang="zh-CN" sz="1100" dirty="0"/>
+                    <a:t>[0] == “help”]</a:t>
+                  </a:r>
+                  <a:endParaRPr lang="zh-CN" altLang="en-US" sz="1100" dirty="0"/>
+                </a:p>
+              </p:txBody>
+            </p:sp>
+          </p:grpSp>
+          <p:cxnSp>
+            <p:nvCxnSpPr>
+              <p:cNvPr id="14" name="Straight Arrow Connector 13">
                 <a:extLst>
                   <a:ext uri="{FF2B5EF4-FFF2-40B4-BE49-F238E27FC236}">
-                    <a16:creationId xmlns:a16="http://schemas.microsoft.com/office/drawing/2014/main" id="{D0AE94F4-AE6C-B0A5-4104-BC0BBA976AEC}"/>
-                  </a:ext>
-                </a:extLst>
-              </p:cNvPr>
-              <p:cNvSpPr txBox="1"/>
-              <p:nvPr/>
-            </p:nvSpPr>
-            <p:spPr>
-              <a:xfrm>
-                <a:off x="1384531" y="3601131"/>
-                <a:ext cx="3538042" cy="307777"/>
-              </a:xfrm>
-              <a:prstGeom prst="rect">
-                <a:avLst/>
-              </a:prstGeom>
-              <a:noFill/>
-            </p:spPr>
-            <p:txBody>
-              <a:bodyPr wrap="square" rtlCol="0">
-                <a:spAutoFit/>
-              </a:bodyPr>
-              <a:lstStyle/>
-              <a:p>
-                <a:r>
-                  <a:rPr lang="en-US" altLang="zh-CN" sz="1400" dirty="0"/>
-                  <a:t>                       [</a:t>
-                </a:r>
-                <a:r>
-                  <a:rPr lang="en-US" altLang="zh-CN" sz="1400" dirty="0" err="1"/>
-                  <a:t>commandTokens</a:t>
-                </a:r>
-                <a:r>
-                  <a:rPr lang="en-US" altLang="zh-CN" sz="1400" dirty="0"/>
-                  <a:t>[0] == “list”]</a:t>
-                </a:r>
-                <a:endParaRPr lang="zh-CN" altLang="en-US" sz="1400" dirty="0"/>
-              </a:p>
-            </p:txBody>
-          </p:sp>
-          <p:cxnSp>
-            <p:nvCxnSpPr>
-              <p:cNvPr id="93" name="Straight Arrow Connector 92">
-                <a:extLst>
-                  <a:ext uri="{FF2B5EF4-FFF2-40B4-BE49-F238E27FC236}">
-                    <a16:creationId xmlns:a16="http://schemas.microsoft.com/office/drawing/2014/main" id="{28DC2D83-CCCF-73A9-B907-1F50DA830FEE}"/>
+                    <a16:creationId xmlns:a16="http://schemas.microsoft.com/office/drawing/2014/main" id="{E38EA8EB-C791-7548-5DF8-EC77242592AC}"/>
                   </a:ext>
                 </a:extLst>
               </p:cNvPr>
@@ -4854,8 +10213,8 @@
             </p:nvCxnSpPr>
             <p:spPr>
               <a:xfrm flipH="1">
-                <a:off x="2277963" y="4241320"/>
-                <a:ext cx="4614776" cy="0"/>
+                <a:off x="2494118" y="2076958"/>
+                <a:ext cx="5796288" cy="0"/>
               </a:xfrm>
               <a:prstGeom prst="straightConnector1">
                 <a:avLst/>
@@ -4880,52 +10239,73 @@
               </a:fontRef>
             </p:style>
           </p:cxnSp>
-          <p:sp>
-            <p:nvSpPr>
-              <p:cNvPr id="94" name="TextBox 93">
-                <a:extLst>
-                  <a:ext uri="{FF2B5EF4-FFF2-40B4-BE49-F238E27FC236}">
-                    <a16:creationId xmlns:a16="http://schemas.microsoft.com/office/drawing/2014/main" id="{A7BEE7B9-E8AD-2A1E-CAA9-2A76D87C4461}"/>
-                  </a:ext>
-                </a:extLst>
-              </p:cNvPr>
-              <p:cNvSpPr txBox="1"/>
-              <p:nvPr/>
-            </p:nvSpPr>
-            <p:spPr>
-              <a:xfrm>
-                <a:off x="3681611" y="3917581"/>
-                <a:ext cx="2103430" cy="307777"/>
-              </a:xfrm>
-              <a:prstGeom prst="rect">
-                <a:avLst/>
-              </a:prstGeom>
-              <a:solidFill>
-                <a:schemeClr val="bg1"/>
-              </a:solidFill>
-            </p:spPr>
-            <p:txBody>
-              <a:bodyPr wrap="square" rtlCol="0">
-                <a:spAutoFit/>
-              </a:bodyPr>
-              <a:lstStyle/>
-              <a:p>
-                <a:pPr algn="ctr"/>
-                <a:r>
-                  <a:rPr lang="en-SG" altLang="zh-CN" sz="1400" dirty="0" err="1"/>
-                  <a:t>CommandList</a:t>
-                </a:r>
-                <a:endParaRPr lang="zh-CN" altLang="en-US" sz="1400" dirty="0"/>
-              </a:p>
-            </p:txBody>
-          </p:sp>
         </p:grpSp>
+        <p:sp>
+          <p:nvSpPr>
+            <p:cNvPr id="4" name="TextBox 3">
+              <a:extLst>
+                <a:ext uri="{FF2B5EF4-FFF2-40B4-BE49-F238E27FC236}">
+                  <a16:creationId xmlns:a16="http://schemas.microsoft.com/office/drawing/2014/main" id="{F844E8E5-7897-B4F3-FAF5-B6982FCB4B48}"/>
+                </a:ext>
+              </a:extLst>
+            </p:cNvPr>
+            <p:cNvSpPr txBox="1"/>
+            <p:nvPr/>
+          </p:nvSpPr>
+          <p:spPr>
+            <a:xfrm>
+              <a:off x="4953567" y="1785908"/>
+              <a:ext cx="1256409" cy="276999"/>
+            </a:xfrm>
+            <a:prstGeom prst="rect">
+              <a:avLst/>
+            </a:prstGeom>
+            <a:solidFill>
+              <a:schemeClr val="bg1"/>
+            </a:solidFill>
+          </p:spPr>
+          <p:txBody>
+            <a:bodyPr wrap="square" rtlCol="0">
+              <a:spAutoFit/>
+            </a:bodyPr>
+            <a:lstStyle/>
+            <a:p>
+              <a:pPr algn="ctr"/>
+              <a:r>
+                <a:rPr lang="en-SG" altLang="zh-CN" sz="1200" dirty="0" err="1"/>
+                <a:t>CommandHelp</a:t>
+              </a:r>
+              <a:endParaRPr lang="zh-CN" altLang="en-US" sz="1200" dirty="0"/>
+            </a:p>
+          </p:txBody>
+        </p:sp>
+      </p:grpSp>
+      <p:grpSp>
+        <p:nvGrpSpPr>
+          <p:cNvPr id="17" name="Group 16">
+            <a:extLst>
+              <a:ext uri="{FF2B5EF4-FFF2-40B4-BE49-F238E27FC236}">
+                <a16:creationId xmlns:a16="http://schemas.microsoft.com/office/drawing/2014/main" id="{22930C81-C5BF-A90C-68DB-330C8E1286D5}"/>
+              </a:ext>
+            </a:extLst>
+          </p:cNvPr>
+          <p:cNvGrpSpPr/>
+          <p:nvPr/>
+        </p:nvGrpSpPr>
+        <p:grpSpPr>
+          <a:xfrm>
+            <a:off x="1328048" y="1296810"/>
+            <a:ext cx="9234446" cy="455055"/>
+            <a:chOff x="1328051" y="1735805"/>
+            <a:chExt cx="9234446" cy="455055"/>
+          </a:xfrm>
+        </p:grpSpPr>
         <p:grpSp>
           <p:nvGrpSpPr>
-            <p:cNvPr id="96" name="Group 95">
+            <p:cNvPr id="18" name="Group 17">
               <a:extLst>
                 <a:ext uri="{FF2B5EF4-FFF2-40B4-BE49-F238E27FC236}">
-                  <a16:creationId xmlns:a16="http://schemas.microsoft.com/office/drawing/2014/main" id="{ABDCBD11-4501-C94F-E5EF-1D674CEC2DB1}"/>
+                  <a16:creationId xmlns:a16="http://schemas.microsoft.com/office/drawing/2014/main" id="{EDC059FE-F1E9-F469-FD9D-C08C3FBC8383}"/>
                 </a:ext>
               </a:extLst>
             </p:cNvPr>
@@ -4934,108 +10314,125 @@
           </p:nvGrpSpPr>
           <p:grpSpPr>
             <a:xfrm>
-              <a:off x="1370644" y="4387460"/>
-              <a:ext cx="6222903" cy="931132"/>
-              <a:chOff x="1370645" y="3601131"/>
-              <a:chExt cx="6222903" cy="931132"/>
+              <a:off x="1328051" y="1735805"/>
+              <a:ext cx="9234446" cy="455055"/>
+              <a:chOff x="1328051" y="1735805"/>
+              <a:chExt cx="9234446" cy="455055"/>
             </a:xfrm>
           </p:grpSpPr>
-          <p:sp>
-            <p:nvSpPr>
-              <p:cNvPr id="97" name="Rectangle 96">
+          <p:grpSp>
+            <p:nvGrpSpPr>
+              <p:cNvPr id="20" name="Group 19">
                 <a:extLst>
                   <a:ext uri="{FF2B5EF4-FFF2-40B4-BE49-F238E27FC236}">
-                    <a16:creationId xmlns:a16="http://schemas.microsoft.com/office/drawing/2014/main" id="{66B94CBD-AA60-2685-6F11-6942B2F17536}"/>
+                    <a16:creationId xmlns:a16="http://schemas.microsoft.com/office/drawing/2014/main" id="{9CACDA93-940C-1992-3DE5-432C03483FCC}"/>
                   </a:ext>
                 </a:extLst>
               </p:cNvPr>
-              <p:cNvSpPr/>
+              <p:cNvGrpSpPr/>
               <p:nvPr/>
-            </p:nvSpPr>
-            <p:spPr>
+            </p:nvGrpSpPr>
+            <p:grpSpPr>
               <a:xfrm>
-                <a:off x="1370645" y="3760590"/>
-                <a:ext cx="6222903" cy="771673"/>
+                <a:off x="1328051" y="1735805"/>
+                <a:ext cx="9234446" cy="455055"/>
+                <a:chOff x="1370639" y="3120279"/>
+                <a:chExt cx="7352101" cy="813629"/>
               </a:xfrm>
-              <a:prstGeom prst="rect">
-                <a:avLst/>
-              </a:prstGeom>
-              <a:noFill/>
-              <a:ln w="28575"/>
-            </p:spPr>
-            <p:style>
-              <a:lnRef idx="2">
-                <a:schemeClr val="accent1"/>
-              </a:lnRef>
-              <a:fillRef idx="1">
-                <a:schemeClr val="lt1"/>
-              </a:fillRef>
-              <a:effectRef idx="0">
-                <a:schemeClr val="accent1"/>
-              </a:effectRef>
-              <a:fontRef idx="minor">
-                <a:schemeClr val="dk1"/>
-              </a:fontRef>
-            </p:style>
-            <p:txBody>
-              <a:bodyPr rtlCol="0" anchor="ctr"/>
-              <a:lstStyle/>
-              <a:p>
-                <a:pPr algn="ctr"/>
-                <a:endParaRPr lang="zh-CN" altLang="en-US" dirty="0"/>
-              </a:p>
-            </p:txBody>
-          </p:sp>
-          <p:sp>
-            <p:nvSpPr>
-              <p:cNvPr id="98" name="TextBox 97">
+            </p:grpSpPr>
+            <p:sp>
+              <p:nvSpPr>
+                <p:cNvPr id="27" name="Rectangle 26">
+                  <a:extLst>
+                    <a:ext uri="{FF2B5EF4-FFF2-40B4-BE49-F238E27FC236}">
+                      <a16:creationId xmlns:a16="http://schemas.microsoft.com/office/drawing/2014/main" id="{0D5D8CF5-3C70-1020-AC4B-F6E8E9F7E228}"/>
+                    </a:ext>
+                  </a:extLst>
+                </p:cNvPr>
+                <p:cNvSpPr/>
+                <p:nvPr/>
+              </p:nvSpPr>
+              <p:spPr>
+                <a:xfrm>
+                  <a:off x="1370642" y="3162236"/>
+                  <a:ext cx="7352098" cy="771672"/>
+                </a:xfrm>
+                <a:prstGeom prst="rect">
+                  <a:avLst/>
+                </a:prstGeom>
+                <a:noFill/>
+                <a:ln w="28575"/>
+              </p:spPr>
+              <p:style>
+                <a:lnRef idx="2">
+                  <a:schemeClr val="accent1"/>
+                </a:lnRef>
+                <a:fillRef idx="1">
+                  <a:schemeClr val="lt1"/>
+                </a:fillRef>
+                <a:effectRef idx="0">
+                  <a:schemeClr val="accent1"/>
+                </a:effectRef>
+                <a:fontRef idx="minor">
+                  <a:schemeClr val="dk1"/>
+                </a:fontRef>
+              </p:style>
+              <p:txBody>
+                <a:bodyPr rtlCol="0" anchor="ctr"/>
+                <a:lstStyle/>
+                <a:p>
+                  <a:pPr algn="ctr"/>
+                  <a:endParaRPr lang="zh-CN" altLang="en-US" dirty="0"/>
+                </a:p>
+              </p:txBody>
+            </p:sp>
+            <p:sp>
+              <p:nvSpPr>
+                <p:cNvPr id="28" name="TextBox 27">
+                  <a:extLst>
+                    <a:ext uri="{FF2B5EF4-FFF2-40B4-BE49-F238E27FC236}">
+                      <a16:creationId xmlns:a16="http://schemas.microsoft.com/office/drawing/2014/main" id="{17FF7FED-E84F-D59B-739A-53EF47874794}"/>
+                    </a:ext>
+                  </a:extLst>
+                </p:cNvPr>
+                <p:cNvSpPr txBox="1"/>
+                <p:nvPr/>
+              </p:nvSpPr>
+              <p:spPr>
+                <a:xfrm>
+                  <a:off x="1370639" y="3120279"/>
+                  <a:ext cx="3538042" cy="495269"/>
+                </a:xfrm>
+                <a:prstGeom prst="rect">
+                  <a:avLst/>
+                </a:prstGeom>
+                <a:noFill/>
+              </p:spPr>
+              <p:txBody>
+                <a:bodyPr wrap="square" rtlCol="0">
+                  <a:spAutoFit/>
+                </a:bodyPr>
+                <a:lstStyle/>
+                <a:p>
+                  <a:r>
+                    <a:rPr lang="en-US" altLang="zh-CN" sz="1200" dirty="0"/>
+                    <a:t>                                 </a:t>
+                  </a:r>
+                  <a:r>
+                    <a:rPr lang="en-US" altLang="zh-CN" sz="1100" dirty="0"/>
+                    <a:t>[else]</a:t>
+                  </a:r>
+                  <a:endParaRPr lang="zh-CN" altLang="en-US" sz="1100" dirty="0"/>
+                </a:p>
+              </p:txBody>
+            </p:sp>
+          </p:grpSp>
+          <p:cxnSp>
+            <p:nvCxnSpPr>
+              <p:cNvPr id="23" name="Straight Arrow Connector 22">
                 <a:extLst>
                   <a:ext uri="{FF2B5EF4-FFF2-40B4-BE49-F238E27FC236}">
-                    <a16:creationId xmlns:a16="http://schemas.microsoft.com/office/drawing/2014/main" id="{429B9D38-C597-0A3E-5B43-61094F5AC190}"/>
-                  </a:ext>
-                </a:extLst>
-              </p:cNvPr>
-              <p:cNvSpPr txBox="1"/>
-              <p:nvPr/>
-            </p:nvSpPr>
-            <p:spPr>
-              <a:xfrm>
-                <a:off x="1384531" y="3601131"/>
-                <a:ext cx="3538042" cy="307777"/>
-              </a:xfrm>
-              <a:prstGeom prst="rect">
-                <a:avLst/>
-              </a:prstGeom>
-              <a:noFill/>
-            </p:spPr>
-            <p:txBody>
-              <a:bodyPr wrap="square" rtlCol="0">
-                <a:spAutoFit/>
-              </a:bodyPr>
-              <a:lstStyle/>
-              <a:p>
-                <a:r>
-                  <a:rPr lang="en-US" altLang="zh-CN" sz="1400" dirty="0"/>
-                  <a:t>                       [</a:t>
-                </a:r>
-                <a:r>
-                  <a:rPr lang="en-US" altLang="zh-CN" sz="1400" dirty="0" err="1"/>
-                  <a:t>commandTokens</a:t>
-                </a:r>
-                <a:r>
-                  <a:rPr lang="en-US" altLang="zh-CN" sz="1400" dirty="0"/>
-                  <a:t>[0] == “short”]</a:t>
-                </a:r>
-                <a:endParaRPr lang="zh-CN" altLang="en-US" sz="1400" dirty="0"/>
-              </a:p>
-            </p:txBody>
-          </p:sp>
-          <p:cxnSp>
-            <p:nvCxnSpPr>
-              <p:cNvPr id="99" name="Straight Arrow Connector 98">
-                <a:extLst>
-                  <a:ext uri="{FF2B5EF4-FFF2-40B4-BE49-F238E27FC236}">
-                    <a16:creationId xmlns:a16="http://schemas.microsoft.com/office/drawing/2014/main" id="{249EA9AC-A90D-44D7-E720-8B4B7A8ABA50}"/>
+                    <a16:creationId xmlns:a16="http://schemas.microsoft.com/office/drawing/2014/main" id="{93E40B70-9754-EFCE-7206-2AF5BBE54C22}"/>
                   </a:ext>
                 </a:extLst>
               </p:cNvPr>
@@ -5046,8 +10443,8 @@
             </p:nvCxnSpPr>
             <p:spPr>
               <a:xfrm flipH="1">
-                <a:off x="2277963" y="4241320"/>
-                <a:ext cx="4614776" cy="0"/>
+                <a:off x="2494118" y="2076958"/>
+                <a:ext cx="5796288" cy="0"/>
               </a:xfrm>
               <a:prstGeom prst="straightConnector1">
                 <a:avLst/>
@@ -5072,1477 +10469,97 @@
               </a:fontRef>
             </p:style>
           </p:cxnSp>
-          <p:sp>
-            <p:nvSpPr>
-              <p:cNvPr id="100" name="TextBox 99">
-                <a:extLst>
-                  <a:ext uri="{FF2B5EF4-FFF2-40B4-BE49-F238E27FC236}">
-                    <a16:creationId xmlns:a16="http://schemas.microsoft.com/office/drawing/2014/main" id="{3000C508-BCAC-D88F-DFA8-84BEA7E1D5EE}"/>
-                  </a:ext>
-                </a:extLst>
-              </p:cNvPr>
-              <p:cNvSpPr txBox="1"/>
-              <p:nvPr/>
-            </p:nvSpPr>
-            <p:spPr>
-              <a:xfrm>
-                <a:off x="3681611" y="3917581"/>
-                <a:ext cx="2103430" cy="307777"/>
-              </a:xfrm>
-              <a:prstGeom prst="rect">
-                <a:avLst/>
-              </a:prstGeom>
-              <a:solidFill>
-                <a:schemeClr val="bg1"/>
-              </a:solidFill>
-            </p:spPr>
-            <p:txBody>
-              <a:bodyPr wrap="square" rtlCol="0">
-                <a:spAutoFit/>
-              </a:bodyPr>
-              <a:lstStyle/>
-              <a:p>
-                <a:pPr algn="ctr"/>
-                <a:r>
-                  <a:rPr lang="en-SG" altLang="zh-CN" sz="1400" dirty="0" err="1"/>
-                  <a:t>CommandShortAnswer</a:t>
-                </a:r>
-                <a:endParaRPr lang="zh-CN" altLang="en-US" sz="1400" dirty="0"/>
-              </a:p>
-            </p:txBody>
-          </p:sp>
         </p:grpSp>
-        <p:grpSp>
-          <p:nvGrpSpPr>
-            <p:cNvPr id="101" name="Group 100">
+        <p:sp>
+          <p:nvSpPr>
+            <p:cNvPr id="19" name="TextBox 18">
               <a:extLst>
                 <a:ext uri="{FF2B5EF4-FFF2-40B4-BE49-F238E27FC236}">
-                  <a16:creationId xmlns:a16="http://schemas.microsoft.com/office/drawing/2014/main" id="{DF627249-156E-7C1F-6B35-2C15D3BD5327}"/>
+                  <a16:creationId xmlns:a16="http://schemas.microsoft.com/office/drawing/2014/main" id="{D1BA6F57-BE41-C52F-B930-AE41101D72F8}"/>
                 </a:ext>
               </a:extLst>
             </p:cNvPr>
-            <p:cNvGrpSpPr/>
+            <p:cNvSpPr txBox="1"/>
             <p:nvPr/>
-          </p:nvGrpSpPr>
-          <p:grpSpPr>
-            <a:xfrm>
-              <a:off x="1370644" y="5157642"/>
-              <a:ext cx="6222903" cy="931132"/>
-              <a:chOff x="1370645" y="3601131"/>
-              <a:chExt cx="6222903" cy="931132"/>
-            </a:xfrm>
-          </p:grpSpPr>
-          <p:sp>
-            <p:nvSpPr>
-              <p:cNvPr id="102" name="Rectangle 101">
-                <a:extLst>
-                  <a:ext uri="{FF2B5EF4-FFF2-40B4-BE49-F238E27FC236}">
-                    <a16:creationId xmlns:a16="http://schemas.microsoft.com/office/drawing/2014/main" id="{903C25F6-801F-76BB-87AB-85312D8CEBD8}"/>
-                  </a:ext>
-                </a:extLst>
-              </p:cNvPr>
-              <p:cNvSpPr/>
-              <p:nvPr/>
-            </p:nvSpPr>
-            <p:spPr>
-              <a:xfrm>
-                <a:off x="1370645" y="3760590"/>
-                <a:ext cx="6222903" cy="771673"/>
-              </a:xfrm>
-              <a:prstGeom prst="rect">
-                <a:avLst/>
-              </a:prstGeom>
-              <a:noFill/>
-              <a:ln w="28575"/>
-            </p:spPr>
-            <p:style>
-              <a:lnRef idx="2">
-                <a:schemeClr val="accent1"/>
-              </a:lnRef>
-              <a:fillRef idx="1">
-                <a:schemeClr val="lt1"/>
-              </a:fillRef>
-              <a:effectRef idx="0">
-                <a:schemeClr val="accent1"/>
-              </a:effectRef>
-              <a:fontRef idx="minor">
-                <a:schemeClr val="dk1"/>
-              </a:fontRef>
-            </p:style>
-            <p:txBody>
-              <a:bodyPr rtlCol="0" anchor="ctr"/>
-              <a:lstStyle/>
-              <a:p>
-                <a:pPr algn="ctr"/>
-                <a:endParaRPr lang="zh-CN" altLang="en-US" dirty="0"/>
-              </a:p>
-            </p:txBody>
-          </p:sp>
-          <p:sp>
-            <p:nvSpPr>
-              <p:cNvPr id="103" name="TextBox 102">
-                <a:extLst>
-                  <a:ext uri="{FF2B5EF4-FFF2-40B4-BE49-F238E27FC236}">
-                    <a16:creationId xmlns:a16="http://schemas.microsoft.com/office/drawing/2014/main" id="{4BAE0BD2-C02F-156A-7DA5-7861F2D84265}"/>
-                  </a:ext>
-                </a:extLst>
-              </p:cNvPr>
-              <p:cNvSpPr txBox="1"/>
-              <p:nvPr/>
-            </p:nvSpPr>
-            <p:spPr>
-              <a:xfrm>
-                <a:off x="1384531" y="3601131"/>
-                <a:ext cx="3538042" cy="307777"/>
-              </a:xfrm>
-              <a:prstGeom prst="rect">
-                <a:avLst/>
-              </a:prstGeom>
-              <a:noFill/>
-            </p:spPr>
-            <p:txBody>
-              <a:bodyPr wrap="square" rtlCol="0">
-                <a:spAutoFit/>
-              </a:bodyPr>
-              <a:lstStyle/>
-              <a:p>
-                <a:r>
-                  <a:rPr lang="en-US" altLang="zh-CN" sz="1400" dirty="0"/>
-                  <a:t>                       [</a:t>
-                </a:r>
-                <a:r>
-                  <a:rPr lang="en-US" altLang="zh-CN" sz="1400" dirty="0" err="1"/>
-                  <a:t>commandTokens</a:t>
-                </a:r>
-                <a:r>
-                  <a:rPr lang="en-US" altLang="zh-CN" sz="1400" dirty="0"/>
-                  <a:t>[0] == “start”]</a:t>
-                </a:r>
-                <a:endParaRPr lang="zh-CN" altLang="en-US" sz="1400" dirty="0"/>
-              </a:p>
-            </p:txBody>
-          </p:sp>
-          <p:cxnSp>
-            <p:nvCxnSpPr>
-              <p:cNvPr id="104" name="Straight Arrow Connector 103">
-                <a:extLst>
-                  <a:ext uri="{FF2B5EF4-FFF2-40B4-BE49-F238E27FC236}">
-                    <a16:creationId xmlns:a16="http://schemas.microsoft.com/office/drawing/2014/main" id="{FADCC536-FCCB-A75B-0508-8EF68BE54F47}"/>
-                  </a:ext>
-                </a:extLst>
-              </p:cNvPr>
-              <p:cNvCxnSpPr>
-                <a:cxnSpLocks/>
-              </p:cNvCxnSpPr>
-              <p:nvPr/>
-            </p:nvCxnSpPr>
-            <p:spPr>
-              <a:xfrm flipH="1">
-                <a:off x="2277963" y="4241320"/>
-                <a:ext cx="4614776" cy="0"/>
-              </a:xfrm>
-              <a:prstGeom prst="straightConnector1">
-                <a:avLst/>
-              </a:prstGeom>
-              <a:ln w="28575">
-                <a:prstDash val="dash"/>
-                <a:tailEnd type="triangle"/>
-              </a:ln>
-            </p:spPr>
-            <p:style>
-              <a:lnRef idx="1">
-                <a:schemeClr val="accent1"/>
-              </a:lnRef>
-              <a:fillRef idx="0">
-                <a:schemeClr val="accent1"/>
-              </a:fillRef>
-              <a:effectRef idx="0">
-                <a:schemeClr val="accent1"/>
-              </a:effectRef>
-              <a:fontRef idx="minor">
-                <a:schemeClr val="tx1"/>
-              </a:fontRef>
-            </p:style>
-          </p:cxnSp>
-          <p:sp>
-            <p:nvSpPr>
-              <p:cNvPr id="105" name="TextBox 104">
-                <a:extLst>
-                  <a:ext uri="{FF2B5EF4-FFF2-40B4-BE49-F238E27FC236}">
-                    <a16:creationId xmlns:a16="http://schemas.microsoft.com/office/drawing/2014/main" id="{C772A18D-387B-07B3-8A26-D42ECECA3CDE}"/>
-                  </a:ext>
-                </a:extLst>
-              </p:cNvPr>
-              <p:cNvSpPr txBox="1"/>
-              <p:nvPr/>
-            </p:nvSpPr>
-            <p:spPr>
-              <a:xfrm>
-                <a:off x="3681611" y="3917581"/>
-                <a:ext cx="2103430" cy="307777"/>
-              </a:xfrm>
-              <a:prstGeom prst="rect">
-                <a:avLst/>
-              </a:prstGeom>
-              <a:solidFill>
-                <a:schemeClr val="bg1"/>
-              </a:solidFill>
-            </p:spPr>
-            <p:txBody>
-              <a:bodyPr wrap="square" rtlCol="0">
-                <a:spAutoFit/>
-              </a:bodyPr>
-              <a:lstStyle/>
-              <a:p>
-                <a:pPr algn="ctr"/>
-                <a:r>
-                  <a:rPr lang="en-SG" altLang="zh-CN" sz="1400" dirty="0" err="1"/>
-                  <a:t>CommandStart</a:t>
-                </a:r>
-                <a:endParaRPr lang="zh-CN" altLang="en-US" sz="1400" dirty="0"/>
-              </a:p>
-            </p:txBody>
-          </p:sp>
-        </p:grpSp>
-        <p:grpSp>
-          <p:nvGrpSpPr>
-            <p:cNvPr id="106" name="Group 105">
-              <a:extLst>
-                <a:ext uri="{FF2B5EF4-FFF2-40B4-BE49-F238E27FC236}">
-                  <a16:creationId xmlns:a16="http://schemas.microsoft.com/office/drawing/2014/main" id="{A462D8BD-5D98-2F08-552D-70D0E8564649}"/>
-                </a:ext>
-              </a:extLst>
-            </p:cNvPr>
-            <p:cNvGrpSpPr/>
-            <p:nvPr/>
-          </p:nvGrpSpPr>
-          <p:grpSpPr>
-            <a:xfrm>
-              <a:off x="1370643" y="5930076"/>
-              <a:ext cx="6222903" cy="931132"/>
-              <a:chOff x="1370645" y="3601131"/>
-              <a:chExt cx="6222903" cy="931132"/>
-            </a:xfrm>
-          </p:grpSpPr>
-          <p:sp>
-            <p:nvSpPr>
-              <p:cNvPr id="107" name="Rectangle 106">
-                <a:extLst>
-                  <a:ext uri="{FF2B5EF4-FFF2-40B4-BE49-F238E27FC236}">
-                    <a16:creationId xmlns:a16="http://schemas.microsoft.com/office/drawing/2014/main" id="{93E04462-75C4-F722-7978-E22578580ED4}"/>
-                  </a:ext>
-                </a:extLst>
-              </p:cNvPr>
-              <p:cNvSpPr/>
-              <p:nvPr/>
-            </p:nvSpPr>
-            <p:spPr>
-              <a:xfrm>
-                <a:off x="1370645" y="3760590"/>
-                <a:ext cx="6222903" cy="771673"/>
-              </a:xfrm>
-              <a:prstGeom prst="rect">
-                <a:avLst/>
-              </a:prstGeom>
-              <a:noFill/>
-              <a:ln w="28575"/>
-            </p:spPr>
-            <p:style>
-              <a:lnRef idx="2">
-                <a:schemeClr val="accent1"/>
-              </a:lnRef>
-              <a:fillRef idx="1">
-                <a:schemeClr val="lt1"/>
-              </a:fillRef>
-              <a:effectRef idx="0">
-                <a:schemeClr val="accent1"/>
-              </a:effectRef>
-              <a:fontRef idx="minor">
-                <a:schemeClr val="dk1"/>
-              </a:fontRef>
-            </p:style>
-            <p:txBody>
-              <a:bodyPr rtlCol="0" anchor="ctr"/>
-              <a:lstStyle/>
-              <a:p>
-                <a:pPr algn="ctr"/>
-                <a:endParaRPr lang="zh-CN" altLang="en-US" dirty="0"/>
-              </a:p>
-            </p:txBody>
-          </p:sp>
-          <p:sp>
-            <p:nvSpPr>
-              <p:cNvPr id="108" name="TextBox 107">
-                <a:extLst>
-                  <a:ext uri="{FF2B5EF4-FFF2-40B4-BE49-F238E27FC236}">
-                    <a16:creationId xmlns:a16="http://schemas.microsoft.com/office/drawing/2014/main" id="{3B4F64D3-5FFB-EA4D-9DCC-9022547D9D07}"/>
-                  </a:ext>
-                </a:extLst>
-              </p:cNvPr>
-              <p:cNvSpPr txBox="1"/>
-              <p:nvPr/>
-            </p:nvSpPr>
-            <p:spPr>
-              <a:xfrm>
-                <a:off x="1384531" y="3601131"/>
-                <a:ext cx="3538042" cy="307777"/>
-              </a:xfrm>
-              <a:prstGeom prst="rect">
-                <a:avLst/>
-              </a:prstGeom>
-              <a:noFill/>
-            </p:spPr>
-            <p:txBody>
-              <a:bodyPr wrap="square" rtlCol="0">
-                <a:spAutoFit/>
-              </a:bodyPr>
-              <a:lstStyle/>
-              <a:p>
-                <a:r>
-                  <a:rPr lang="en-US" altLang="zh-CN" sz="1400" dirty="0"/>
-                  <a:t>                       [</a:t>
-                </a:r>
-                <a:r>
-                  <a:rPr lang="en-US" altLang="zh-CN" sz="1400" dirty="0" err="1"/>
-                  <a:t>commandTokens</a:t>
-                </a:r>
-                <a:r>
-                  <a:rPr lang="en-US" altLang="zh-CN" sz="1400" dirty="0"/>
-                  <a:t>[0] == “edit”]</a:t>
-                </a:r>
-                <a:endParaRPr lang="zh-CN" altLang="en-US" sz="1400" dirty="0"/>
-              </a:p>
-            </p:txBody>
-          </p:sp>
-          <p:cxnSp>
-            <p:nvCxnSpPr>
-              <p:cNvPr id="109" name="Straight Arrow Connector 108">
-                <a:extLst>
-                  <a:ext uri="{FF2B5EF4-FFF2-40B4-BE49-F238E27FC236}">
-                    <a16:creationId xmlns:a16="http://schemas.microsoft.com/office/drawing/2014/main" id="{FDF42810-A3B2-F896-4D28-12051B587D95}"/>
-                  </a:ext>
-                </a:extLst>
-              </p:cNvPr>
-              <p:cNvCxnSpPr>
-                <a:cxnSpLocks/>
-              </p:cNvCxnSpPr>
-              <p:nvPr/>
-            </p:nvCxnSpPr>
-            <p:spPr>
-              <a:xfrm flipH="1">
-                <a:off x="2277963" y="4241320"/>
-                <a:ext cx="4614776" cy="0"/>
-              </a:xfrm>
-              <a:prstGeom prst="straightConnector1">
-                <a:avLst/>
-              </a:prstGeom>
-              <a:ln w="28575">
-                <a:prstDash val="dash"/>
-                <a:tailEnd type="triangle"/>
-              </a:ln>
-            </p:spPr>
-            <p:style>
-              <a:lnRef idx="1">
-                <a:schemeClr val="accent1"/>
-              </a:lnRef>
-              <a:fillRef idx="0">
-                <a:schemeClr val="accent1"/>
-              </a:fillRef>
-              <a:effectRef idx="0">
-                <a:schemeClr val="accent1"/>
-              </a:effectRef>
-              <a:fontRef idx="minor">
-                <a:schemeClr val="tx1"/>
-              </a:fontRef>
-            </p:style>
-          </p:cxnSp>
-          <p:sp>
-            <p:nvSpPr>
-              <p:cNvPr id="110" name="TextBox 109">
-                <a:extLst>
-                  <a:ext uri="{FF2B5EF4-FFF2-40B4-BE49-F238E27FC236}">
-                    <a16:creationId xmlns:a16="http://schemas.microsoft.com/office/drawing/2014/main" id="{CE13BC33-C33A-B955-FA5D-994B0A8156A9}"/>
-                  </a:ext>
-                </a:extLst>
-              </p:cNvPr>
-              <p:cNvSpPr txBox="1"/>
-              <p:nvPr/>
-            </p:nvSpPr>
-            <p:spPr>
-              <a:xfrm>
-                <a:off x="3681611" y="3917581"/>
-                <a:ext cx="2103430" cy="307777"/>
-              </a:xfrm>
-              <a:prstGeom prst="rect">
-                <a:avLst/>
-              </a:prstGeom>
-              <a:solidFill>
-                <a:schemeClr val="bg1"/>
-              </a:solidFill>
-            </p:spPr>
-            <p:txBody>
-              <a:bodyPr wrap="square" rtlCol="0">
-                <a:spAutoFit/>
-              </a:bodyPr>
-              <a:lstStyle/>
-              <a:p>
-                <a:pPr algn="ctr"/>
-                <a:r>
-                  <a:rPr lang="en-SG" altLang="zh-CN" sz="1400" dirty="0" err="1"/>
-                  <a:t>CommandEdit</a:t>
-                </a:r>
-                <a:endParaRPr lang="zh-CN" altLang="en-US" sz="1400" dirty="0"/>
-              </a:p>
-            </p:txBody>
-          </p:sp>
-        </p:grpSp>
-        <p:grpSp>
-          <p:nvGrpSpPr>
-            <p:cNvPr id="112" name="Group 111">
-              <a:extLst>
-                <a:ext uri="{FF2B5EF4-FFF2-40B4-BE49-F238E27FC236}">
-                  <a16:creationId xmlns:a16="http://schemas.microsoft.com/office/drawing/2014/main" id="{65412255-6C79-544F-007C-A41870791B91}"/>
-                </a:ext>
-              </a:extLst>
-            </p:cNvPr>
-            <p:cNvGrpSpPr/>
-            <p:nvPr/>
-          </p:nvGrpSpPr>
-          <p:grpSpPr>
-            <a:xfrm>
-              <a:off x="1370642" y="6708232"/>
-              <a:ext cx="6222903" cy="931132"/>
-              <a:chOff x="1370645" y="3601131"/>
-              <a:chExt cx="6222903" cy="931132"/>
-            </a:xfrm>
-          </p:grpSpPr>
-          <p:sp>
-            <p:nvSpPr>
-              <p:cNvPr id="113" name="Rectangle 112">
-                <a:extLst>
-                  <a:ext uri="{FF2B5EF4-FFF2-40B4-BE49-F238E27FC236}">
-                    <a16:creationId xmlns:a16="http://schemas.microsoft.com/office/drawing/2014/main" id="{2797AD77-4F44-4B88-404F-87E0962503C7}"/>
-                  </a:ext>
-                </a:extLst>
-              </p:cNvPr>
-              <p:cNvSpPr/>
-              <p:nvPr/>
-            </p:nvSpPr>
-            <p:spPr>
-              <a:xfrm>
-                <a:off x="1370645" y="3760590"/>
-                <a:ext cx="6222903" cy="771673"/>
-              </a:xfrm>
-              <a:prstGeom prst="rect">
-                <a:avLst/>
-              </a:prstGeom>
-              <a:noFill/>
-              <a:ln w="28575"/>
-            </p:spPr>
-            <p:style>
-              <a:lnRef idx="2">
-                <a:schemeClr val="accent1"/>
-              </a:lnRef>
-              <a:fillRef idx="1">
-                <a:schemeClr val="lt1"/>
-              </a:fillRef>
-              <a:effectRef idx="0">
-                <a:schemeClr val="accent1"/>
-              </a:effectRef>
-              <a:fontRef idx="minor">
-                <a:schemeClr val="dk1"/>
-              </a:fontRef>
-            </p:style>
-            <p:txBody>
-              <a:bodyPr rtlCol="0" anchor="ctr"/>
-              <a:lstStyle/>
-              <a:p>
-                <a:pPr algn="ctr"/>
-                <a:endParaRPr lang="zh-CN" altLang="en-US" dirty="0"/>
-              </a:p>
-            </p:txBody>
-          </p:sp>
-          <p:sp>
-            <p:nvSpPr>
-              <p:cNvPr id="114" name="TextBox 113">
-                <a:extLst>
-                  <a:ext uri="{FF2B5EF4-FFF2-40B4-BE49-F238E27FC236}">
-                    <a16:creationId xmlns:a16="http://schemas.microsoft.com/office/drawing/2014/main" id="{22EEA288-216F-6399-C7B9-F18A5F1397CF}"/>
-                  </a:ext>
-                </a:extLst>
-              </p:cNvPr>
-              <p:cNvSpPr txBox="1"/>
-              <p:nvPr/>
-            </p:nvSpPr>
-            <p:spPr>
-              <a:xfrm>
-                <a:off x="1384531" y="3601131"/>
-                <a:ext cx="3538042" cy="307777"/>
-              </a:xfrm>
-              <a:prstGeom prst="rect">
-                <a:avLst/>
-              </a:prstGeom>
-              <a:noFill/>
-            </p:spPr>
-            <p:txBody>
-              <a:bodyPr wrap="square" rtlCol="0">
-                <a:spAutoFit/>
-              </a:bodyPr>
-              <a:lstStyle/>
-              <a:p>
-                <a:r>
-                  <a:rPr lang="en-US" altLang="zh-CN" sz="1400" dirty="0"/>
-                  <a:t>                       [</a:t>
-                </a:r>
-                <a:r>
-                  <a:rPr lang="en-US" altLang="zh-CN" sz="1400" dirty="0" err="1"/>
-                  <a:t>commandTokens</a:t>
-                </a:r>
-                <a:r>
-                  <a:rPr lang="en-US" altLang="zh-CN" sz="1400" dirty="0"/>
-                  <a:t>[0] == “delete”]</a:t>
-                </a:r>
-                <a:endParaRPr lang="zh-CN" altLang="en-US" sz="1400" dirty="0"/>
-              </a:p>
-            </p:txBody>
-          </p:sp>
-          <p:cxnSp>
-            <p:nvCxnSpPr>
-              <p:cNvPr id="115" name="Straight Arrow Connector 114">
-                <a:extLst>
-                  <a:ext uri="{FF2B5EF4-FFF2-40B4-BE49-F238E27FC236}">
-                    <a16:creationId xmlns:a16="http://schemas.microsoft.com/office/drawing/2014/main" id="{A5177CE1-FA7F-0C8B-F1B0-D71B2A3B83A2}"/>
-                  </a:ext>
-                </a:extLst>
-              </p:cNvPr>
-              <p:cNvCxnSpPr>
-                <a:cxnSpLocks/>
-              </p:cNvCxnSpPr>
-              <p:nvPr/>
-            </p:nvCxnSpPr>
-            <p:spPr>
-              <a:xfrm flipH="1">
-                <a:off x="2277963" y="4241320"/>
-                <a:ext cx="4614776" cy="0"/>
-              </a:xfrm>
-              <a:prstGeom prst="straightConnector1">
-                <a:avLst/>
-              </a:prstGeom>
-              <a:ln w="28575">
-                <a:prstDash val="dash"/>
-                <a:tailEnd type="triangle"/>
-              </a:ln>
-            </p:spPr>
-            <p:style>
-              <a:lnRef idx="1">
-                <a:schemeClr val="accent1"/>
-              </a:lnRef>
-              <a:fillRef idx="0">
-                <a:schemeClr val="accent1"/>
-              </a:fillRef>
-              <a:effectRef idx="0">
-                <a:schemeClr val="accent1"/>
-              </a:effectRef>
-              <a:fontRef idx="minor">
-                <a:schemeClr val="tx1"/>
-              </a:fontRef>
-            </p:style>
-          </p:cxnSp>
-          <p:sp>
-            <p:nvSpPr>
-              <p:cNvPr id="116" name="TextBox 115">
-                <a:extLst>
-                  <a:ext uri="{FF2B5EF4-FFF2-40B4-BE49-F238E27FC236}">
-                    <a16:creationId xmlns:a16="http://schemas.microsoft.com/office/drawing/2014/main" id="{3A2E40E8-966A-73E8-2754-247596D787A6}"/>
-                  </a:ext>
-                </a:extLst>
-              </p:cNvPr>
-              <p:cNvSpPr txBox="1"/>
-              <p:nvPr/>
-            </p:nvSpPr>
-            <p:spPr>
-              <a:xfrm>
-                <a:off x="3681611" y="3917581"/>
-                <a:ext cx="2103430" cy="307777"/>
-              </a:xfrm>
-              <a:prstGeom prst="rect">
-                <a:avLst/>
-              </a:prstGeom>
-              <a:solidFill>
-                <a:schemeClr val="bg1"/>
-              </a:solidFill>
-            </p:spPr>
-            <p:txBody>
-              <a:bodyPr wrap="square" rtlCol="0">
-                <a:spAutoFit/>
-              </a:bodyPr>
-              <a:lstStyle/>
-              <a:p>
-                <a:pPr algn="ctr"/>
-                <a:r>
-                  <a:rPr lang="en-SG" altLang="zh-CN" sz="1400" dirty="0" err="1"/>
-                  <a:t>CommandDelete</a:t>
-                </a:r>
-                <a:endParaRPr lang="zh-CN" altLang="en-US" sz="1400" dirty="0"/>
-              </a:p>
-            </p:txBody>
-          </p:sp>
-        </p:grpSp>
-        <p:grpSp>
-          <p:nvGrpSpPr>
-            <p:cNvPr id="117" name="Group 116">
-              <a:extLst>
-                <a:ext uri="{FF2B5EF4-FFF2-40B4-BE49-F238E27FC236}">
-                  <a16:creationId xmlns:a16="http://schemas.microsoft.com/office/drawing/2014/main" id="{55068411-F706-0B31-8239-8AED2126C1B6}"/>
-                </a:ext>
-              </a:extLst>
-            </p:cNvPr>
-            <p:cNvGrpSpPr/>
-            <p:nvPr/>
-          </p:nvGrpSpPr>
-          <p:grpSpPr>
-            <a:xfrm>
-              <a:off x="1370641" y="7485450"/>
-              <a:ext cx="6222903" cy="931132"/>
-              <a:chOff x="1370645" y="3601131"/>
-              <a:chExt cx="6222903" cy="931132"/>
-            </a:xfrm>
-          </p:grpSpPr>
-          <p:sp>
-            <p:nvSpPr>
-              <p:cNvPr id="118" name="Rectangle 117">
-                <a:extLst>
-                  <a:ext uri="{FF2B5EF4-FFF2-40B4-BE49-F238E27FC236}">
-                    <a16:creationId xmlns:a16="http://schemas.microsoft.com/office/drawing/2014/main" id="{772A9032-BACA-7787-B80A-A62C75BEC28F}"/>
-                  </a:ext>
-                </a:extLst>
-              </p:cNvPr>
-              <p:cNvSpPr/>
-              <p:nvPr/>
-            </p:nvSpPr>
-            <p:spPr>
-              <a:xfrm>
-                <a:off x="1370645" y="3760590"/>
-                <a:ext cx="6222903" cy="771673"/>
-              </a:xfrm>
-              <a:prstGeom prst="rect">
-                <a:avLst/>
-              </a:prstGeom>
-              <a:noFill/>
-              <a:ln w="28575"/>
-            </p:spPr>
-            <p:style>
-              <a:lnRef idx="2">
-                <a:schemeClr val="accent1"/>
-              </a:lnRef>
-              <a:fillRef idx="1">
-                <a:schemeClr val="lt1"/>
-              </a:fillRef>
-              <a:effectRef idx="0">
-                <a:schemeClr val="accent1"/>
-              </a:effectRef>
-              <a:fontRef idx="minor">
-                <a:schemeClr val="dk1"/>
-              </a:fontRef>
-            </p:style>
-            <p:txBody>
-              <a:bodyPr rtlCol="0" anchor="ctr"/>
-              <a:lstStyle/>
-              <a:p>
-                <a:pPr algn="ctr"/>
-                <a:endParaRPr lang="zh-CN" altLang="en-US" dirty="0"/>
-              </a:p>
-            </p:txBody>
-          </p:sp>
-          <p:sp>
-            <p:nvSpPr>
-              <p:cNvPr id="119" name="TextBox 118">
-                <a:extLst>
-                  <a:ext uri="{FF2B5EF4-FFF2-40B4-BE49-F238E27FC236}">
-                    <a16:creationId xmlns:a16="http://schemas.microsoft.com/office/drawing/2014/main" id="{CC062A08-A270-7F04-EE13-B629F45B8E11}"/>
-                  </a:ext>
-                </a:extLst>
-              </p:cNvPr>
-              <p:cNvSpPr txBox="1"/>
-              <p:nvPr/>
-            </p:nvSpPr>
-            <p:spPr>
-              <a:xfrm>
-                <a:off x="1384531" y="3601131"/>
-                <a:ext cx="3538042" cy="307777"/>
-              </a:xfrm>
-              <a:prstGeom prst="rect">
-                <a:avLst/>
-              </a:prstGeom>
-              <a:noFill/>
-            </p:spPr>
-            <p:txBody>
-              <a:bodyPr wrap="square" rtlCol="0">
-                <a:spAutoFit/>
-              </a:bodyPr>
-              <a:lstStyle/>
-              <a:p>
-                <a:r>
-                  <a:rPr lang="en-US" altLang="zh-CN" sz="1400" dirty="0"/>
-                  <a:t>                       [</a:t>
-                </a:r>
-                <a:r>
-                  <a:rPr lang="en-US" altLang="zh-CN" sz="1400" dirty="0" err="1"/>
-                  <a:t>commandTokens</a:t>
-                </a:r>
-                <a:r>
-                  <a:rPr lang="en-US" altLang="zh-CN" sz="1400" dirty="0"/>
-                  <a:t>[0] == “shuffle”]</a:t>
-                </a:r>
-                <a:endParaRPr lang="zh-CN" altLang="en-US" sz="1400" dirty="0"/>
-              </a:p>
-            </p:txBody>
-          </p:sp>
-          <p:cxnSp>
-            <p:nvCxnSpPr>
-              <p:cNvPr id="120" name="Straight Arrow Connector 119">
-                <a:extLst>
-                  <a:ext uri="{FF2B5EF4-FFF2-40B4-BE49-F238E27FC236}">
-                    <a16:creationId xmlns:a16="http://schemas.microsoft.com/office/drawing/2014/main" id="{AF261E82-DD72-E5C2-D89A-105942F191CD}"/>
-                  </a:ext>
-                </a:extLst>
-              </p:cNvPr>
-              <p:cNvCxnSpPr>
-                <a:cxnSpLocks/>
-              </p:cNvCxnSpPr>
-              <p:nvPr/>
-            </p:nvCxnSpPr>
-            <p:spPr>
-              <a:xfrm flipH="1">
-                <a:off x="2277963" y="4241320"/>
-                <a:ext cx="4614776" cy="0"/>
-              </a:xfrm>
-              <a:prstGeom prst="straightConnector1">
-                <a:avLst/>
-              </a:prstGeom>
-              <a:ln w="28575">
-                <a:prstDash val="dash"/>
-                <a:tailEnd type="triangle"/>
-              </a:ln>
-            </p:spPr>
-            <p:style>
-              <a:lnRef idx="1">
-                <a:schemeClr val="accent1"/>
-              </a:lnRef>
-              <a:fillRef idx="0">
-                <a:schemeClr val="accent1"/>
-              </a:fillRef>
-              <a:effectRef idx="0">
-                <a:schemeClr val="accent1"/>
-              </a:effectRef>
-              <a:fontRef idx="minor">
-                <a:schemeClr val="tx1"/>
-              </a:fontRef>
-            </p:style>
-          </p:cxnSp>
-          <p:sp>
-            <p:nvSpPr>
-              <p:cNvPr id="121" name="TextBox 120">
-                <a:extLst>
-                  <a:ext uri="{FF2B5EF4-FFF2-40B4-BE49-F238E27FC236}">
-                    <a16:creationId xmlns:a16="http://schemas.microsoft.com/office/drawing/2014/main" id="{AACF7753-E5E1-1227-230E-E1F7B776C605}"/>
-                  </a:ext>
-                </a:extLst>
-              </p:cNvPr>
-              <p:cNvSpPr txBox="1"/>
-              <p:nvPr/>
-            </p:nvSpPr>
-            <p:spPr>
-              <a:xfrm>
-                <a:off x="3681611" y="3917581"/>
-                <a:ext cx="2103430" cy="307777"/>
-              </a:xfrm>
-              <a:prstGeom prst="rect">
-                <a:avLst/>
-              </a:prstGeom>
-              <a:solidFill>
-                <a:schemeClr val="bg1"/>
-              </a:solidFill>
-            </p:spPr>
-            <p:txBody>
-              <a:bodyPr wrap="square" rtlCol="0">
-                <a:spAutoFit/>
-              </a:bodyPr>
-              <a:lstStyle/>
-              <a:p>
-                <a:pPr algn="ctr"/>
-                <a:r>
-                  <a:rPr lang="en-SG" altLang="zh-CN" sz="1400" dirty="0" err="1"/>
-                  <a:t>CommandShuffle</a:t>
-                </a:r>
-                <a:endParaRPr lang="zh-CN" altLang="en-US" sz="1400" dirty="0"/>
-              </a:p>
-            </p:txBody>
-          </p:sp>
-        </p:grpSp>
-        <p:grpSp>
-          <p:nvGrpSpPr>
-            <p:cNvPr id="123" name="Group 122">
-              <a:extLst>
-                <a:ext uri="{FF2B5EF4-FFF2-40B4-BE49-F238E27FC236}">
-                  <a16:creationId xmlns:a16="http://schemas.microsoft.com/office/drawing/2014/main" id="{2E5C9781-39DA-4BDE-B7B2-608AD65B7474}"/>
-                </a:ext>
-              </a:extLst>
-            </p:cNvPr>
-            <p:cNvGrpSpPr/>
-            <p:nvPr/>
-          </p:nvGrpSpPr>
-          <p:grpSpPr>
-            <a:xfrm>
-              <a:off x="1370641" y="8262577"/>
-              <a:ext cx="6222903" cy="931132"/>
-              <a:chOff x="1370645" y="3601131"/>
-              <a:chExt cx="6222903" cy="931132"/>
-            </a:xfrm>
-          </p:grpSpPr>
-          <p:sp>
-            <p:nvSpPr>
-              <p:cNvPr id="124" name="Rectangle 123">
-                <a:extLst>
-                  <a:ext uri="{FF2B5EF4-FFF2-40B4-BE49-F238E27FC236}">
-                    <a16:creationId xmlns:a16="http://schemas.microsoft.com/office/drawing/2014/main" id="{94A10B6F-5701-142D-2F25-26334F00C449}"/>
-                  </a:ext>
-                </a:extLst>
-              </p:cNvPr>
-              <p:cNvSpPr/>
-              <p:nvPr/>
-            </p:nvSpPr>
-            <p:spPr>
-              <a:xfrm>
-                <a:off x="1370645" y="3760590"/>
-                <a:ext cx="6222903" cy="771673"/>
-              </a:xfrm>
-              <a:prstGeom prst="rect">
-                <a:avLst/>
-              </a:prstGeom>
-              <a:noFill/>
-              <a:ln w="28575"/>
-            </p:spPr>
-            <p:style>
-              <a:lnRef idx="2">
-                <a:schemeClr val="accent1"/>
-              </a:lnRef>
-              <a:fillRef idx="1">
-                <a:schemeClr val="lt1"/>
-              </a:fillRef>
-              <a:effectRef idx="0">
-                <a:schemeClr val="accent1"/>
-              </a:effectRef>
-              <a:fontRef idx="minor">
-                <a:schemeClr val="dk1"/>
-              </a:fontRef>
-            </p:style>
-            <p:txBody>
-              <a:bodyPr rtlCol="0" anchor="ctr"/>
-              <a:lstStyle/>
-              <a:p>
-                <a:pPr algn="ctr"/>
-                <a:endParaRPr lang="zh-CN" altLang="en-US" dirty="0"/>
-              </a:p>
-            </p:txBody>
-          </p:sp>
-          <p:sp>
-            <p:nvSpPr>
-              <p:cNvPr id="125" name="TextBox 124">
-                <a:extLst>
-                  <a:ext uri="{FF2B5EF4-FFF2-40B4-BE49-F238E27FC236}">
-                    <a16:creationId xmlns:a16="http://schemas.microsoft.com/office/drawing/2014/main" id="{1660C81E-1D6F-6E0B-80EC-89FDCF41D01F}"/>
-                  </a:ext>
-                </a:extLst>
-              </p:cNvPr>
-              <p:cNvSpPr txBox="1"/>
-              <p:nvPr/>
-            </p:nvSpPr>
-            <p:spPr>
-              <a:xfrm>
-                <a:off x="1384530" y="3601131"/>
-                <a:ext cx="3827553" cy="307777"/>
-              </a:xfrm>
-              <a:prstGeom prst="rect">
-                <a:avLst/>
-              </a:prstGeom>
-              <a:noFill/>
-            </p:spPr>
-            <p:txBody>
-              <a:bodyPr wrap="square" rtlCol="0">
-                <a:spAutoFit/>
-              </a:bodyPr>
-              <a:lstStyle/>
-              <a:p>
-                <a:r>
-                  <a:rPr lang="en-US" altLang="zh-CN" sz="1400" dirty="0"/>
-                  <a:t>                       [</a:t>
-                </a:r>
-                <a:r>
-                  <a:rPr lang="en-US" altLang="zh-CN" sz="1400" dirty="0" err="1"/>
-                  <a:t>commandTokens</a:t>
-                </a:r>
-                <a:r>
-                  <a:rPr lang="en-US" altLang="zh-CN" sz="1400" dirty="0"/>
-                  <a:t>[0] == “</a:t>
-                </a:r>
-                <a:r>
-                  <a:rPr lang="en-US" altLang="zh-CN" sz="1400" dirty="0" err="1"/>
-                  <a:t>markdiff</a:t>
-                </a:r>
-                <a:r>
-                  <a:rPr lang="en-US" altLang="zh-CN" sz="1400" dirty="0"/>
-                  <a:t>”]</a:t>
-                </a:r>
-                <a:endParaRPr lang="zh-CN" altLang="en-US" sz="1400" dirty="0"/>
-              </a:p>
-            </p:txBody>
-          </p:sp>
-          <p:cxnSp>
-            <p:nvCxnSpPr>
-              <p:cNvPr id="126" name="Straight Arrow Connector 125">
-                <a:extLst>
-                  <a:ext uri="{FF2B5EF4-FFF2-40B4-BE49-F238E27FC236}">
-                    <a16:creationId xmlns:a16="http://schemas.microsoft.com/office/drawing/2014/main" id="{51ABB45A-CDF7-DFDE-ABC5-E7A16AB178A4}"/>
-                  </a:ext>
-                </a:extLst>
-              </p:cNvPr>
-              <p:cNvCxnSpPr>
-                <a:cxnSpLocks/>
-              </p:cNvCxnSpPr>
-              <p:nvPr/>
-            </p:nvCxnSpPr>
-            <p:spPr>
-              <a:xfrm flipH="1">
-                <a:off x="2277963" y="4241320"/>
-                <a:ext cx="4614776" cy="0"/>
-              </a:xfrm>
-              <a:prstGeom prst="straightConnector1">
-                <a:avLst/>
-              </a:prstGeom>
-              <a:ln w="28575">
-                <a:prstDash val="dash"/>
-                <a:tailEnd type="triangle"/>
-              </a:ln>
-            </p:spPr>
-            <p:style>
-              <a:lnRef idx="1">
-                <a:schemeClr val="accent1"/>
-              </a:lnRef>
-              <a:fillRef idx="0">
-                <a:schemeClr val="accent1"/>
-              </a:fillRef>
-              <a:effectRef idx="0">
-                <a:schemeClr val="accent1"/>
-              </a:effectRef>
-              <a:fontRef idx="minor">
-                <a:schemeClr val="tx1"/>
-              </a:fontRef>
-            </p:style>
-          </p:cxnSp>
-          <p:sp>
-            <p:nvSpPr>
-              <p:cNvPr id="127" name="TextBox 126">
-                <a:extLst>
-                  <a:ext uri="{FF2B5EF4-FFF2-40B4-BE49-F238E27FC236}">
-                    <a16:creationId xmlns:a16="http://schemas.microsoft.com/office/drawing/2014/main" id="{6A748682-D26B-27EE-BD43-050611C6EFAF}"/>
-                  </a:ext>
-                </a:extLst>
-              </p:cNvPr>
-              <p:cNvSpPr txBox="1"/>
-              <p:nvPr/>
-            </p:nvSpPr>
-            <p:spPr>
-              <a:xfrm>
-                <a:off x="3681611" y="3917581"/>
-                <a:ext cx="2103430" cy="307777"/>
-              </a:xfrm>
-              <a:prstGeom prst="rect">
-                <a:avLst/>
-              </a:prstGeom>
-              <a:solidFill>
-                <a:schemeClr val="bg1"/>
-              </a:solidFill>
-            </p:spPr>
-            <p:txBody>
-              <a:bodyPr wrap="square" rtlCol="0">
-                <a:spAutoFit/>
-              </a:bodyPr>
-              <a:lstStyle/>
-              <a:p>
-                <a:pPr algn="ctr"/>
-                <a:r>
-                  <a:rPr lang="en-SG" altLang="zh-CN" sz="1400" dirty="0" err="1"/>
-                  <a:t>CommandMarkDifficulty</a:t>
-                </a:r>
-                <a:endParaRPr lang="zh-CN" altLang="en-US" sz="1400" dirty="0"/>
-              </a:p>
-            </p:txBody>
-          </p:sp>
-        </p:grpSp>
-        <p:grpSp>
-          <p:nvGrpSpPr>
-            <p:cNvPr id="128" name="Group 127">
-              <a:extLst>
-                <a:ext uri="{FF2B5EF4-FFF2-40B4-BE49-F238E27FC236}">
-                  <a16:creationId xmlns:a16="http://schemas.microsoft.com/office/drawing/2014/main" id="{F09470CA-4EFC-3AF7-C83B-2B67BDD556CF}"/>
-                </a:ext>
-              </a:extLst>
-            </p:cNvPr>
-            <p:cNvGrpSpPr/>
-            <p:nvPr/>
-          </p:nvGrpSpPr>
-          <p:grpSpPr>
-            <a:xfrm>
-              <a:off x="1370640" y="9040681"/>
-              <a:ext cx="6222903" cy="931132"/>
-              <a:chOff x="1370645" y="3601131"/>
-              <a:chExt cx="6222903" cy="931132"/>
-            </a:xfrm>
-          </p:grpSpPr>
-          <p:sp>
-            <p:nvSpPr>
-              <p:cNvPr id="129" name="Rectangle 128">
-                <a:extLst>
-                  <a:ext uri="{FF2B5EF4-FFF2-40B4-BE49-F238E27FC236}">
-                    <a16:creationId xmlns:a16="http://schemas.microsoft.com/office/drawing/2014/main" id="{87C7328F-C01D-2A65-793B-56DD83B9DAA0}"/>
-                  </a:ext>
-                </a:extLst>
-              </p:cNvPr>
-              <p:cNvSpPr/>
-              <p:nvPr/>
-            </p:nvSpPr>
-            <p:spPr>
-              <a:xfrm>
-                <a:off x="1370645" y="3760590"/>
-                <a:ext cx="6222903" cy="771673"/>
-              </a:xfrm>
-              <a:prstGeom prst="rect">
-                <a:avLst/>
-              </a:prstGeom>
-              <a:noFill/>
-              <a:ln w="28575"/>
-            </p:spPr>
-            <p:style>
-              <a:lnRef idx="2">
-                <a:schemeClr val="accent1"/>
-              </a:lnRef>
-              <a:fillRef idx="1">
-                <a:schemeClr val="lt1"/>
-              </a:fillRef>
-              <a:effectRef idx="0">
-                <a:schemeClr val="accent1"/>
-              </a:effectRef>
-              <a:fontRef idx="minor">
-                <a:schemeClr val="dk1"/>
-              </a:fontRef>
-            </p:style>
-            <p:txBody>
-              <a:bodyPr rtlCol="0" anchor="ctr"/>
-              <a:lstStyle/>
-              <a:p>
-                <a:pPr algn="ctr"/>
-                <a:endParaRPr lang="zh-CN" altLang="en-US" dirty="0"/>
-              </a:p>
-            </p:txBody>
-          </p:sp>
-          <p:sp>
-            <p:nvSpPr>
-              <p:cNvPr id="130" name="TextBox 129">
-                <a:extLst>
-                  <a:ext uri="{FF2B5EF4-FFF2-40B4-BE49-F238E27FC236}">
-                    <a16:creationId xmlns:a16="http://schemas.microsoft.com/office/drawing/2014/main" id="{7BC4034F-F92E-18D1-FED0-4893E2D86A61}"/>
-                  </a:ext>
-                </a:extLst>
-              </p:cNvPr>
-              <p:cNvSpPr txBox="1"/>
-              <p:nvPr/>
-            </p:nvSpPr>
-            <p:spPr>
-              <a:xfrm>
-                <a:off x="1384531" y="3601131"/>
-                <a:ext cx="3538042" cy="307777"/>
-              </a:xfrm>
-              <a:prstGeom prst="rect">
-                <a:avLst/>
-              </a:prstGeom>
-              <a:noFill/>
-            </p:spPr>
-            <p:txBody>
-              <a:bodyPr wrap="square" rtlCol="0">
-                <a:spAutoFit/>
-              </a:bodyPr>
-              <a:lstStyle/>
-              <a:p>
-                <a:r>
-                  <a:rPr lang="en-US" altLang="zh-CN" sz="1400" dirty="0"/>
-                  <a:t>                       [</a:t>
-                </a:r>
-                <a:r>
-                  <a:rPr lang="en-US" altLang="zh-CN" sz="1400" dirty="0" err="1"/>
-                  <a:t>commandTokens</a:t>
-                </a:r>
-                <a:r>
-                  <a:rPr lang="en-US" altLang="zh-CN" sz="1400" dirty="0"/>
-                  <a:t>[0] == “help”]</a:t>
-                </a:r>
-                <a:endParaRPr lang="zh-CN" altLang="en-US" sz="1400" dirty="0"/>
-              </a:p>
-            </p:txBody>
-          </p:sp>
-          <p:cxnSp>
-            <p:nvCxnSpPr>
-              <p:cNvPr id="131" name="Straight Arrow Connector 130">
-                <a:extLst>
-                  <a:ext uri="{FF2B5EF4-FFF2-40B4-BE49-F238E27FC236}">
-                    <a16:creationId xmlns:a16="http://schemas.microsoft.com/office/drawing/2014/main" id="{C3EC4FFC-DA84-D306-D489-7D930CB2EE10}"/>
-                  </a:ext>
-                </a:extLst>
-              </p:cNvPr>
-              <p:cNvCxnSpPr>
-                <a:cxnSpLocks/>
-              </p:cNvCxnSpPr>
-              <p:nvPr/>
-            </p:nvCxnSpPr>
-            <p:spPr>
-              <a:xfrm flipH="1">
-                <a:off x="2277963" y="4241320"/>
-                <a:ext cx="4614776" cy="0"/>
-              </a:xfrm>
-              <a:prstGeom prst="straightConnector1">
-                <a:avLst/>
-              </a:prstGeom>
-              <a:ln w="28575">
-                <a:prstDash val="dash"/>
-                <a:tailEnd type="triangle"/>
-              </a:ln>
-            </p:spPr>
-            <p:style>
-              <a:lnRef idx="1">
-                <a:schemeClr val="accent1"/>
-              </a:lnRef>
-              <a:fillRef idx="0">
-                <a:schemeClr val="accent1"/>
-              </a:fillRef>
-              <a:effectRef idx="0">
-                <a:schemeClr val="accent1"/>
-              </a:effectRef>
-              <a:fontRef idx="minor">
-                <a:schemeClr val="tx1"/>
-              </a:fontRef>
-            </p:style>
-          </p:cxnSp>
-          <p:sp>
-            <p:nvSpPr>
-              <p:cNvPr id="132" name="TextBox 131">
-                <a:extLst>
-                  <a:ext uri="{FF2B5EF4-FFF2-40B4-BE49-F238E27FC236}">
-                    <a16:creationId xmlns:a16="http://schemas.microsoft.com/office/drawing/2014/main" id="{B97799E2-3881-4F4E-9200-46380006E150}"/>
-                  </a:ext>
-                </a:extLst>
-              </p:cNvPr>
-              <p:cNvSpPr txBox="1"/>
-              <p:nvPr/>
-            </p:nvSpPr>
-            <p:spPr>
-              <a:xfrm>
-                <a:off x="3681611" y="3917581"/>
-                <a:ext cx="2103430" cy="307777"/>
-              </a:xfrm>
-              <a:prstGeom prst="rect">
-                <a:avLst/>
-              </a:prstGeom>
-              <a:solidFill>
-                <a:schemeClr val="bg1"/>
-              </a:solidFill>
-            </p:spPr>
-            <p:txBody>
-              <a:bodyPr wrap="square" rtlCol="0">
-                <a:spAutoFit/>
-              </a:bodyPr>
-              <a:lstStyle/>
-              <a:p>
-                <a:pPr algn="ctr"/>
-                <a:r>
-                  <a:rPr lang="en-SG" altLang="zh-CN" sz="1400" dirty="0" err="1"/>
-                  <a:t>CommandHelp</a:t>
-                </a:r>
-                <a:endParaRPr lang="zh-CN" altLang="en-US" sz="1400" dirty="0"/>
-              </a:p>
-            </p:txBody>
-          </p:sp>
-        </p:grpSp>
-        <p:grpSp>
-          <p:nvGrpSpPr>
-            <p:cNvPr id="134" name="Group 133">
-              <a:extLst>
-                <a:ext uri="{FF2B5EF4-FFF2-40B4-BE49-F238E27FC236}">
-                  <a16:creationId xmlns:a16="http://schemas.microsoft.com/office/drawing/2014/main" id="{0E7640C9-B2FD-B3FE-C906-36B90A2624A0}"/>
-                </a:ext>
-              </a:extLst>
-            </p:cNvPr>
-            <p:cNvGrpSpPr/>
-            <p:nvPr/>
-          </p:nvGrpSpPr>
-          <p:grpSpPr>
-            <a:xfrm>
-              <a:off x="1377333" y="9813021"/>
-              <a:ext cx="6222903" cy="931132"/>
-              <a:chOff x="1370645" y="3601131"/>
-              <a:chExt cx="6222903" cy="931132"/>
-            </a:xfrm>
-          </p:grpSpPr>
-          <p:sp>
-            <p:nvSpPr>
-              <p:cNvPr id="135" name="Rectangle 134">
-                <a:extLst>
-                  <a:ext uri="{FF2B5EF4-FFF2-40B4-BE49-F238E27FC236}">
-                    <a16:creationId xmlns:a16="http://schemas.microsoft.com/office/drawing/2014/main" id="{40CC84CF-8AA0-E684-C1DC-BE4DFBD473B5}"/>
-                  </a:ext>
-                </a:extLst>
-              </p:cNvPr>
-              <p:cNvSpPr/>
-              <p:nvPr/>
-            </p:nvSpPr>
-            <p:spPr>
-              <a:xfrm>
-                <a:off x="1370645" y="3760590"/>
-                <a:ext cx="6222903" cy="771673"/>
-              </a:xfrm>
-              <a:prstGeom prst="rect">
-                <a:avLst/>
-              </a:prstGeom>
-              <a:noFill/>
-              <a:ln w="28575"/>
-            </p:spPr>
-            <p:style>
-              <a:lnRef idx="2">
-                <a:schemeClr val="accent1"/>
-              </a:lnRef>
-              <a:fillRef idx="1">
-                <a:schemeClr val="lt1"/>
-              </a:fillRef>
-              <a:effectRef idx="0">
-                <a:schemeClr val="accent1"/>
-              </a:effectRef>
-              <a:fontRef idx="minor">
-                <a:schemeClr val="dk1"/>
-              </a:fontRef>
-            </p:style>
-            <p:txBody>
-              <a:bodyPr rtlCol="0" anchor="ctr"/>
-              <a:lstStyle/>
-              <a:p>
-                <a:pPr algn="ctr"/>
-                <a:endParaRPr lang="zh-CN" altLang="en-US" dirty="0"/>
-              </a:p>
-            </p:txBody>
-          </p:sp>
-          <p:sp>
-            <p:nvSpPr>
-              <p:cNvPr id="136" name="TextBox 135">
-                <a:extLst>
-                  <a:ext uri="{FF2B5EF4-FFF2-40B4-BE49-F238E27FC236}">
-                    <a16:creationId xmlns:a16="http://schemas.microsoft.com/office/drawing/2014/main" id="{C8365D53-BE1A-F84E-7DE2-868831BAF460}"/>
-                  </a:ext>
-                </a:extLst>
-              </p:cNvPr>
-              <p:cNvSpPr txBox="1"/>
-              <p:nvPr/>
-            </p:nvSpPr>
-            <p:spPr>
-              <a:xfrm>
-                <a:off x="1384531" y="3601131"/>
-                <a:ext cx="3538042" cy="307777"/>
-              </a:xfrm>
-              <a:prstGeom prst="rect">
-                <a:avLst/>
-              </a:prstGeom>
-              <a:noFill/>
-            </p:spPr>
-            <p:txBody>
-              <a:bodyPr wrap="square" rtlCol="0">
-                <a:spAutoFit/>
-              </a:bodyPr>
-              <a:lstStyle/>
-              <a:p>
-                <a:r>
-                  <a:rPr lang="en-US" altLang="zh-CN" sz="1400" dirty="0"/>
-                  <a:t>                       [else]</a:t>
-                </a:r>
-                <a:endParaRPr lang="zh-CN" altLang="en-US" sz="1400" dirty="0"/>
-              </a:p>
-            </p:txBody>
-          </p:sp>
-          <p:cxnSp>
-            <p:nvCxnSpPr>
-              <p:cNvPr id="137" name="Straight Arrow Connector 136">
-                <a:extLst>
-                  <a:ext uri="{FF2B5EF4-FFF2-40B4-BE49-F238E27FC236}">
-                    <a16:creationId xmlns:a16="http://schemas.microsoft.com/office/drawing/2014/main" id="{21B84737-10E0-FC1C-F14D-69A3C77AC75F}"/>
-                  </a:ext>
-                </a:extLst>
-              </p:cNvPr>
-              <p:cNvCxnSpPr>
-                <a:cxnSpLocks/>
-              </p:cNvCxnSpPr>
-              <p:nvPr/>
-            </p:nvCxnSpPr>
-            <p:spPr>
-              <a:xfrm flipH="1">
-                <a:off x="2277963" y="4241320"/>
-                <a:ext cx="4614776" cy="0"/>
-              </a:xfrm>
-              <a:prstGeom prst="straightConnector1">
-                <a:avLst/>
-              </a:prstGeom>
-              <a:ln w="28575">
-                <a:prstDash val="dash"/>
-                <a:tailEnd type="triangle"/>
-              </a:ln>
-            </p:spPr>
-            <p:style>
-              <a:lnRef idx="1">
-                <a:schemeClr val="accent1"/>
-              </a:lnRef>
-              <a:fillRef idx="0">
-                <a:schemeClr val="accent1"/>
-              </a:fillRef>
-              <a:effectRef idx="0">
-                <a:schemeClr val="accent1"/>
-              </a:effectRef>
-              <a:fontRef idx="minor">
-                <a:schemeClr val="tx1"/>
-              </a:fontRef>
-            </p:style>
-          </p:cxnSp>
-          <p:sp>
-            <p:nvSpPr>
-              <p:cNvPr id="138" name="TextBox 137">
-                <a:extLst>
-                  <a:ext uri="{FF2B5EF4-FFF2-40B4-BE49-F238E27FC236}">
-                    <a16:creationId xmlns:a16="http://schemas.microsoft.com/office/drawing/2014/main" id="{7E16D4CC-D08A-E9E2-B84F-D3141497CAAD}"/>
-                  </a:ext>
-                </a:extLst>
-              </p:cNvPr>
-              <p:cNvSpPr txBox="1"/>
-              <p:nvPr/>
-            </p:nvSpPr>
-            <p:spPr>
-              <a:xfrm>
-                <a:off x="3681611" y="3917581"/>
-                <a:ext cx="2103430" cy="307777"/>
-              </a:xfrm>
-              <a:prstGeom prst="rect">
-                <a:avLst/>
-              </a:prstGeom>
-              <a:solidFill>
-                <a:schemeClr val="bg1"/>
-              </a:solidFill>
-            </p:spPr>
-            <p:txBody>
-              <a:bodyPr wrap="square" rtlCol="0">
-                <a:spAutoFit/>
-              </a:bodyPr>
-              <a:lstStyle/>
-              <a:p>
-                <a:pPr algn="ctr"/>
-                <a:r>
-                  <a:rPr lang="en-SG" altLang="zh-CN" sz="1400" dirty="0" err="1"/>
-                  <a:t>CommandInvalid</a:t>
-                </a:r>
-                <a:endParaRPr lang="zh-CN" altLang="en-US" sz="1400" dirty="0"/>
-              </a:p>
-            </p:txBody>
-          </p:sp>
-        </p:grpSp>
-        <p:cxnSp>
-          <p:nvCxnSpPr>
-            <p:cNvPr id="141" name="Straight Connector 140">
-              <a:extLst>
-                <a:ext uri="{FF2B5EF4-FFF2-40B4-BE49-F238E27FC236}">
-                  <a16:creationId xmlns:a16="http://schemas.microsoft.com/office/drawing/2014/main" id="{E8F72C0B-B89C-BB65-2506-9626571BA939}"/>
-                </a:ext>
-              </a:extLst>
-            </p:cNvPr>
-            <p:cNvCxnSpPr>
-              <a:cxnSpLocks/>
-            </p:cNvCxnSpPr>
-            <p:nvPr/>
-          </p:nvCxnSpPr>
+          </p:nvSpPr>
           <p:spPr>
             <a:xfrm>
-              <a:off x="2209989" y="11283573"/>
-              <a:ext cx="4494" cy="465700"/>
+              <a:off x="4953565" y="1786411"/>
+              <a:ext cx="1256409" cy="276999"/>
             </a:xfrm>
-            <a:prstGeom prst="line">
+            <a:prstGeom prst="rect">
               <a:avLst/>
             </a:prstGeom>
-            <a:ln w="28575">
-              <a:prstDash val="dash"/>
-            </a:ln>
+            <a:solidFill>
+              <a:schemeClr val="bg1"/>
+            </a:solidFill>
           </p:spPr>
-          <p:style>
-            <a:lnRef idx="1">
-              <a:schemeClr val="accent1"/>
-            </a:lnRef>
-            <a:fillRef idx="0">
-              <a:schemeClr val="accent1"/>
-            </a:fillRef>
-            <a:effectRef idx="0">
-              <a:schemeClr val="accent1"/>
-            </a:effectRef>
-            <a:fontRef idx="minor">
-              <a:schemeClr val="tx1"/>
-            </a:fontRef>
-          </p:style>
-        </p:cxnSp>
-        <p:cxnSp>
-          <p:nvCxnSpPr>
-            <p:cNvPr id="143" name="Straight Connector 142">
-              <a:extLst>
-                <a:ext uri="{FF2B5EF4-FFF2-40B4-BE49-F238E27FC236}">
-                  <a16:creationId xmlns:a16="http://schemas.microsoft.com/office/drawing/2014/main" id="{50C7CD64-A83D-2E8B-8CF7-6084620DF1A0}"/>
-                </a:ext>
-              </a:extLst>
-            </p:cNvPr>
-            <p:cNvCxnSpPr>
-              <a:cxnSpLocks/>
-            </p:cNvCxnSpPr>
-            <p:nvPr/>
-          </p:nvCxnSpPr>
-          <p:spPr>
-            <a:xfrm>
-              <a:off x="6990085" y="11283573"/>
-              <a:ext cx="4494" cy="465700"/>
-            </a:xfrm>
-            <a:prstGeom prst="line">
-              <a:avLst/>
-            </a:prstGeom>
-            <a:ln w="28575">
-              <a:prstDash val="dash"/>
-            </a:ln>
-          </p:spPr>
-          <p:style>
-            <a:lnRef idx="1">
-              <a:schemeClr val="accent1"/>
-            </a:lnRef>
-            <a:fillRef idx="0">
-              <a:schemeClr val="accent1"/>
-            </a:fillRef>
-            <a:effectRef idx="0">
-              <a:schemeClr val="accent1"/>
-            </a:effectRef>
-            <a:fontRef idx="minor">
-              <a:schemeClr val="tx1"/>
-            </a:fontRef>
-          </p:style>
-        </p:cxnSp>
+          <p:txBody>
+            <a:bodyPr wrap="square" rtlCol="0">
+              <a:spAutoFit/>
+            </a:bodyPr>
+            <a:lstStyle/>
+            <a:p>
+              <a:pPr algn="ctr"/>
+              <a:r>
+                <a:rPr lang="en-SG" altLang="zh-CN" sz="1200" dirty="0" err="1"/>
+                <a:t>CommandInvalid</a:t>
+              </a:r>
+              <a:endParaRPr lang="zh-CN" altLang="en-US" sz="1200" dirty="0"/>
+            </a:p>
+          </p:txBody>
+        </p:sp>
       </p:grpSp>
+      <p:sp>
+        <p:nvSpPr>
+          <p:cNvPr id="29" name="Rectangle 28">
+            <a:extLst>
+              <a:ext uri="{FF2B5EF4-FFF2-40B4-BE49-F238E27FC236}">
+                <a16:creationId xmlns:a16="http://schemas.microsoft.com/office/drawing/2014/main" id="{2A1BCFA6-8E14-2BF6-D49F-70B290FF19CE}"/>
+              </a:ext>
+            </a:extLst>
+          </p:cNvPr>
+          <p:cNvSpPr/>
+          <p:nvPr/>
+        </p:nvSpPr>
+        <p:spPr>
+          <a:xfrm>
+            <a:off x="8290365" y="437012"/>
+            <a:ext cx="191731" cy="1758768"/>
+          </a:xfrm>
+          <a:prstGeom prst="rect">
+            <a:avLst/>
+          </a:prstGeom>
+        </p:spPr>
+        <p:style>
+          <a:lnRef idx="2">
+            <a:schemeClr val="accent1">
+              <a:shade val="15000"/>
+            </a:schemeClr>
+          </a:lnRef>
+          <a:fillRef idx="1">
+            <a:schemeClr val="accent1"/>
+          </a:fillRef>
+          <a:effectRef idx="0">
+            <a:schemeClr val="accent1"/>
+          </a:effectRef>
+          <a:fontRef idx="minor">
+            <a:schemeClr val="lt1"/>
+          </a:fontRef>
+        </p:style>
+        <p:txBody>
+          <a:bodyPr rtlCol="0" anchor="ctr"/>
+          <a:lstStyle/>
+          <a:p>
+            <a:pPr algn="ctr"/>
+            <a:endParaRPr lang="zh-CN" altLang="en-US"/>
+          </a:p>
+        </p:txBody>
+      </p:sp>
     </p:spTree>
     <p:extLst>
       <p:ext uri="{BB962C8B-B14F-4D97-AF65-F5344CB8AC3E}">
-        <p14:creationId xmlns:p14="http://schemas.microsoft.com/office/powerpoint/2010/main" val="3628975835"/>
+        <p14:creationId xmlns:p14="http://schemas.microsoft.com/office/powerpoint/2010/main" val="779008829"/>
       </p:ext>
     </p:extLst>
   </p:cSld>
